--- a/cs229poster.pptx
+++ b/cs229poster.pptx
@@ -310,6 +310,11 @@
       </a:defRPr>
     </a:lvl9pPr>
   </p:defaultTextStyle>
+  <p:extLst>
+    <p:ext uri="{EFAFB233-063F-42B5-8137-9DF3F51BA10A}">
+      <p15:sldGuideLst xmlns:p15="http://schemas.microsoft.com/office/powerpoint/2012/main"/>
+    </p:ext>
+  </p:extLst>
 </p:presentation>
 </file>
 
@@ -2672,7 +2677,7 @@
           </a:ln>
           <a:extLst>
             <a:ext uri="{C572A759-6A51-4108-AA02-DFA0A04FC94B}">
-              <ma14:wrappingTextBoxFlag xmlns:ma14="http://schemas.microsoft.com/office/mac/drawingml/2011/main" xmlns:a14="http://schemas.microsoft.com/office/drawing/2010/main" xmlns:m="http://schemas.openxmlformats.org/officeDocument/2006/math" xmlns="" val="1"/>
+              <ma14:wrappingTextBoxFlag xmlns="" xmlns:m="http://schemas.openxmlformats.org/officeDocument/2006/math" xmlns:a14="http://schemas.microsoft.com/office/drawing/2010/main" xmlns:ma14="http://schemas.microsoft.com/office/mac/drawingml/2011/main" val="1"/>
             </a:ext>
           </a:extLst>
         </p:spPr>
@@ -2711,7 +2716,7 @@
           </a:ln>
           <a:extLst>
             <a:ext uri="{C572A759-6A51-4108-AA02-DFA0A04FC94B}">
-              <ma14:wrappingTextBoxFlag xmlns:ma14="http://schemas.microsoft.com/office/mac/drawingml/2011/main" xmlns:a14="http://schemas.microsoft.com/office/drawing/2010/main" xmlns:m="http://schemas.openxmlformats.org/officeDocument/2006/math" xmlns="" val="1"/>
+              <ma14:wrappingTextBoxFlag xmlns="" xmlns:m="http://schemas.openxmlformats.org/officeDocument/2006/math" xmlns:a14="http://schemas.microsoft.com/office/drawing/2010/main" xmlns:ma14="http://schemas.microsoft.com/office/mac/drawingml/2011/main" val="1"/>
             </a:ext>
           </a:extLst>
         </p:spPr>
@@ -3894,7 +3899,7 @@
           </a:ln>
           <a:extLst>
             <a:ext uri="{C572A759-6A51-4108-AA02-DFA0A04FC94B}">
-              <ma14:wrappingTextBoxFlag xmlns:ma14="http://schemas.microsoft.com/office/mac/drawingml/2011/main" xmlns:a14="http://schemas.microsoft.com/office/drawing/2010/main" xmlns:m="http://schemas.openxmlformats.org/officeDocument/2006/math" xmlns="" val="1"/>
+              <ma14:wrappingTextBoxFlag xmlns="" xmlns:m="http://schemas.openxmlformats.org/officeDocument/2006/math" xmlns:a14="http://schemas.microsoft.com/office/drawing/2010/main" xmlns:ma14="http://schemas.microsoft.com/office/mac/drawingml/2011/main" val="1"/>
             </a:ext>
           </a:extLst>
         </p:spPr>
@@ -3945,7 +3950,7 @@
           </a:ln>
           <a:extLst>
             <a:ext uri="{C572A759-6A51-4108-AA02-DFA0A04FC94B}">
-              <ma14:wrappingTextBoxFlag xmlns:ma14="http://schemas.microsoft.com/office/mac/drawingml/2011/main" xmlns:a14="http://schemas.microsoft.com/office/drawing/2010/main" xmlns:m="http://schemas.openxmlformats.org/officeDocument/2006/math" xmlns="" val="1"/>
+              <ma14:wrappingTextBoxFlag xmlns="" xmlns:m="http://schemas.openxmlformats.org/officeDocument/2006/math" xmlns:a14="http://schemas.microsoft.com/office/drawing/2010/main" xmlns:ma14="http://schemas.microsoft.com/office/mac/drawingml/2011/main" val="1"/>
             </a:ext>
           </a:extLst>
         </p:spPr>
@@ -3997,7 +4002,7 @@
           </a:ln>
           <a:extLst>
             <a:ext uri="{C572A759-6A51-4108-AA02-DFA0A04FC94B}">
-              <ma14:wrappingTextBoxFlag xmlns:ma14="http://schemas.microsoft.com/office/mac/drawingml/2011/main" xmlns:a14="http://schemas.microsoft.com/office/drawing/2010/main" xmlns:m="http://schemas.openxmlformats.org/officeDocument/2006/math" xmlns="" val="1"/>
+              <ma14:wrappingTextBoxFlag xmlns="" xmlns:m="http://schemas.openxmlformats.org/officeDocument/2006/math" xmlns:a14="http://schemas.microsoft.com/office/drawing/2010/main" xmlns:ma14="http://schemas.microsoft.com/office/mac/drawingml/2011/main" val="1"/>
             </a:ext>
           </a:extLst>
         </p:spPr>
@@ -4048,7 +4053,7 @@
           </a:ln>
           <a:extLst>
             <a:ext uri="{C572A759-6A51-4108-AA02-DFA0A04FC94B}">
-              <ma14:wrappingTextBoxFlag xmlns:ma14="http://schemas.microsoft.com/office/mac/drawingml/2011/main" xmlns:a14="http://schemas.microsoft.com/office/drawing/2010/main" xmlns:m="http://schemas.openxmlformats.org/officeDocument/2006/math" xmlns="" val="1"/>
+              <ma14:wrappingTextBoxFlag xmlns="" xmlns:m="http://schemas.openxmlformats.org/officeDocument/2006/math" xmlns:a14="http://schemas.microsoft.com/office/drawing/2010/main" xmlns:ma14="http://schemas.microsoft.com/office/mac/drawingml/2011/main" val="1"/>
             </a:ext>
           </a:extLst>
         </p:spPr>
@@ -4100,7 +4105,7 @@
           </a:ln>
           <a:extLst>
             <a:ext uri="{C572A759-6A51-4108-AA02-DFA0A04FC94B}">
-              <ma14:wrappingTextBoxFlag xmlns:ma14="http://schemas.microsoft.com/office/mac/drawingml/2011/main" xmlns:a14="http://schemas.microsoft.com/office/drawing/2010/main" xmlns:m="http://schemas.openxmlformats.org/officeDocument/2006/math" xmlns="" val="1"/>
+              <ma14:wrappingTextBoxFlag xmlns="" xmlns:m="http://schemas.openxmlformats.org/officeDocument/2006/math" xmlns:a14="http://schemas.microsoft.com/office/drawing/2010/main" xmlns:ma14="http://schemas.microsoft.com/office/mac/drawingml/2011/main" val="1"/>
             </a:ext>
           </a:extLst>
         </p:spPr>
@@ -4147,7 +4152,7 @@
           </a:ln>
           <a:extLst>
             <a:ext uri="{C572A759-6A51-4108-AA02-DFA0A04FC94B}">
-              <ma14:wrappingTextBoxFlag xmlns:ma14="http://schemas.microsoft.com/office/mac/drawingml/2011/main" xmlns:a14="http://schemas.microsoft.com/office/drawing/2010/main" xmlns:m="http://schemas.openxmlformats.org/officeDocument/2006/math" xmlns="" val="1"/>
+              <ma14:wrappingTextBoxFlag xmlns="" xmlns:m="http://schemas.openxmlformats.org/officeDocument/2006/math" xmlns:a14="http://schemas.microsoft.com/office/drawing/2010/main" xmlns:ma14="http://schemas.microsoft.com/office/mac/drawingml/2011/main" val="1"/>
             </a:ext>
           </a:extLst>
         </p:spPr>
@@ -4358,7 +4363,7 @@
           </a:ln>
           <a:extLst>
             <a:ext uri="{C572A759-6A51-4108-AA02-DFA0A04FC94B}">
-              <ma14:wrappingTextBoxFlag xmlns:ma14="http://schemas.microsoft.com/office/mac/drawingml/2011/main" xmlns:a14="http://schemas.microsoft.com/office/drawing/2010/main" xmlns:m="http://schemas.openxmlformats.org/officeDocument/2006/math" xmlns="" val="1"/>
+              <ma14:wrappingTextBoxFlag xmlns="" xmlns:m="http://schemas.openxmlformats.org/officeDocument/2006/math" xmlns:a14="http://schemas.microsoft.com/office/drawing/2010/main" xmlns:ma14="http://schemas.microsoft.com/office/mac/drawingml/2011/main" val="1"/>
             </a:ext>
           </a:extLst>
         </p:spPr>
@@ -4404,7 +4409,7 @@
           </a:ln>
           <a:extLst>
             <a:ext uri="{C572A759-6A51-4108-AA02-DFA0A04FC94B}">
-              <ma14:wrappingTextBoxFlag xmlns:ma14="http://schemas.microsoft.com/office/mac/drawingml/2011/main" xmlns:a14="http://schemas.microsoft.com/office/drawing/2010/main" xmlns:m="http://schemas.openxmlformats.org/officeDocument/2006/math" xmlns="" val="1"/>
+              <ma14:wrappingTextBoxFlag xmlns="" xmlns:m="http://schemas.openxmlformats.org/officeDocument/2006/math" xmlns:a14="http://schemas.microsoft.com/office/drawing/2010/main" xmlns:ma14="http://schemas.microsoft.com/office/mac/drawingml/2011/main" val="1"/>
             </a:ext>
           </a:extLst>
         </p:spPr>
@@ -4514,7 +4519,7 @@
           </a:ln>
           <a:extLst>
             <a:ext uri="{C572A759-6A51-4108-AA02-DFA0A04FC94B}">
-              <ma14:wrappingTextBoxFlag xmlns:ma14="http://schemas.microsoft.com/office/mac/drawingml/2011/main" xmlns:a14="http://schemas.microsoft.com/office/drawing/2010/main" xmlns:m="http://schemas.openxmlformats.org/officeDocument/2006/math" xmlns="" val="1"/>
+              <ma14:wrappingTextBoxFlag xmlns="" xmlns:m="http://schemas.openxmlformats.org/officeDocument/2006/math" xmlns:a14="http://schemas.microsoft.com/office/drawing/2010/main" xmlns:ma14="http://schemas.microsoft.com/office/mac/drawingml/2011/main" val="1"/>
             </a:ext>
           </a:extLst>
         </p:spPr>
@@ -4563,7 +4568,7 @@
           </a:ln>
           <a:extLst>
             <a:ext uri="{C572A759-6A51-4108-AA02-DFA0A04FC94B}">
-              <ma14:wrappingTextBoxFlag xmlns:ma14="http://schemas.microsoft.com/office/mac/drawingml/2011/main" xmlns:a14="http://schemas.microsoft.com/office/drawing/2010/main" xmlns:m="http://schemas.openxmlformats.org/officeDocument/2006/math" xmlns="" val="1"/>
+              <ma14:wrappingTextBoxFlag xmlns="" xmlns:m="http://schemas.openxmlformats.org/officeDocument/2006/math" xmlns:a14="http://schemas.microsoft.com/office/drawing/2010/main" xmlns:ma14="http://schemas.microsoft.com/office/mac/drawingml/2011/main" val="1"/>
             </a:ext>
           </a:extLst>
         </p:spPr>
@@ -4612,7 +4617,7 @@
           </a:ln>
           <a:extLst>
             <a:ext uri="{C572A759-6A51-4108-AA02-DFA0A04FC94B}">
-              <ma14:wrappingTextBoxFlag xmlns:ma14="http://schemas.microsoft.com/office/mac/drawingml/2011/main" xmlns:a14="http://schemas.microsoft.com/office/drawing/2010/main" xmlns:m="http://schemas.openxmlformats.org/officeDocument/2006/math" xmlns="" val="1"/>
+              <ma14:wrappingTextBoxFlag xmlns="" xmlns:m="http://schemas.openxmlformats.org/officeDocument/2006/math" xmlns:a14="http://schemas.microsoft.com/office/drawing/2010/main" xmlns:ma14="http://schemas.microsoft.com/office/mac/drawingml/2011/main" val="1"/>
             </a:ext>
           </a:extLst>
         </p:spPr>
@@ -4632,7 +4637,7 @@
             </a:pPr>
             <a:r>
               <a:rPr lang="en-US" dirty="0"/>
-              <a:t>Model 1 – e.g. Random Forest Classifier</a:t>
+              <a:t>Model 1 – Logistic Regression</a:t>
             </a:r>
             <a:endParaRPr dirty="0"/>
           </a:p>
@@ -4674,7 +4679,7 @@
           </a:ln>
           <a:extLst>
             <a:ext uri="{C572A759-6A51-4108-AA02-DFA0A04FC94B}">
-              <ma14:wrappingTextBoxFlag xmlns:ma14="http://schemas.microsoft.com/office/mac/drawingml/2011/main" xmlns:a14="http://schemas.microsoft.com/office/drawing/2010/main" xmlns:m="http://schemas.openxmlformats.org/officeDocument/2006/math" xmlns="" val="1"/>
+              <ma14:wrappingTextBoxFlag xmlns="" xmlns:m="http://schemas.openxmlformats.org/officeDocument/2006/math" xmlns:a14="http://schemas.microsoft.com/office/drawing/2010/main" xmlns:ma14="http://schemas.microsoft.com/office/mac/drawingml/2011/main" val="1"/>
             </a:ext>
           </a:extLst>
         </p:spPr>
@@ -4855,7 +4860,7 @@
           </a:ln>
           <a:extLst>
             <a:ext uri="{C572A759-6A51-4108-AA02-DFA0A04FC94B}">
-              <ma14:wrappingTextBoxFlag xmlns:ma14="http://schemas.microsoft.com/office/mac/drawingml/2011/main" xmlns:a14="http://schemas.microsoft.com/office/drawing/2010/main" xmlns:m="http://schemas.openxmlformats.org/officeDocument/2006/math" xmlns="" val="1"/>
+              <ma14:wrappingTextBoxFlag xmlns="" xmlns:m="http://schemas.openxmlformats.org/officeDocument/2006/math" xmlns:a14="http://schemas.microsoft.com/office/drawing/2010/main" xmlns:ma14="http://schemas.microsoft.com/office/mac/drawingml/2011/main" val="1"/>
             </a:ext>
           </a:extLst>
         </p:spPr>
@@ -4913,7 +4918,7 @@
           </a:ln>
           <a:extLst>
             <a:ext uri="{C572A759-6A51-4108-AA02-DFA0A04FC94B}">
-              <ma14:wrappingTextBoxFlag xmlns:ma14="http://schemas.microsoft.com/office/mac/drawingml/2011/main" xmlns:a14="http://schemas.microsoft.com/office/drawing/2010/main" xmlns:m="http://schemas.openxmlformats.org/officeDocument/2006/math" xmlns="" val="1"/>
+              <ma14:wrappingTextBoxFlag xmlns="" xmlns:m="http://schemas.openxmlformats.org/officeDocument/2006/math" xmlns:a14="http://schemas.microsoft.com/office/drawing/2010/main" xmlns:ma14="http://schemas.microsoft.com/office/mac/drawingml/2011/main" val="1"/>
             </a:ext>
           </a:extLst>
         </p:spPr>
@@ -4966,7 +4971,7 @@
           </a:ln>
           <a:extLst>
             <a:ext uri="{C572A759-6A51-4108-AA02-DFA0A04FC94B}">
-              <ma14:wrappingTextBoxFlag xmlns:ma14="http://schemas.microsoft.com/office/mac/drawingml/2011/main" xmlns:a14="http://schemas.microsoft.com/office/drawing/2010/main" xmlns:m="http://schemas.openxmlformats.org/officeDocument/2006/math" xmlns="" val="1"/>
+              <ma14:wrappingTextBoxFlag xmlns="" xmlns:m="http://schemas.openxmlformats.org/officeDocument/2006/math" xmlns:a14="http://schemas.microsoft.com/office/drawing/2010/main" xmlns:ma14="http://schemas.microsoft.com/office/mac/drawingml/2011/main" val="1"/>
             </a:ext>
           </a:extLst>
         </p:spPr>
@@ -5049,7 +5054,7 @@
           </a:ln>
           <a:extLst>
             <a:ext uri="{C572A759-6A51-4108-AA02-DFA0A04FC94B}">
-              <ma14:wrappingTextBoxFlag xmlns:ma14="http://schemas.microsoft.com/office/mac/drawingml/2011/main" xmlns:a14="http://schemas.microsoft.com/office/drawing/2010/main" xmlns:m="http://schemas.openxmlformats.org/officeDocument/2006/math" xmlns="" val="1"/>
+              <ma14:wrappingTextBoxFlag xmlns="" xmlns:m="http://schemas.openxmlformats.org/officeDocument/2006/math" xmlns:a14="http://schemas.microsoft.com/office/drawing/2010/main" xmlns:ma14="http://schemas.microsoft.com/office/mac/drawingml/2011/main" val="1"/>
             </a:ext>
           </a:extLst>
         </p:spPr>
@@ -5190,74 +5195,6 @@
                 <a:sym typeface="Roboto Thin"/>
               </a:defRPr>
             </a:pPr>
-            <a:endParaRPr dirty="0"/>
-          </a:p>
-        </p:txBody>
-      </p:sp>
-      <p:sp>
-        <p:nvSpPr>
-          <p:cNvPr id="343" name="Rectangle 116">
-            <a:extLst>
-              <a:ext uri="{FF2B5EF4-FFF2-40B4-BE49-F238E27FC236}">
-                <a16:creationId xmlns:a16="http://schemas.microsoft.com/office/drawing/2014/main" id="{7B298209-419F-424D-A20F-C2971D594066}"/>
-              </a:ext>
-            </a:extLst>
-          </p:cNvPr>
-          <p:cNvSpPr txBox="1"/>
-          <p:nvPr/>
-        </p:nvSpPr>
-        <p:spPr>
-          <a:xfrm>
-            <a:off x="13462000" y="19312145"/>
-            <a:ext cx="10831842" cy="1107996"/>
-          </a:xfrm>
-          <a:prstGeom prst="rect">
-            <a:avLst/>
-          </a:prstGeom>
-          <a:ln w="3175">
-            <a:miter lim="400000"/>
-          </a:ln>
-          <a:extLst>
-            <a:ext uri="{C572A759-6A51-4108-AA02-DFA0A04FC94B}">
-              <ma14:wrappingTextBoxFlag xmlns:ma14="http://schemas.microsoft.com/office/mac/drawingml/2011/main" xmlns:a14="http://schemas.microsoft.com/office/drawing/2010/main" xmlns:m="http://schemas.openxmlformats.org/officeDocument/2006/math" xmlns="" val="1"/>
-            </a:ext>
-          </a:extLst>
-        </p:spPr>
-        <p:txBody>
-          <a:bodyPr lIns="45719" rIns="45719" anchor="ctr">
-            <a:spAutoFit/>
-          </a:bodyPr>
-          <a:lstStyle/>
-          <a:p>
-            <a:pPr defTabSz="3511296">
-              <a:defRPr sz="3600" u="sng">
-                <a:latin typeface="Roboto Regular"/>
-                <a:ea typeface="Roboto Regular"/>
-                <a:cs typeface="Roboto Regular"/>
-                <a:sym typeface="Roboto Regular"/>
-              </a:defRPr>
-            </a:pPr>
-            <a:r>
-              <a:rPr lang="en-US" dirty="0"/>
-              <a:t>Model 2 – e.g. Random Forest Classifier</a:t>
-            </a:r>
-            <a:endParaRPr dirty="0"/>
-          </a:p>
-          <a:p>
-            <a:pPr marL="360947" indent="-360947" defTabSz="3511296">
-              <a:buSzPct val="100000"/>
-              <a:buChar char="•"/>
-              <a:defRPr sz="3000">
-                <a:latin typeface="Roboto Thin"/>
-                <a:ea typeface="Roboto Thin"/>
-                <a:cs typeface="Roboto Thin"/>
-                <a:sym typeface="Roboto Thin"/>
-              </a:defRPr>
-            </a:pPr>
-            <a:r>
-              <a:rPr lang="en-US" dirty="0"/>
-              <a:t>Motivation and performance for each</a:t>
-            </a:r>
             <a:endParaRPr dirty="0"/>
           </a:p>
         </p:txBody>
@@ -5287,7 +5224,7 @@
           </a:ln>
           <a:extLst>
             <a:ext uri="{C572A759-6A51-4108-AA02-DFA0A04FC94B}">
-              <ma14:wrappingTextBoxFlag xmlns:ma14="http://schemas.microsoft.com/office/mac/drawingml/2011/main" xmlns:a14="http://schemas.microsoft.com/office/drawing/2010/main" xmlns:m="http://schemas.openxmlformats.org/officeDocument/2006/math" xmlns="" val="1"/>
+              <ma14:wrappingTextBoxFlag xmlns="" xmlns:m="http://schemas.openxmlformats.org/officeDocument/2006/math" xmlns:a14="http://schemas.microsoft.com/office/drawing/2010/main" xmlns:ma14="http://schemas.microsoft.com/office/mac/drawingml/2011/main" val="1"/>
             </a:ext>
           </a:extLst>
         </p:spPr>
@@ -5307,7 +5244,7 @@
             </a:pPr>
             <a:r>
               <a:rPr lang="en-US" dirty="0"/>
-              <a:t>Model 3 – e.g. Random Forest Classifier</a:t>
+              <a:t>Model 3 – Random Forest Classifier</a:t>
             </a:r>
             <a:endParaRPr dirty="0"/>
           </a:p>
@@ -5355,7 +5292,7 @@
           </a:ln>
           <a:extLst>
             <a:ext uri="{C572A759-6A51-4108-AA02-DFA0A04FC94B}">
-              <ma14:wrappingTextBoxFlag xmlns:ma14="http://schemas.microsoft.com/office/mac/drawingml/2011/main" xmlns:a14="http://schemas.microsoft.com/office/drawing/2010/main" xmlns:m="http://schemas.openxmlformats.org/officeDocument/2006/math" xmlns="" val="1"/>
+              <ma14:wrappingTextBoxFlag xmlns="" xmlns:m="http://schemas.openxmlformats.org/officeDocument/2006/math" xmlns:a14="http://schemas.microsoft.com/office/drawing/2010/main" xmlns:ma14="http://schemas.microsoft.com/office/mac/drawingml/2011/main" val="1"/>
             </a:ext>
           </a:extLst>
         </p:spPr>
@@ -5422,7 +5359,7 @@
           </a:ln>
           <a:extLst>
             <a:ext uri="{C572A759-6A51-4108-AA02-DFA0A04FC94B}">
-              <ma14:wrappingTextBoxFlag xmlns:ma14="http://schemas.microsoft.com/office/mac/drawingml/2011/main" xmlns:a14="http://schemas.microsoft.com/office/drawing/2010/main" xmlns:m="http://schemas.openxmlformats.org/officeDocument/2006/math" xmlns="" val="1"/>
+              <ma14:wrappingTextBoxFlag xmlns="" xmlns:m="http://schemas.openxmlformats.org/officeDocument/2006/math" xmlns:a14="http://schemas.microsoft.com/office/drawing/2010/main" xmlns:ma14="http://schemas.microsoft.com/office/mac/drawingml/2011/main" val="1"/>
             </a:ext>
           </a:extLst>
         </p:spPr>
@@ -5489,7 +5426,7 @@
           </a:ln>
           <a:extLst>
             <a:ext uri="{C572A759-6A51-4108-AA02-DFA0A04FC94B}">
-              <ma14:wrappingTextBoxFlag xmlns:ma14="http://schemas.microsoft.com/office/mac/drawingml/2011/main" xmlns:a14="http://schemas.microsoft.com/office/drawing/2010/main" xmlns:m="http://schemas.openxmlformats.org/officeDocument/2006/math" xmlns="" val="1"/>
+              <ma14:wrappingTextBoxFlag xmlns="" xmlns:m="http://schemas.openxmlformats.org/officeDocument/2006/math" xmlns:a14="http://schemas.microsoft.com/office/drawing/2010/main" xmlns:ma14="http://schemas.microsoft.com/office/mac/drawingml/2011/main" val="1"/>
             </a:ext>
           </a:extLst>
         </p:spPr>
@@ -5556,7 +5493,7 @@
           </a:ln>
           <a:extLst>
             <a:ext uri="{C572A759-6A51-4108-AA02-DFA0A04FC94B}">
-              <ma14:wrappingTextBoxFlag xmlns:ma14="http://schemas.microsoft.com/office/mac/drawingml/2011/main" xmlns:a14="http://schemas.microsoft.com/office/drawing/2010/main" xmlns:m="http://schemas.openxmlformats.org/officeDocument/2006/math" xmlns="" val="1"/>
+              <ma14:wrappingTextBoxFlag xmlns="" xmlns:m="http://schemas.openxmlformats.org/officeDocument/2006/math" xmlns:a14="http://schemas.microsoft.com/office/drawing/2010/main" xmlns:ma14="http://schemas.microsoft.com/office/mac/drawingml/2011/main" val="1"/>
             </a:ext>
           </a:extLst>
         </p:spPr>
@@ -5730,6 +5667,74 @@
               </a:rPr>
               <a:t>/djw327</a:t>
             </a:r>
+          </a:p>
+        </p:txBody>
+      </p:sp>
+      <p:sp>
+        <p:nvSpPr>
+          <p:cNvPr id="32" name="Rectangle 116">
+            <a:extLst>
+              <a:ext uri="{FF2B5EF4-FFF2-40B4-BE49-F238E27FC236}">
+                <a16:creationId xmlns:a16="http://schemas.microsoft.com/office/drawing/2014/main" id="{A4B05AF9-A882-B74D-98D2-F13906061118}"/>
+              </a:ext>
+            </a:extLst>
+          </p:cNvPr>
+          <p:cNvSpPr txBox="1"/>
+          <p:nvPr/>
+        </p:nvSpPr>
+        <p:spPr>
+          <a:xfrm>
+            <a:off x="13462000" y="19431895"/>
+            <a:ext cx="10831842" cy="1107996"/>
+          </a:xfrm>
+          <a:prstGeom prst="rect">
+            <a:avLst/>
+          </a:prstGeom>
+          <a:ln w="3175">
+            <a:miter lim="400000"/>
+          </a:ln>
+          <a:extLst>
+            <a:ext uri="{C572A759-6A51-4108-AA02-DFA0A04FC94B}">
+              <ma14:wrappingTextBoxFlag xmlns="" xmlns:m="http://schemas.openxmlformats.org/officeDocument/2006/math" xmlns:a14="http://schemas.microsoft.com/office/drawing/2010/main" xmlns:ma14="http://schemas.microsoft.com/office/mac/drawingml/2011/main" val="1"/>
+            </a:ext>
+          </a:extLst>
+        </p:spPr>
+        <p:txBody>
+          <a:bodyPr lIns="45719" rIns="45719" anchor="ctr">
+            <a:spAutoFit/>
+          </a:bodyPr>
+          <a:lstStyle/>
+          <a:p>
+            <a:pPr defTabSz="3511296">
+              <a:defRPr sz="3600" u="sng">
+                <a:latin typeface="Roboto Regular"/>
+                <a:ea typeface="Roboto Regular"/>
+                <a:cs typeface="Roboto Regular"/>
+                <a:sym typeface="Roboto Regular"/>
+              </a:defRPr>
+            </a:pPr>
+            <a:r>
+              <a:rPr lang="en-US" dirty="0"/>
+              <a:t>Model 2 – SVM w/ Gaussian Kernel</a:t>
+            </a:r>
+            <a:endParaRPr dirty="0"/>
+          </a:p>
+          <a:p>
+            <a:pPr marL="360947" indent="-360947" defTabSz="3511296">
+              <a:buSzPct val="100000"/>
+              <a:buChar char="•"/>
+              <a:defRPr sz="3000">
+                <a:latin typeface="Roboto Thin"/>
+                <a:ea typeface="Roboto Thin"/>
+                <a:cs typeface="Roboto Thin"/>
+                <a:sym typeface="Roboto Thin"/>
+              </a:defRPr>
+            </a:pPr>
+            <a:r>
+              <a:rPr lang="en-US" dirty="0"/>
+              <a:t>Motivation and performance for each</a:t>
+            </a:r>
+            <a:endParaRPr dirty="0"/>
           </a:p>
         </p:txBody>
       </p:sp>

--- a/cs229poster.pptx
+++ b/cs229poster.pptx
@@ -310,6 +310,11 @@
       </a:defRPr>
     </a:lvl9pPr>
   </p:defaultTextStyle>
+  <p:extLst>
+    <p:ext uri="{EFAFB233-063F-42B5-8137-9DF3F51BA10A}">
+      <p15:sldGuideLst xmlns:p15="http://schemas.microsoft.com/office/powerpoint/2012/main"/>
+    </p:ext>
+  </p:extLst>
 </p:presentation>
 </file>
 
@@ -3864,7 +3869,28 @@
           <a:p>
             <a:r>
               <a:rPr lang="en-US" dirty="0"/>
-              <a:t>Sean Friedowitz (sfriedo), Kevin J Hou (kjhou)</a:t>
+              <a:t>Sean Friedowitz (</a:t>
+            </a:r>
+            <a:r>
+              <a:rPr lang="en-US" dirty="0">
+                <a:latin typeface="Courier" pitchFamily="2" charset="0"/>
+                <a:cs typeface="Calibri" panose="020F0502020204030204" pitchFamily="34" charset="0"/>
+              </a:rPr>
+              <a:t>sfriedo</a:t>
+            </a:r>
+            <a:r>
+              <a:rPr lang="en-US" dirty="0"/>
+              <a:t>), Kevin J Hou (</a:t>
+            </a:r>
+            <a:r>
+              <a:rPr lang="en-US" dirty="0">
+                <a:latin typeface="Courier" pitchFamily="2" charset="0"/>
+              </a:rPr>
+              <a:t>kjhou</a:t>
+            </a:r>
+            <a:r>
+              <a:rPr lang="en-US" dirty="0"/>
+              <a:t>)</a:t>
             </a:r>
             <a:endParaRPr dirty="0"/>
           </a:p>
@@ -4347,8 +4373,8 @@
         </p:nvSpPr>
         <p:spPr>
           <a:xfrm>
-            <a:off x="26640272" y="7111509"/>
-            <a:ext cx="9711456" cy="646331"/>
+            <a:off x="26640272" y="7166681"/>
+            <a:ext cx="5019567" cy="646331"/>
           </a:xfrm>
           <a:prstGeom prst="rect">
             <a:avLst/>
@@ -4363,7 +4389,7 @@
           </a:extLst>
         </p:spPr>
         <p:txBody>
-          <a:bodyPr lIns="45719" rIns="45719" anchor="ctr">
+          <a:bodyPr wrap="square" lIns="45719" rIns="45719" anchor="ctr">
             <a:spAutoFit/>
           </a:bodyPr>
           <a:lstStyle>
@@ -4470,7 +4496,7 @@
         </p:nvSpPr>
         <p:spPr>
           <a:xfrm>
-            <a:off x="7088387" y="13074921"/>
+            <a:off x="19526249" y="4312450"/>
             <a:ext cx="5080001" cy="4749301"/>
           </a:xfrm>
           <a:prstGeom prst="rect">
@@ -4491,7 +4517,7 @@
           <a:bodyPr lIns="35277" tIns="35277" rIns="35277" bIns="35277" anchor="ctr"/>
           <a:lstStyle/>
           <a:p>
-            <a:endParaRPr/>
+            <a:endParaRPr lang="en-US" dirty="0"/>
           </a:p>
         </p:txBody>
       </p:sp>
@@ -4552,7 +4578,7 @@
         </p:nvSpPr>
         <p:spPr>
           <a:xfrm>
-            <a:off x="7274725" y="13292189"/>
+            <a:off x="19822725" y="4584291"/>
             <a:ext cx="4783525" cy="646331"/>
           </a:xfrm>
           <a:prstGeom prst="rect">
@@ -4587,7 +4613,7 @@
             </a:pPr>
             <a:r>
               <a:rPr lang="en-US" u="sng" dirty="0"/>
-              <a:t>Clinical Features?:</a:t>
+              <a:t>Top Genes:</a:t>
             </a:r>
             <a:endParaRPr u="sng" dirty="0"/>
           </a:p>
@@ -4663,7 +4689,7 @@
         </p:nvSpPr>
         <p:spPr>
           <a:xfrm>
-            <a:off x="7274725" y="14071589"/>
+            <a:off x="19822725" y="5363691"/>
             <a:ext cx="4707325" cy="3200876"/>
           </a:xfrm>
           <a:prstGeom prst="rect">

--- a/cs229poster.pptx
+++ b/cs229poster.pptx
@@ -2677,7 +2677,7 @@
           </a:ln>
           <a:extLst>
             <a:ext uri="{C572A759-6A51-4108-AA02-DFA0A04FC94B}">
-              <ma14:wrappingTextBoxFlag xmlns:ma14="http://schemas.microsoft.com/office/mac/drawingml/2011/main" xmlns:a14="http://schemas.microsoft.com/office/drawing/2010/main" xmlns:m="http://schemas.openxmlformats.org/officeDocument/2006/math" xmlns="" val="1"/>
+              <ma14:wrappingTextBoxFlag xmlns="" xmlns:m="http://schemas.openxmlformats.org/officeDocument/2006/math" xmlns:a14="http://schemas.microsoft.com/office/drawing/2010/main" xmlns:ma14="http://schemas.microsoft.com/office/mac/drawingml/2011/main" val="1"/>
             </a:ext>
           </a:extLst>
         </p:spPr>
@@ -2716,7 +2716,7 @@
           </a:ln>
           <a:extLst>
             <a:ext uri="{C572A759-6A51-4108-AA02-DFA0A04FC94B}">
-              <ma14:wrappingTextBoxFlag xmlns:ma14="http://schemas.microsoft.com/office/mac/drawingml/2011/main" xmlns:a14="http://schemas.microsoft.com/office/drawing/2010/main" xmlns:m="http://schemas.openxmlformats.org/officeDocument/2006/math" xmlns="" val="1"/>
+              <ma14:wrappingTextBoxFlag xmlns="" xmlns:m="http://schemas.openxmlformats.org/officeDocument/2006/math" xmlns:a14="http://schemas.microsoft.com/office/drawing/2010/main" xmlns:ma14="http://schemas.microsoft.com/office/mac/drawingml/2011/main" val="1"/>
             </a:ext>
           </a:extLst>
         </p:spPr>
@@ -3783,7 +3783,7 @@
                 </a:solidFill>
               </a:defRPr>
             </a:pPr>
-            <a:endParaRPr/>
+            <a:endParaRPr dirty="0"/>
           </a:p>
         </p:txBody>
       </p:sp>
@@ -3920,7 +3920,7 @@
           </a:ln>
           <a:extLst>
             <a:ext uri="{C572A759-6A51-4108-AA02-DFA0A04FC94B}">
-              <ma14:wrappingTextBoxFlag xmlns:ma14="http://schemas.microsoft.com/office/mac/drawingml/2011/main" xmlns:a14="http://schemas.microsoft.com/office/drawing/2010/main" xmlns:m="http://schemas.openxmlformats.org/officeDocument/2006/math" xmlns="" val="1"/>
+              <ma14:wrappingTextBoxFlag xmlns="" xmlns:m="http://schemas.openxmlformats.org/officeDocument/2006/math" xmlns:a14="http://schemas.microsoft.com/office/drawing/2010/main" xmlns:ma14="http://schemas.microsoft.com/office/mac/drawingml/2011/main" val="1"/>
             </a:ext>
           </a:extLst>
         </p:spPr>
@@ -3942,8 +3942,13 @@
           <a:p>
             <a:r>
               <a:rPr dirty="0"/>
-              <a:t> Purpose</a:t>
-            </a:r>
+              <a:t> </a:t>
+            </a:r>
+            <a:r>
+              <a:rPr lang="en-US" dirty="0"/>
+              <a:t>Motivation</a:t>
+            </a:r>
+            <a:endParaRPr dirty="0"/>
           </a:p>
         </p:txBody>
       </p:sp>
@@ -3955,7 +3960,7 @@
         </p:nvSpPr>
         <p:spPr>
           <a:xfrm>
-            <a:off x="761999" y="11557000"/>
+            <a:off x="761999" y="12800225"/>
             <a:ext cx="11684001" cy="1143000"/>
           </a:xfrm>
           <a:prstGeom prst="rect">
@@ -3971,7 +3976,7 @@
           </a:ln>
           <a:extLst>
             <a:ext uri="{C572A759-6A51-4108-AA02-DFA0A04FC94B}">
-              <ma14:wrappingTextBoxFlag xmlns:ma14="http://schemas.microsoft.com/office/mac/drawingml/2011/main" xmlns:a14="http://schemas.microsoft.com/office/drawing/2010/main" xmlns:m="http://schemas.openxmlformats.org/officeDocument/2006/math" xmlns="" val="1"/>
+              <ma14:wrappingTextBoxFlag xmlns="" xmlns:m="http://schemas.openxmlformats.org/officeDocument/2006/math" xmlns:a14="http://schemas.microsoft.com/office/drawing/2010/main" xmlns:ma14="http://schemas.microsoft.com/office/mac/drawingml/2011/main" val="1"/>
             </a:ext>
           </a:extLst>
         </p:spPr>
@@ -4023,7 +4028,7 @@
           </a:ln>
           <a:extLst>
             <a:ext uri="{C572A759-6A51-4108-AA02-DFA0A04FC94B}">
-              <ma14:wrappingTextBoxFlag xmlns:ma14="http://schemas.microsoft.com/office/mac/drawingml/2011/main" xmlns:a14="http://schemas.microsoft.com/office/drawing/2010/main" xmlns:m="http://schemas.openxmlformats.org/officeDocument/2006/math" xmlns="" val="1"/>
+              <ma14:wrappingTextBoxFlag xmlns="" xmlns:m="http://schemas.openxmlformats.org/officeDocument/2006/math" xmlns:a14="http://schemas.microsoft.com/office/drawing/2010/main" xmlns:ma14="http://schemas.microsoft.com/office/mac/drawingml/2011/main" val="1"/>
             </a:ext>
           </a:extLst>
         </p:spPr>
@@ -4074,7 +4079,7 @@
           </a:ln>
           <a:extLst>
             <a:ext uri="{C572A759-6A51-4108-AA02-DFA0A04FC94B}">
-              <ma14:wrappingTextBoxFlag xmlns:ma14="http://schemas.microsoft.com/office/mac/drawingml/2011/main" xmlns:a14="http://schemas.microsoft.com/office/drawing/2010/main" xmlns:m="http://schemas.openxmlformats.org/officeDocument/2006/math" xmlns="" val="1"/>
+              <ma14:wrappingTextBoxFlag xmlns="" xmlns:m="http://schemas.openxmlformats.org/officeDocument/2006/math" xmlns:a14="http://schemas.microsoft.com/office/drawing/2010/main" xmlns:ma14="http://schemas.microsoft.com/office/mac/drawingml/2011/main" val="1"/>
             </a:ext>
           </a:extLst>
         </p:spPr>
@@ -4126,7 +4131,7 @@
           </a:ln>
           <a:extLst>
             <a:ext uri="{C572A759-6A51-4108-AA02-DFA0A04FC94B}">
-              <ma14:wrappingTextBoxFlag xmlns:ma14="http://schemas.microsoft.com/office/mac/drawingml/2011/main" xmlns:a14="http://schemas.microsoft.com/office/drawing/2010/main" xmlns:m="http://schemas.openxmlformats.org/officeDocument/2006/math" xmlns="" val="1"/>
+              <ma14:wrappingTextBoxFlag xmlns="" xmlns:m="http://schemas.openxmlformats.org/officeDocument/2006/math" xmlns:a14="http://schemas.microsoft.com/office/drawing/2010/main" xmlns:ma14="http://schemas.microsoft.com/office/mac/drawingml/2011/main" val="1"/>
             </a:ext>
           </a:extLst>
         </p:spPr>
@@ -4162,8 +4167,8 @@
         </p:nvSpPr>
         <p:spPr>
           <a:xfrm>
-            <a:off x="1046480" y="4195925"/>
-            <a:ext cx="11175248" cy="6001643"/>
+            <a:off x="1046479" y="4273148"/>
+            <a:ext cx="11175248" cy="7017306"/>
           </a:xfrm>
           <a:prstGeom prst="rect">
             <a:avLst/>
@@ -4173,7 +4178,7 @@
           </a:ln>
           <a:extLst>
             <a:ext uri="{C572A759-6A51-4108-AA02-DFA0A04FC94B}">
-              <ma14:wrappingTextBoxFlag xmlns:ma14="http://schemas.microsoft.com/office/mac/drawingml/2011/main" xmlns:a14="http://schemas.microsoft.com/office/drawing/2010/main" xmlns:m="http://schemas.openxmlformats.org/officeDocument/2006/math" xmlns="" val="1"/>
+              <ma14:wrappingTextBoxFlag xmlns="" xmlns:m="http://schemas.openxmlformats.org/officeDocument/2006/math" xmlns:a14="http://schemas.microsoft.com/office/drawing/2010/main" xmlns:ma14="http://schemas.microsoft.com/office/mac/drawingml/2011/main" val="1"/>
             </a:ext>
           </a:extLst>
         </p:spPr>
@@ -4193,7 +4198,7 @@
             </a:pPr>
             <a:r>
               <a:rPr lang="en-US" u="sng" dirty="0"/>
-              <a:t>Early Detection</a:t>
+              <a:t>Early Detection Saves Lives</a:t>
             </a:r>
             <a:endParaRPr u="sng" dirty="0"/>
           </a:p>
@@ -4210,7 +4215,11 @@
             </a:pPr>
             <a:r>
               <a:rPr lang="en-US" dirty="0"/>
-              <a:t>Save lives fuck cancer, etc.</a:t>
+              <a:t>Lung Cancer is the second most-common type of cancer.</a:t>
+            </a:r>
+            <a:r>
+              <a:rPr lang="en-US" baseline="30000" dirty="0"/>
+              <a:t>[1]</a:t>
             </a:r>
           </a:p>
           <a:p>
@@ -4226,35 +4235,12 @@
             </a:pPr>
             <a:r>
               <a:rPr lang="en-US" dirty="0"/>
-              <a:t>Nasal Cells – Non-invasive!</a:t>
-            </a:r>
-            <a:endParaRPr dirty="0"/>
-          </a:p>
-          <a:p>
-            <a:pPr defTabSz="3511296">
-              <a:defRPr sz="3600">
-                <a:latin typeface="Roboto Thin"/>
-                <a:ea typeface="Roboto Thin"/>
-                <a:cs typeface="Roboto Thin"/>
-                <a:sym typeface="Roboto Thin"/>
-              </a:defRPr>
-            </a:pPr>
-            <a:endParaRPr dirty="0"/>
-          </a:p>
-          <a:p>
-            <a:pPr defTabSz="3511296">
-              <a:defRPr sz="3600" u="sng">
-                <a:latin typeface="Roboto Regular"/>
-                <a:ea typeface="Roboto Regular"/>
-                <a:cs typeface="Roboto Regular"/>
-                <a:sym typeface="Roboto Regular"/>
-              </a:defRPr>
-            </a:pPr>
-            <a:r>
-              <a:rPr lang="en-US" dirty="0"/>
-              <a:t>Genome Screening</a:t>
-            </a:r>
-            <a:endParaRPr dirty="0"/>
+              <a:t>About 500,000 new cases diagnosed annually in the U.S.</a:t>
+            </a:r>
+            <a:r>
+              <a:rPr lang="en-US" baseline="30000" dirty="0"/>
+              <a:t>[1]</a:t>
+            </a:r>
           </a:p>
           <a:p>
             <a:pPr marL="360947" indent="-360947" defTabSz="3511296">
@@ -4268,9 +4254,46 @@
               </a:defRPr>
             </a:pPr>
             <a:r>
-              <a:rPr dirty="0"/>
-              <a:t>Two Players: No Collusion</a:t>
-            </a:r>
+              <a:rPr lang="en-US" dirty="0"/>
+              <a:t>When detected early, success rate of treatment is very high.</a:t>
+            </a:r>
+            <a:r>
+              <a:rPr lang="en-US" baseline="30000" dirty="0"/>
+              <a:t>[2]</a:t>
+            </a:r>
+            <a:endParaRPr baseline="30000" dirty="0"/>
+          </a:p>
+          <a:p>
+            <a:pPr defTabSz="3511296">
+              <a:defRPr sz="3600">
+                <a:latin typeface="Roboto Thin"/>
+                <a:ea typeface="Roboto Thin"/>
+                <a:cs typeface="Roboto Thin"/>
+                <a:sym typeface="Roboto Thin"/>
+              </a:defRPr>
+            </a:pPr>
+            <a:endParaRPr sz="3600" dirty="0"/>
+          </a:p>
+          <a:p>
+            <a:pPr defTabSz="3511296">
+              <a:defRPr sz="3600" u="sng">
+                <a:latin typeface="Roboto Regular"/>
+                <a:ea typeface="Roboto Regular"/>
+                <a:cs typeface="Roboto Regular"/>
+                <a:sym typeface="Roboto Regular"/>
+              </a:defRPr>
+            </a:pPr>
+            <a:r>
+              <a:rPr lang="en-US" dirty="0"/>
+              <a:t>Genome Screening </a:t>
+            </a:r>
+            <a:r>
+              <a:rPr lang="en-US" dirty="0">
+                <a:sym typeface="Wingdings" pitchFamily="2" charset="2"/>
+              </a:rPr>
+              <a:t> Non-invasive Early Detection</a:t>
+            </a:r>
+            <a:endParaRPr dirty="0"/>
           </a:p>
           <a:p>
             <a:pPr marL="360947" indent="-360947" defTabSz="3511296">
@@ -4284,35 +4307,13 @@
               </a:defRPr>
             </a:pPr>
             <a:r>
-              <a:rPr dirty="0"/>
-              <a:t>Single-Round: No Scoring</a:t>
-            </a:r>
-          </a:p>
-          <a:p>
-            <a:pPr defTabSz="3511296">
-              <a:defRPr sz="3000">
-                <a:latin typeface="Roboto Thin"/>
-                <a:ea typeface="Roboto Thin"/>
-                <a:cs typeface="Roboto Thin"/>
-                <a:sym typeface="Roboto Thin"/>
-              </a:defRPr>
-            </a:pPr>
-            <a:endParaRPr dirty="0"/>
-          </a:p>
-          <a:p>
-            <a:pPr defTabSz="3511296">
-              <a:defRPr sz="3600">
-                <a:latin typeface="Roboto Regular"/>
-                <a:ea typeface="Roboto Regular"/>
-                <a:cs typeface="Roboto Regular"/>
-                <a:sym typeface="Roboto Regular"/>
-              </a:defRPr>
-            </a:pPr>
-            <a:r>
-              <a:rPr lang="en-US" u="sng" dirty="0"/>
-              <a:t>Overview of Work and Results</a:t>
-            </a:r>
-            <a:endParaRPr u="sng" dirty="0"/>
+              <a:rPr lang="en-US" dirty="0"/>
+              <a:t>NGS has enabled massively parallel sequencing of genomes.</a:t>
+            </a:r>
+            <a:r>
+              <a:rPr lang="en-US" baseline="30000" dirty="0"/>
+              <a:t>[3]</a:t>
+            </a:r>
           </a:p>
           <a:p>
             <a:pPr marL="360947" indent="-360947" defTabSz="3511296">
@@ -4327,8 +4328,60 @@
             </a:pPr>
             <a:r>
               <a:rPr lang="en-US" dirty="0"/>
-              <a:t>Best test error</a:t>
-            </a:r>
+              <a:t>RNA transcriptome: expression levels of all mRNA in a cell.</a:t>
+            </a:r>
+          </a:p>
+          <a:p>
+            <a:pPr marL="360947" indent="-360947" defTabSz="3511296">
+              <a:buSzPct val="100000"/>
+              <a:buFontTx/>
+              <a:buChar char="•"/>
+              <a:defRPr sz="3000">
+                <a:latin typeface="Roboto Thin"/>
+                <a:ea typeface="Roboto Thin"/>
+                <a:cs typeface="Roboto Thin"/>
+                <a:sym typeface="Roboto Thin"/>
+              </a:defRPr>
+            </a:pPr>
+            <a:r>
+              <a:rPr lang="en-US" b="1" dirty="0"/>
+              <a:t>Idea: </a:t>
+            </a:r>
+            <a:r>
+              <a:rPr lang="en-US" dirty="0"/>
+              <a:t>Non-invasive screening using nasal epithelial cells.</a:t>
+            </a:r>
+            <a:r>
+              <a:rPr lang="en-US" baseline="30000" dirty="0"/>
+              <a:t>[4]</a:t>
+            </a:r>
+            <a:endParaRPr dirty="0"/>
+          </a:p>
+          <a:p>
+            <a:pPr defTabSz="3511296">
+              <a:defRPr sz="3000">
+                <a:latin typeface="Roboto Thin"/>
+                <a:ea typeface="Roboto Thin"/>
+                <a:cs typeface="Roboto Thin"/>
+                <a:sym typeface="Roboto Thin"/>
+              </a:defRPr>
+            </a:pPr>
+            <a:endParaRPr sz="3600" dirty="0"/>
+          </a:p>
+          <a:p>
+            <a:pPr defTabSz="3511296">
+              <a:defRPr sz="3600">
+                <a:latin typeface="Roboto Regular"/>
+                <a:ea typeface="Roboto Regular"/>
+                <a:cs typeface="Roboto Regular"/>
+                <a:sym typeface="Roboto Regular"/>
+              </a:defRPr>
+            </a:pPr>
+            <a:r>
+              <a:rPr lang="en-US" u="sng" dirty="0"/>
+              <a:t>Goal: Build a Classifier that uses RNA Transcriptome</a:t>
+            </a:r>
+            <a:endParaRPr u="sng" dirty="0"/>
           </a:p>
           <a:p>
             <a:pPr marL="360947" indent="-360947" defTabSz="3511296">
@@ -4343,7 +4396,7 @@
             </a:pPr>
             <a:r>
               <a:rPr lang="en-US" dirty="0"/>
-              <a:t>Anything we learn from feature selection/different models</a:t>
+              <a:t>Metrics: sensitivity more important than specificity.</a:t>
             </a:r>
           </a:p>
           <a:p>
@@ -4359,9 +4412,24 @@
             </a:pPr>
             <a:r>
               <a:rPr lang="en-US" dirty="0"/>
-              <a:t>Comparison to published work</a:t>
-            </a:r>
-            <a:endParaRPr dirty="0"/>
+              <a:t>Primary challenge – feature selection.</a:t>
+            </a:r>
+          </a:p>
+          <a:p>
+            <a:pPr marL="360947" indent="-360947" defTabSz="3511296">
+              <a:buSzPct val="100000"/>
+              <a:buChar char="•"/>
+              <a:defRPr sz="3000">
+                <a:latin typeface="Roboto Thin"/>
+                <a:ea typeface="Roboto Thin"/>
+                <a:cs typeface="Roboto Thin"/>
+                <a:sym typeface="Roboto Thin"/>
+              </a:defRPr>
+            </a:pPr>
+            <a:r>
+              <a:rPr lang="en-US" dirty="0"/>
+              <a:t>Test various models (logistic, weighted voting, SVM, ensemble).</a:t>
+            </a:r>
           </a:p>
         </p:txBody>
       </p:sp>
@@ -4373,7 +4441,7 @@
         </p:nvSpPr>
         <p:spPr>
           <a:xfrm>
-            <a:off x="26640272" y="7166681"/>
+            <a:off x="25907999" y="12403473"/>
             <a:ext cx="5019567" cy="646331"/>
           </a:xfrm>
           <a:prstGeom prst="rect">
@@ -4384,7 +4452,7 @@
           </a:ln>
           <a:extLst>
             <a:ext uri="{C572A759-6A51-4108-AA02-DFA0A04FC94B}">
-              <ma14:wrappingTextBoxFlag xmlns:ma14="http://schemas.microsoft.com/office/mac/drawingml/2011/main" xmlns:a14="http://schemas.microsoft.com/office/drawing/2010/main" xmlns:m="http://schemas.openxmlformats.org/officeDocument/2006/math" xmlns="" val="1"/>
+              <ma14:wrappingTextBoxFlag xmlns="" xmlns:m="http://schemas.openxmlformats.org/officeDocument/2006/math" xmlns:a14="http://schemas.microsoft.com/office/drawing/2010/main" xmlns:ma14="http://schemas.microsoft.com/office/mac/drawingml/2011/main" val="1"/>
             </a:ext>
           </a:extLst>
         </p:spPr>
@@ -4419,8 +4487,8 @@
         </p:nvSpPr>
         <p:spPr>
           <a:xfrm>
-            <a:off x="13462000" y="8194994"/>
-            <a:ext cx="5778500" cy="2954655"/>
+            <a:off x="19240500" y="8788219"/>
+            <a:ext cx="5212177" cy="4339650"/>
           </a:xfrm>
           <a:prstGeom prst="rect">
             <a:avLst/>
@@ -4430,12 +4498,12 @@
           </a:ln>
           <a:extLst>
             <a:ext uri="{C572A759-6A51-4108-AA02-DFA0A04FC94B}">
-              <ma14:wrappingTextBoxFlag xmlns:ma14="http://schemas.microsoft.com/office/mac/drawingml/2011/main" xmlns:a14="http://schemas.microsoft.com/office/drawing/2010/main" xmlns:m="http://schemas.openxmlformats.org/officeDocument/2006/math" xmlns="" val="1"/>
+              <ma14:wrappingTextBoxFlag xmlns="" xmlns:m="http://schemas.openxmlformats.org/officeDocument/2006/math" xmlns:a14="http://schemas.microsoft.com/office/drawing/2010/main" xmlns:ma14="http://schemas.microsoft.com/office/mac/drawingml/2011/main" val="1"/>
             </a:ext>
           </a:extLst>
         </p:spPr>
         <p:txBody>
-          <a:bodyPr lIns="45719" rIns="45719" anchor="ctr">
+          <a:bodyPr wrap="square" lIns="45719" rIns="45719" anchor="ctr">
             <a:spAutoFit/>
           </a:bodyPr>
           <a:lstStyle/>
@@ -4450,7 +4518,7 @@
             </a:pPr>
             <a:r>
               <a:rPr lang="en-US" u="sng" dirty="0"/>
-              <a:t>Techniques</a:t>
+              <a:t>Best Features</a:t>
             </a:r>
             <a:endParaRPr u="sng" dirty="0"/>
           </a:p>
@@ -4467,7 +4535,7 @@
             </a:pPr>
             <a:r>
               <a:rPr lang="en-US" dirty="0"/>
-              <a:t>List the different feature selection techniques we tried,</a:t>
+              <a:t>No overlap with gene marker from original study</a:t>
             </a:r>
           </a:p>
           <a:p>
@@ -4483,7 +4551,23 @@
             </a:pPr>
             <a:r>
               <a:rPr lang="en-US" dirty="0"/>
-              <a:t>Generate a table or other graphic illustrating run-time tradeoff (?), effectiveness</a:t>
+              <a:t>Many linkages to other types of cancer</a:t>
+            </a:r>
+          </a:p>
+          <a:p>
+            <a:pPr marL="360947" indent="-360947" defTabSz="3511296">
+              <a:buSzPct val="100000"/>
+              <a:buChar char="•"/>
+              <a:defRPr sz="3000">
+                <a:latin typeface="Roboto Thin"/>
+                <a:ea typeface="Roboto Thin"/>
+                <a:cs typeface="Roboto Thin"/>
+                <a:sym typeface="Roboto Thin"/>
+              </a:defRPr>
+            </a:pPr>
+            <a:r>
+              <a:rPr lang="en-US" dirty="0"/>
+              <a:t>Many transcription factors and other proteins responsible for cell proliferation</a:t>
             </a:r>
           </a:p>
         </p:txBody>
@@ -4496,8 +4580,8 @@
         </p:nvSpPr>
         <p:spPr>
           <a:xfrm>
-            <a:off x="19526249" y="4312450"/>
-            <a:ext cx="5080001" cy="4749301"/>
+            <a:off x="13589367" y="8962966"/>
+            <a:ext cx="5080001" cy="4115558"/>
           </a:xfrm>
           <a:prstGeom prst="rect">
             <a:avLst/>
@@ -4540,7 +4624,7 @@
           </a:ln>
           <a:extLst>
             <a:ext uri="{C572A759-6A51-4108-AA02-DFA0A04FC94B}">
-              <ma14:wrappingTextBoxFlag xmlns:ma14="http://schemas.microsoft.com/office/mac/drawingml/2011/main" xmlns:a14="http://schemas.microsoft.com/office/drawing/2010/main" xmlns:m="http://schemas.openxmlformats.org/officeDocument/2006/math" xmlns="" val="1"/>
+              <ma14:wrappingTextBoxFlag xmlns="" xmlns:m="http://schemas.openxmlformats.org/officeDocument/2006/math" xmlns:a14="http://schemas.microsoft.com/office/drawing/2010/main" xmlns:ma14="http://schemas.microsoft.com/office/mac/drawingml/2011/main" val="1"/>
             </a:ext>
           </a:extLst>
         </p:spPr>
@@ -4564,56 +4648,7 @@
             </a:pPr>
             <a:r>
               <a:rPr lang="en-US" u="sng" dirty="0"/>
-              <a:t>Section header only</a:t>
-            </a:r>
-            <a:endParaRPr u="sng" dirty="0"/>
-          </a:p>
-        </p:txBody>
-      </p:sp>
-      <p:sp>
-        <p:nvSpPr>
-          <p:cNvPr id="255" name="Rectangle 116"/>
-          <p:cNvSpPr txBox="1"/>
-          <p:nvPr/>
-        </p:nvSpPr>
-        <p:spPr>
-          <a:xfrm>
-            <a:off x="19822725" y="4584291"/>
-            <a:ext cx="4783525" cy="646331"/>
-          </a:xfrm>
-          <a:prstGeom prst="rect">
-            <a:avLst/>
-          </a:prstGeom>
-          <a:ln w="3175">
-            <a:miter lim="400000"/>
-          </a:ln>
-          <a:extLst>
-            <a:ext uri="{C572A759-6A51-4108-AA02-DFA0A04FC94B}">
-              <ma14:wrappingTextBoxFlag xmlns:ma14="http://schemas.microsoft.com/office/mac/drawingml/2011/main" xmlns:a14="http://schemas.microsoft.com/office/drawing/2010/main" xmlns:m="http://schemas.openxmlformats.org/officeDocument/2006/math" xmlns="" val="1"/>
-            </a:ext>
-          </a:extLst>
-        </p:spPr>
-        <p:txBody>
-          <a:bodyPr lIns="45719" rIns="45719" anchor="ctr">
-            <a:spAutoFit/>
-          </a:bodyPr>
-          <a:lstStyle>
-            <a:lvl1pPr defTabSz="3511296">
-              <a:defRPr sz="3600" u="sng">
-                <a:latin typeface="Roboto Regular"/>
-                <a:ea typeface="Roboto Regular"/>
-                <a:cs typeface="Roboto Regular"/>
-                <a:sym typeface="Roboto Regular"/>
-              </a:defRPr>
-            </a:lvl1pPr>
-          </a:lstStyle>
-          <a:p>
-            <a:pPr>
-              <a:defRPr u="none"/>
-            </a:pPr>
-            <a:r>
-              <a:rPr lang="en-US" u="sng" dirty="0"/>
-              <a:t>Top Genes:</a:t>
+              <a:t>Post-selection SVM</a:t>
             </a:r>
             <a:endParaRPr u="sng" dirty="0"/>
           </a:p>
@@ -4627,8 +4662,8 @@
         </p:nvSpPr>
         <p:spPr>
           <a:xfrm>
-            <a:off x="13462000" y="16716226"/>
-            <a:ext cx="10831842" cy="1107996"/>
+            <a:off x="13805327" y="16130330"/>
+            <a:ext cx="4706730" cy="646331"/>
           </a:xfrm>
           <a:prstGeom prst="rect">
             <a:avLst/>
@@ -4638,17 +4673,17 @@
           </a:ln>
           <a:extLst>
             <a:ext uri="{C572A759-6A51-4108-AA02-DFA0A04FC94B}">
-              <ma14:wrappingTextBoxFlag xmlns:ma14="http://schemas.microsoft.com/office/mac/drawingml/2011/main" xmlns:a14="http://schemas.microsoft.com/office/drawing/2010/main" xmlns:m="http://schemas.openxmlformats.org/officeDocument/2006/math" xmlns="" val="1"/>
+              <ma14:wrappingTextBoxFlag xmlns="" xmlns:m="http://schemas.openxmlformats.org/officeDocument/2006/math" xmlns:a14="http://schemas.microsoft.com/office/drawing/2010/main" xmlns:ma14="http://schemas.microsoft.com/office/mac/drawingml/2011/main" val="1"/>
             </a:ext>
           </a:extLst>
         </p:spPr>
         <p:txBody>
-          <a:bodyPr lIns="45719" rIns="45719" anchor="ctr">
+          <a:bodyPr wrap="square" lIns="45719" rIns="45719" anchor="ctr">
             <a:spAutoFit/>
           </a:bodyPr>
           <a:lstStyle/>
           <a:p>
-            <a:pPr defTabSz="3511296">
+            <a:pPr algn="ctr" defTabSz="3511296">
               <a:defRPr sz="3600" u="sng">
                 <a:latin typeface="Roboto Regular"/>
                 <a:ea typeface="Roboto Regular"/>
@@ -4658,24 +4693,7 @@
             </a:pPr>
             <a:r>
               <a:rPr lang="en-US" dirty="0"/>
-              <a:t>Model 1 – e.g. Random Forest Classifier</a:t>
-            </a:r>
-            <a:endParaRPr dirty="0"/>
-          </a:p>
-          <a:p>
-            <a:pPr marL="360947" indent="-360947" defTabSz="3511296">
-              <a:buSzPct val="100000"/>
-              <a:buChar char="•"/>
-              <a:defRPr sz="3000">
-                <a:latin typeface="Roboto Thin"/>
-                <a:ea typeface="Roboto Thin"/>
-                <a:cs typeface="Roboto Thin"/>
-                <a:sym typeface="Roboto Thin"/>
-              </a:defRPr>
-            </a:pPr>
-            <a:r>
-              <a:rPr lang="en-US" dirty="0"/>
-              <a:t>Motivation and performance for each</a:t>
+              <a:t>I. Weighted Voting</a:t>
             </a:r>
             <a:endParaRPr dirty="0"/>
           </a:p>
@@ -4689,8 +4707,8 @@
         </p:nvSpPr>
         <p:spPr>
           <a:xfrm>
-            <a:off x="19822725" y="5363691"/>
-            <a:ext cx="4707325" cy="3200876"/>
+            <a:off x="13775704" y="9053106"/>
+            <a:ext cx="4707325" cy="3713837"/>
           </a:xfrm>
           <a:prstGeom prst="rect">
             <a:avLst/>
@@ -4700,7 +4718,7 @@
           </a:ln>
           <a:extLst>
             <a:ext uri="{C572A759-6A51-4108-AA02-DFA0A04FC94B}">
-              <ma14:wrappingTextBoxFlag xmlns:ma14="http://schemas.microsoft.com/office/mac/drawingml/2011/main" xmlns:a14="http://schemas.microsoft.com/office/drawing/2010/main" xmlns:m="http://schemas.openxmlformats.org/officeDocument/2006/math" xmlns="" val="1"/>
+              <ma14:wrappingTextBoxFlag xmlns="" xmlns:m="http://schemas.openxmlformats.org/officeDocument/2006/math" xmlns:a14="http://schemas.microsoft.com/office/drawing/2010/main" xmlns:ma14="http://schemas.microsoft.com/office/mac/drawingml/2011/main" val="1"/>
             </a:ext>
           </a:extLst>
         </p:spPr>
@@ -4709,6 +4727,27 @@
             <a:spAutoFit/>
           </a:bodyPr>
           <a:lstStyle/>
+          <a:p>
+            <a:pPr defTabSz="3511296">
+              <a:spcBef>
+                <a:spcPts val="400"/>
+              </a:spcBef>
+              <a:buSzPct val="100000"/>
+              <a:defRPr sz="2600">
+                <a:latin typeface="Roboto Thin"/>
+                <a:ea typeface="Roboto Thin"/>
+                <a:cs typeface="Roboto Thin"/>
+                <a:sym typeface="Roboto Thin"/>
+              </a:defRPr>
+            </a:pPr>
+            <a:r>
+              <a:rPr lang="en-US" sz="3000" u="sng" dirty="0">
+                <a:latin typeface="Roboto" panose="02000000000000000000" pitchFamily="2" charset="0"/>
+                <a:ea typeface="Roboto" panose="02000000000000000000" pitchFamily="2" charset="0"/>
+              </a:rPr>
+              <a:t>Notable Selected Genes:</a:t>
+            </a:r>
+          </a:p>
           <a:p>
             <a:pPr marL="347578" indent="-347578" defTabSz="3511296">
               <a:spcBef>
@@ -4865,7 +4904,7 @@
         </p:nvSpPr>
         <p:spPr>
           <a:xfrm>
-            <a:off x="25654000" y="10256370"/>
+            <a:off x="25654000" y="10630536"/>
             <a:ext cx="11684000" cy="1143001"/>
           </a:xfrm>
           <a:prstGeom prst="rect">
@@ -4881,7 +4920,7 @@
           </a:ln>
           <a:extLst>
             <a:ext uri="{C572A759-6A51-4108-AA02-DFA0A04FC94B}">
-              <ma14:wrappingTextBoxFlag xmlns:ma14="http://schemas.microsoft.com/office/mac/drawingml/2011/main" xmlns:a14="http://schemas.microsoft.com/office/drawing/2010/main" xmlns:m="http://schemas.openxmlformats.org/officeDocument/2006/math" xmlns="" val="1"/>
+              <ma14:wrappingTextBoxFlag xmlns="" xmlns:m="http://schemas.openxmlformats.org/officeDocument/2006/math" xmlns:a14="http://schemas.microsoft.com/office/drawing/2010/main" xmlns:ma14="http://schemas.microsoft.com/office/mac/drawingml/2011/main" val="1"/>
             </a:ext>
           </a:extLst>
         </p:spPr>
@@ -4923,7 +4962,7 @@
         </p:nvSpPr>
         <p:spPr>
           <a:xfrm>
-            <a:off x="13208000" y="15158991"/>
+            <a:off x="13208000" y="14655333"/>
             <a:ext cx="11684000" cy="1143000"/>
           </a:xfrm>
           <a:prstGeom prst="rect">
@@ -4939,7 +4978,7 @@
           </a:ln>
           <a:extLst>
             <a:ext uri="{C572A759-6A51-4108-AA02-DFA0A04FC94B}">
-              <ma14:wrappingTextBoxFlag xmlns:ma14="http://schemas.microsoft.com/office/mac/drawingml/2011/main" xmlns:a14="http://schemas.microsoft.com/office/drawing/2010/main" xmlns:m="http://schemas.openxmlformats.org/officeDocument/2006/math" xmlns="" val="1"/>
+              <ma14:wrappingTextBoxFlag xmlns="" xmlns:m="http://schemas.openxmlformats.org/officeDocument/2006/math" xmlns:a14="http://schemas.microsoft.com/office/drawing/2010/main" xmlns:ma14="http://schemas.microsoft.com/office/mac/drawingml/2011/main" val="1"/>
             </a:ext>
           </a:extLst>
         </p:spPr>
@@ -4961,7 +5000,7 @@
           <a:p>
             <a:r>
               <a:rPr lang="en-US" dirty="0"/>
-              <a:t> Models</a:t>
+              <a:t> Model Comparison</a:t>
             </a:r>
             <a:endParaRPr dirty="0"/>
           </a:p>
@@ -4981,7 +5020,7 @@
         </p:nvSpPr>
         <p:spPr>
           <a:xfrm>
-            <a:off x="13462000" y="4300905"/>
+            <a:off x="13462000" y="4335094"/>
             <a:ext cx="5778500" cy="2954655"/>
           </a:xfrm>
           <a:prstGeom prst="rect">
@@ -4992,7 +5031,7 @@
           </a:ln>
           <a:extLst>
             <a:ext uri="{C572A759-6A51-4108-AA02-DFA0A04FC94B}">
-              <ma14:wrappingTextBoxFlag xmlns:ma14="http://schemas.microsoft.com/office/mac/drawingml/2011/main" xmlns:a14="http://schemas.microsoft.com/office/drawing/2010/main" xmlns:m="http://schemas.openxmlformats.org/officeDocument/2006/math" xmlns="" val="1"/>
+              <ma14:wrappingTextBoxFlag xmlns="" xmlns:m="http://schemas.openxmlformats.org/officeDocument/2006/math" xmlns:a14="http://schemas.microsoft.com/office/drawing/2010/main" xmlns:ma14="http://schemas.microsoft.com/office/mac/drawingml/2011/main" val="1"/>
             </a:ext>
           </a:extLst>
         </p:spPr>
@@ -5012,7 +5051,7 @@
             </a:pPr>
             <a:r>
               <a:rPr lang="en-US" u="sng" dirty="0"/>
-              <a:t>Motivation</a:t>
+              <a:t>Selection Methodology</a:t>
             </a:r>
             <a:endParaRPr u="sng" dirty="0"/>
           </a:p>
@@ -5029,7 +5068,7 @@
             </a:pPr>
             <a:r>
               <a:rPr lang="en-US" dirty="0"/>
-              <a:t>Transcriptome space is enormous</a:t>
+              <a:t>Just a brief note</a:t>
             </a:r>
           </a:p>
           <a:p>
@@ -5043,9 +5082,51 @@
                 <a:sym typeface="Roboto Thin"/>
               </a:defRPr>
             </a:pPr>
+            <a:endParaRPr lang="en-US" dirty="0"/>
+          </a:p>
+          <a:p>
+            <a:pPr marL="360947" indent="-360947" defTabSz="3511296">
+              <a:buSzPct val="100000"/>
+              <a:buChar char="•"/>
+              <a:defRPr sz="3000">
+                <a:latin typeface="Roboto Thin"/>
+                <a:ea typeface="Roboto Thin"/>
+                <a:cs typeface="Roboto Thin"/>
+                <a:sym typeface="Roboto Thin"/>
+              </a:defRPr>
+            </a:pPr>
             <a:r>
               <a:rPr lang="en-US" dirty="0"/>
-              <a:t>Would be helpful to identify a subset that acts as a good predictor</a:t>
+              <a:t>Brief analysis of graph</a:t>
+            </a:r>
+          </a:p>
+          <a:p>
+            <a:pPr marL="360947" indent="-360947" defTabSz="3511296">
+              <a:buSzPct val="100000"/>
+              <a:buChar char="•"/>
+              <a:defRPr sz="3000">
+                <a:latin typeface="Roboto Thin"/>
+                <a:ea typeface="Roboto Thin"/>
+                <a:cs typeface="Roboto Thin"/>
+                <a:sym typeface="Roboto Thin"/>
+              </a:defRPr>
+            </a:pPr>
+            <a:endParaRPr lang="en-US" dirty="0"/>
+          </a:p>
+          <a:p>
+            <a:pPr marL="360947" indent="-360947" defTabSz="3511296">
+              <a:buSzPct val="100000"/>
+              <a:buChar char="•"/>
+              <a:defRPr sz="3000">
+                <a:latin typeface="Roboto Thin"/>
+                <a:ea typeface="Roboto Thin"/>
+                <a:cs typeface="Roboto Thin"/>
+                <a:sym typeface="Roboto Thin"/>
+              </a:defRPr>
+            </a:pPr>
+            <a:r>
+              <a:rPr lang="en-US" dirty="0"/>
+              <a:t>Which model is best?</a:t>
             </a:r>
           </a:p>
         </p:txBody>
@@ -5064,8 +5145,8 @@
         </p:nvSpPr>
         <p:spPr>
           <a:xfrm>
-            <a:off x="1046480" y="13074921"/>
-            <a:ext cx="6177280" cy="4985980"/>
+            <a:off x="1046479" y="14225030"/>
+            <a:ext cx="11175248" cy="2492990"/>
           </a:xfrm>
           <a:prstGeom prst="rect">
             <a:avLst/>
@@ -5075,7 +5156,7 @@
           </a:ln>
           <a:extLst>
             <a:ext uri="{C572A759-6A51-4108-AA02-DFA0A04FC94B}">
-              <ma14:wrappingTextBoxFlag xmlns:ma14="http://schemas.microsoft.com/office/mac/drawingml/2011/main" xmlns:a14="http://schemas.microsoft.com/office/drawing/2010/main" xmlns:m="http://schemas.openxmlformats.org/officeDocument/2006/math" xmlns="" val="1"/>
+              <ma14:wrappingTextBoxFlag xmlns="" xmlns:m="http://schemas.openxmlformats.org/officeDocument/2006/math" xmlns:a14="http://schemas.microsoft.com/office/drawing/2010/main" xmlns:ma14="http://schemas.microsoft.com/office/mac/drawingml/2011/main" val="1"/>
             </a:ext>
           </a:extLst>
         </p:spPr>
@@ -5095,9 +5176,13 @@
             </a:pPr>
             <a:r>
               <a:rPr lang="en-US" u="sng" dirty="0"/>
-              <a:t>Nasal Airway Epithelial Cells</a:t>
-            </a:r>
-            <a:endParaRPr u="sng" dirty="0"/>
+              <a:t>AEGIS Epithelial Nasal Cell Dataset</a:t>
+            </a:r>
+            <a:r>
+              <a:rPr lang="en-US" u="sng" baseline="30000" dirty="0"/>
+              <a:t>[1]</a:t>
+            </a:r>
+            <a:endParaRPr u="sng" baseline="30000" dirty="0"/>
           </a:p>
           <a:p>
             <a:pPr marL="360947" indent="-360947" defTabSz="3511296">
@@ -5112,7 +5197,7 @@
             </a:pPr>
             <a:r>
               <a:rPr lang="en-US" dirty="0"/>
-              <a:t>Size of data set</a:t>
+              <a:t>From AEGIS clinical trials, which tracked at-risk cancer patients from 28 medical centers in the U.S., Canada, and Europe.</a:t>
             </a:r>
           </a:p>
           <a:p>
@@ -5128,7 +5213,7 @@
             </a:pPr>
             <a:r>
               <a:rPr lang="en-US" dirty="0"/>
-              <a:t>Clinical Features</a:t>
+              <a:t>Patients were followed for up to one year, until diagnosis.</a:t>
             </a:r>
           </a:p>
           <a:p>
@@ -5144,215 +5229,12 @@
             </a:pPr>
             <a:r>
               <a:rPr lang="en-US" dirty="0"/>
-              <a:t>Labels</a:t>
-            </a:r>
-          </a:p>
-          <a:p>
-            <a:pPr marL="360947" indent="-360947" defTabSz="3511296">
-              <a:buSzPct val="100000"/>
-              <a:buChar char="•"/>
-              <a:defRPr sz="3000">
-                <a:latin typeface="Roboto Thin"/>
-                <a:ea typeface="Roboto Thin"/>
-                <a:cs typeface="Roboto Thin"/>
-                <a:sym typeface="Roboto Thin"/>
-              </a:defRPr>
-            </a:pPr>
-            <a:endParaRPr dirty="0"/>
-          </a:p>
-          <a:p>
-            <a:pPr defTabSz="3511296">
-              <a:defRPr sz="3600" u="sng">
-                <a:latin typeface="Roboto Regular"/>
-                <a:ea typeface="Roboto Regular"/>
-                <a:cs typeface="Roboto Regular"/>
-                <a:sym typeface="Roboto Regular"/>
-              </a:defRPr>
-            </a:pPr>
-            <a:r>
-              <a:rPr lang="en-US" dirty="0"/>
-              <a:t>PCA Heat maps/initial testing?</a:t>
-            </a:r>
-            <a:endParaRPr dirty="0"/>
-          </a:p>
-          <a:p>
-            <a:pPr marL="360947" indent="-360947" defTabSz="3511296">
-              <a:buSzPct val="100000"/>
-              <a:buChar char="•"/>
-              <a:defRPr sz="3000">
-                <a:latin typeface="Roboto Thin"/>
-                <a:ea typeface="Roboto Thin"/>
-                <a:cs typeface="Roboto Thin"/>
-                <a:sym typeface="Roboto Thin"/>
-              </a:defRPr>
-            </a:pPr>
-            <a:r>
-              <a:rPr dirty="0"/>
-              <a:t>Two Players: No Collusion</a:t>
-            </a:r>
-          </a:p>
-          <a:p>
-            <a:pPr marL="360947" indent="-360947" defTabSz="3511296">
-              <a:buSzPct val="100000"/>
-              <a:buChar char="•"/>
-              <a:defRPr sz="3000">
-                <a:latin typeface="Roboto Thin"/>
-                <a:ea typeface="Roboto Thin"/>
-                <a:cs typeface="Roboto Thin"/>
-                <a:sym typeface="Roboto Thin"/>
-              </a:defRPr>
-            </a:pPr>
-            <a:r>
-              <a:rPr dirty="0"/>
-              <a:t>Single-Round: No Scoring</a:t>
-            </a:r>
-          </a:p>
-          <a:p>
-            <a:pPr defTabSz="3511296">
-              <a:defRPr sz="3000">
-                <a:latin typeface="Roboto Thin"/>
-                <a:ea typeface="Roboto Thin"/>
-                <a:cs typeface="Roboto Thin"/>
-                <a:sym typeface="Roboto Thin"/>
-              </a:defRPr>
-            </a:pPr>
-            <a:endParaRPr dirty="0"/>
-          </a:p>
-        </p:txBody>
-      </p:sp>
-      <p:sp>
-        <p:nvSpPr>
-          <p:cNvPr id="343" name="Rectangle 116">
-            <a:extLst>
-              <a:ext uri="{FF2B5EF4-FFF2-40B4-BE49-F238E27FC236}">
-                <a16:creationId xmlns:a16="http://schemas.microsoft.com/office/drawing/2014/main" id="{7B298209-419F-424D-A20F-C2971D594066}"/>
-              </a:ext>
-            </a:extLst>
-          </p:cNvPr>
-          <p:cNvSpPr txBox="1"/>
-          <p:nvPr/>
-        </p:nvSpPr>
-        <p:spPr>
-          <a:xfrm>
-            <a:off x="13462000" y="19312145"/>
-            <a:ext cx="10831842" cy="1107996"/>
-          </a:xfrm>
-          <a:prstGeom prst="rect">
-            <a:avLst/>
-          </a:prstGeom>
-          <a:ln w="3175">
-            <a:miter lim="400000"/>
-          </a:ln>
-          <a:extLst>
-            <a:ext uri="{C572A759-6A51-4108-AA02-DFA0A04FC94B}">
-              <ma14:wrappingTextBoxFlag xmlns:ma14="http://schemas.microsoft.com/office/mac/drawingml/2011/main" xmlns:a14="http://schemas.microsoft.com/office/drawing/2010/main" xmlns:m="http://schemas.openxmlformats.org/officeDocument/2006/math" xmlns="" val="1"/>
-            </a:ext>
-          </a:extLst>
-        </p:spPr>
-        <p:txBody>
-          <a:bodyPr lIns="45719" rIns="45719" anchor="ctr">
-            <a:spAutoFit/>
-          </a:bodyPr>
-          <a:lstStyle/>
-          <a:p>
-            <a:pPr defTabSz="3511296">
-              <a:defRPr sz="3600" u="sng">
-                <a:latin typeface="Roboto Regular"/>
-                <a:ea typeface="Roboto Regular"/>
-                <a:cs typeface="Roboto Regular"/>
-                <a:sym typeface="Roboto Regular"/>
-              </a:defRPr>
-            </a:pPr>
-            <a:r>
-              <a:rPr lang="en-US" dirty="0"/>
-              <a:t>Model 2 – e.g. Random Forest Classifier</a:t>
-            </a:r>
-            <a:endParaRPr dirty="0"/>
-          </a:p>
-          <a:p>
-            <a:pPr marL="360947" indent="-360947" defTabSz="3511296">
-              <a:buSzPct val="100000"/>
-              <a:buChar char="•"/>
-              <a:defRPr sz="3000">
-                <a:latin typeface="Roboto Thin"/>
-                <a:ea typeface="Roboto Thin"/>
-                <a:cs typeface="Roboto Thin"/>
-                <a:sym typeface="Roboto Thin"/>
-              </a:defRPr>
-            </a:pPr>
-            <a:r>
-              <a:rPr lang="en-US" dirty="0"/>
-              <a:t>Motivation and performance for each</a:t>
-            </a:r>
-            <a:endParaRPr dirty="0"/>
-          </a:p>
-        </p:txBody>
-      </p:sp>
-      <p:sp>
-        <p:nvSpPr>
-          <p:cNvPr id="344" name="Rectangle 116">
-            <a:extLst>
-              <a:ext uri="{FF2B5EF4-FFF2-40B4-BE49-F238E27FC236}">
-                <a16:creationId xmlns:a16="http://schemas.microsoft.com/office/drawing/2014/main" id="{7CC596B6-67B4-7B4D-AE4F-8E6BDFBD7C7A}"/>
-              </a:ext>
-            </a:extLst>
-          </p:cNvPr>
-          <p:cNvSpPr txBox="1"/>
-          <p:nvPr/>
-        </p:nvSpPr>
-        <p:spPr>
-          <a:xfrm>
-            <a:off x="13462000" y="22244640"/>
-            <a:ext cx="10831842" cy="1107996"/>
-          </a:xfrm>
-          <a:prstGeom prst="rect">
-            <a:avLst/>
-          </a:prstGeom>
-          <a:ln w="3175">
-            <a:miter lim="400000"/>
-          </a:ln>
-          <a:extLst>
-            <a:ext uri="{C572A759-6A51-4108-AA02-DFA0A04FC94B}">
-              <ma14:wrappingTextBoxFlag xmlns:ma14="http://schemas.microsoft.com/office/mac/drawingml/2011/main" xmlns:a14="http://schemas.microsoft.com/office/drawing/2010/main" xmlns:m="http://schemas.openxmlformats.org/officeDocument/2006/math" xmlns="" val="1"/>
-            </a:ext>
-          </a:extLst>
-        </p:spPr>
-        <p:txBody>
-          <a:bodyPr lIns="45719" rIns="45719" anchor="ctr">
-            <a:spAutoFit/>
-          </a:bodyPr>
-          <a:lstStyle/>
-          <a:p>
-            <a:pPr defTabSz="3511296">
-              <a:defRPr sz="3600" u="sng">
-                <a:latin typeface="Roboto Regular"/>
-                <a:ea typeface="Roboto Regular"/>
-                <a:cs typeface="Roboto Regular"/>
-                <a:sym typeface="Roboto Regular"/>
-              </a:defRPr>
-            </a:pPr>
-            <a:r>
-              <a:rPr lang="en-US" dirty="0"/>
-              <a:t>Model 3 – e.g. Random Forest Classifier</a:t>
-            </a:r>
-            <a:endParaRPr dirty="0"/>
-          </a:p>
-          <a:p>
-            <a:pPr marL="360947" indent="-360947" defTabSz="3511296">
-              <a:buSzPct val="100000"/>
-              <a:buChar char="•"/>
-              <a:defRPr sz="3000">
-                <a:latin typeface="Roboto Thin"/>
-                <a:ea typeface="Roboto Thin"/>
-                <a:cs typeface="Roboto Thin"/>
-                <a:sym typeface="Roboto Thin"/>
-              </a:defRPr>
-            </a:pPr>
-            <a:r>
-              <a:rPr lang="en-US" dirty="0"/>
-              <a:t>Motivation and performance for each</a:t>
-            </a:r>
-            <a:endParaRPr dirty="0"/>
+              <a:t>Data publicly available via NCBI Gene Expression Omnibus.</a:t>
+            </a:r>
+            <a:r>
+              <a:rPr lang="en-US" baseline="30000" dirty="0"/>
+              <a:t>[2]</a:t>
+            </a:r>
           </a:p>
         </p:txBody>
       </p:sp>
@@ -5370,7 +5252,7 @@
         </p:nvSpPr>
         <p:spPr>
           <a:xfrm>
-            <a:off x="25908000" y="11780371"/>
+            <a:off x="25908000" y="14882794"/>
             <a:ext cx="10831842" cy="1107996"/>
           </a:xfrm>
           <a:prstGeom prst="rect">
@@ -5381,7 +5263,7 @@
           </a:ln>
           <a:extLst>
             <a:ext uri="{C572A759-6A51-4108-AA02-DFA0A04FC94B}">
-              <ma14:wrappingTextBoxFlag xmlns:ma14="http://schemas.microsoft.com/office/mac/drawingml/2011/main" xmlns:a14="http://schemas.microsoft.com/office/drawing/2010/main" xmlns:m="http://schemas.openxmlformats.org/officeDocument/2006/math" xmlns="" val="1"/>
+              <ma14:wrappingTextBoxFlag xmlns="" xmlns:m="http://schemas.openxmlformats.org/officeDocument/2006/math" xmlns:a14="http://schemas.microsoft.com/office/drawing/2010/main" xmlns:ma14="http://schemas.microsoft.com/office/mac/drawingml/2011/main" val="1"/>
             </a:ext>
           </a:extLst>
         </p:spPr>
@@ -5437,7 +5319,7 @@
         </p:nvSpPr>
         <p:spPr>
           <a:xfrm>
-            <a:off x="25907999" y="14955217"/>
+            <a:off x="25907999" y="16620726"/>
             <a:ext cx="10831842" cy="1107996"/>
           </a:xfrm>
           <a:prstGeom prst="rect">
@@ -5448,7 +5330,7 @@
           </a:ln>
           <a:extLst>
             <a:ext uri="{C572A759-6A51-4108-AA02-DFA0A04FC94B}">
-              <ma14:wrappingTextBoxFlag xmlns:ma14="http://schemas.microsoft.com/office/mac/drawingml/2011/main" xmlns:a14="http://schemas.microsoft.com/office/drawing/2010/main" xmlns:m="http://schemas.openxmlformats.org/officeDocument/2006/math" xmlns="" val="1"/>
+              <ma14:wrappingTextBoxFlag xmlns="" xmlns:m="http://schemas.openxmlformats.org/officeDocument/2006/math" xmlns:a14="http://schemas.microsoft.com/office/drawing/2010/main" xmlns:ma14="http://schemas.microsoft.com/office/mac/drawingml/2011/main" val="1"/>
             </a:ext>
           </a:extLst>
         </p:spPr>
@@ -5504,7 +5386,7 @@
         </p:nvSpPr>
         <p:spPr>
           <a:xfrm>
-            <a:off x="25907999" y="18022206"/>
+            <a:off x="25907999" y="18414090"/>
             <a:ext cx="10831842" cy="1107996"/>
           </a:xfrm>
           <a:prstGeom prst="rect">
@@ -5515,7 +5397,7 @@
           </a:ln>
           <a:extLst>
             <a:ext uri="{C572A759-6A51-4108-AA02-DFA0A04FC94B}">
-              <ma14:wrappingTextBoxFlag xmlns:ma14="http://schemas.microsoft.com/office/mac/drawingml/2011/main" xmlns:a14="http://schemas.microsoft.com/office/drawing/2010/main" xmlns:m="http://schemas.openxmlformats.org/officeDocument/2006/math" xmlns="" val="1"/>
+              <ma14:wrappingTextBoxFlag xmlns="" xmlns:m="http://schemas.openxmlformats.org/officeDocument/2006/math" xmlns:a14="http://schemas.microsoft.com/office/drawing/2010/main" xmlns:ma14="http://schemas.microsoft.com/office/mac/drawingml/2011/main" val="1"/>
             </a:ext>
           </a:extLst>
         </p:spPr>
@@ -5582,7 +5464,7 @@
           </a:ln>
           <a:extLst>
             <a:ext uri="{C572A759-6A51-4108-AA02-DFA0A04FC94B}">
-              <ma14:wrappingTextBoxFlag xmlns:ma14="http://schemas.microsoft.com/office/mac/drawingml/2011/main" xmlns:a14="http://schemas.microsoft.com/office/drawing/2010/main" xmlns:m="http://schemas.openxmlformats.org/officeDocument/2006/math" xmlns="" val="1"/>
+              <ma14:wrappingTextBoxFlag xmlns="" xmlns:m="http://schemas.openxmlformats.org/officeDocument/2006/math" xmlns:a14="http://schemas.microsoft.com/office/drawing/2010/main" xmlns:ma14="http://schemas.microsoft.com/office/mac/drawingml/2011/main" val="1"/>
             </a:ext>
           </a:extLst>
         </p:spPr>
@@ -5638,8 +5520,8 @@
         </p:nvSpPr>
         <p:spPr>
           <a:xfrm>
-            <a:off x="1046479" y="24316266"/>
-            <a:ext cx="7845729" cy="428179"/>
+            <a:off x="914400" y="24041398"/>
+            <a:ext cx="11447362" cy="715402"/>
           </a:xfrm>
           <a:prstGeom prst="rect">
             <a:avLst/>
@@ -5677,7 +5559,7 @@
                 <a:ea typeface="Roboto" charset="0"/>
                 <a:cs typeface="Roboto" charset="0"/>
               </a:rPr>
-              <a:t>[1]</a:t>
+              <a:t>[1] </a:t>
             </a:r>
             <a:r>
               <a:rPr lang="en-US" sz="1600" dirty="0">
@@ -5755,6 +5637,1827 @@
                 <a:cs typeface="Roboto" charset="0"/>
               </a:rPr>
               <a:t>/djw327</a:t>
+            </a:r>
+          </a:p>
+          <a:p>
+            <a:r>
+              <a:rPr lang="en-US" sz="1600" baseline="30000" dirty="0">
+                <a:solidFill>
+                  <a:schemeClr val="tx1"/>
+                </a:solidFill>
+                <a:latin typeface="Roboto" charset="0"/>
+                <a:ea typeface="Roboto" charset="0"/>
+                <a:cs typeface="Roboto" charset="0"/>
+              </a:rPr>
+              <a:t>[2] </a:t>
+            </a:r>
+            <a:r>
+              <a:rPr lang="en-US" sz="1600" dirty="0">
+                <a:solidFill>
+                  <a:schemeClr val="tx1"/>
+                </a:solidFill>
+                <a:latin typeface="Roboto" charset="0"/>
+                <a:ea typeface="Roboto" charset="0"/>
+                <a:cs typeface="Roboto" charset="0"/>
+              </a:rPr>
+              <a:t>National Center for Biotechnology Information, </a:t>
+            </a:r>
+            <a:r>
+              <a:rPr lang="en-US" sz="1600" u="sng" dirty="0">
+                <a:solidFill>
+                  <a:schemeClr val="tx1"/>
+                </a:solidFill>
+                <a:latin typeface="Roboto" charset="0"/>
+                <a:ea typeface="Roboto" charset="0"/>
+                <a:cs typeface="Roboto" charset="0"/>
+                <a:hlinkClick r:id="rId2"/>
+              </a:rPr>
+              <a:t>https://www.ncbi.nlm.nih.gov/gds</a:t>
+            </a:r>
+            <a:endParaRPr lang="en-US" sz="1600" u="sng" dirty="0">
+              <a:solidFill>
+                <a:schemeClr val="tx1"/>
+              </a:solidFill>
+              <a:latin typeface="Roboto" charset="0"/>
+              <a:ea typeface="Roboto" charset="0"/>
+              <a:cs typeface="Roboto" charset="0"/>
+            </a:endParaRPr>
+          </a:p>
+          <a:p>
+            <a:r>
+              <a:rPr lang="en-US" sz="1600" baseline="30000" dirty="0">
+                <a:solidFill>
+                  <a:schemeClr val="tx1"/>
+                </a:solidFill>
+                <a:latin typeface="Roboto" charset="0"/>
+                <a:ea typeface="Roboto" charset="0"/>
+                <a:cs typeface="Roboto" charset="0"/>
+              </a:rPr>
+              <a:t>[3] </a:t>
+            </a:r>
+            <a:r>
+              <a:rPr lang="en-US" sz="1600" dirty="0">
+                <a:solidFill>
+                  <a:schemeClr val="tx1"/>
+                </a:solidFill>
+                <a:latin typeface="Roboto" charset="0"/>
+                <a:ea typeface="Roboto" charset="0"/>
+                <a:cs typeface="Roboto" charset="0"/>
+              </a:rPr>
+              <a:t>Affymetrix, </a:t>
+            </a:r>
+            <a:r>
+              <a:rPr lang="en-US" sz="1600" u="sng" dirty="0">
+                <a:solidFill>
+                  <a:schemeClr val="tx1"/>
+                </a:solidFill>
+                <a:latin typeface="Roboto" charset="0"/>
+                <a:ea typeface="Roboto" charset="0"/>
+                <a:cs typeface="Roboto" charset="0"/>
+              </a:rPr>
+              <a:t>https://</a:t>
+            </a:r>
+            <a:r>
+              <a:rPr lang="en-US" sz="1600" u="sng" dirty="0" err="1">
+                <a:solidFill>
+                  <a:schemeClr val="tx1"/>
+                </a:solidFill>
+                <a:latin typeface="Roboto" charset="0"/>
+                <a:ea typeface="Roboto" charset="0"/>
+                <a:cs typeface="Roboto" charset="0"/>
+              </a:rPr>
+              <a:t>www.affymetrix.com</a:t>
+            </a:r>
+            <a:r>
+              <a:rPr lang="en-US" sz="1600" u="sng" dirty="0">
+                <a:solidFill>
+                  <a:schemeClr val="tx1"/>
+                </a:solidFill>
+                <a:latin typeface="Roboto" charset="0"/>
+                <a:ea typeface="Roboto" charset="0"/>
+                <a:cs typeface="Roboto" charset="0"/>
+              </a:rPr>
+              <a:t>/analysis/downloads/na36/</a:t>
+            </a:r>
+            <a:r>
+              <a:rPr lang="en-US" sz="1600" u="sng" dirty="0" err="1">
+                <a:solidFill>
+                  <a:schemeClr val="tx1"/>
+                </a:solidFill>
+                <a:latin typeface="Roboto" charset="0"/>
+                <a:ea typeface="Roboto" charset="0"/>
+                <a:cs typeface="Roboto" charset="0"/>
+              </a:rPr>
+              <a:t>wtgene</a:t>
+            </a:r>
+            <a:r>
+              <a:rPr lang="en-US" sz="1600" u="sng" dirty="0">
+                <a:solidFill>
+                  <a:schemeClr val="tx1"/>
+                </a:solidFill>
+                <a:latin typeface="Roboto" charset="0"/>
+                <a:ea typeface="Roboto" charset="0"/>
+                <a:cs typeface="Roboto" charset="0"/>
+              </a:rPr>
+              <a:t>/</a:t>
+            </a:r>
+          </a:p>
+        </p:txBody>
+      </p:sp>
+      <p:sp>
+        <p:nvSpPr>
+          <p:cNvPr id="32" name="Rectangle 31">
+            <a:extLst>
+              <a:ext uri="{FF2B5EF4-FFF2-40B4-BE49-F238E27FC236}">
+                <a16:creationId xmlns:a16="http://schemas.microsoft.com/office/drawing/2014/main" id="{60D2D7AB-BCB2-2D42-AB5C-2DD0EC8B2252}"/>
+              </a:ext>
+            </a:extLst>
+          </p:cNvPr>
+          <p:cNvSpPr/>
+          <p:nvPr/>
+        </p:nvSpPr>
+        <p:spPr>
+          <a:xfrm>
+            <a:off x="914400" y="11537527"/>
+            <a:ext cx="11307327" cy="1244497"/>
+          </a:xfrm>
+          <a:prstGeom prst="rect">
+            <a:avLst/>
+          </a:prstGeom>
+          <a:noFill/>
+          <a:ln>
+            <a:noFill/>
+          </a:ln>
+          <a:effectLst/>
+        </p:spPr>
+        <p:style>
+          <a:lnRef idx="1">
+            <a:schemeClr val="accent1"/>
+          </a:lnRef>
+          <a:fillRef idx="3">
+            <a:schemeClr val="accent1"/>
+          </a:fillRef>
+          <a:effectRef idx="2">
+            <a:schemeClr val="accent1"/>
+          </a:effectRef>
+          <a:fontRef idx="minor">
+            <a:schemeClr val="lt1"/>
+          </a:fontRef>
+        </p:style>
+        <p:txBody>
+          <a:bodyPr rtlCol="0" anchor="ctr"/>
+          <a:lstStyle/>
+          <a:p>
+            <a:r>
+              <a:rPr lang="en-US" sz="1600" baseline="30000" dirty="0">
+                <a:solidFill>
+                  <a:schemeClr val="tx1"/>
+                </a:solidFill>
+                <a:latin typeface="Roboto" charset="0"/>
+                <a:ea typeface="Roboto" charset="0"/>
+                <a:cs typeface="Roboto" charset="0"/>
+              </a:rPr>
+              <a:t>[1] </a:t>
+            </a:r>
+            <a:r>
+              <a:rPr lang="en-US" sz="1600" dirty="0">
+                <a:solidFill>
+                  <a:schemeClr val="tx1"/>
+                </a:solidFill>
+                <a:latin typeface="Roboto" charset="0"/>
+                <a:ea typeface="Roboto" charset="0"/>
+                <a:cs typeface="Roboto" charset="0"/>
+              </a:rPr>
+              <a:t>American Cancer Society, </a:t>
+            </a:r>
+            <a:r>
+              <a:rPr lang="en-US" sz="1600" u="sng" dirty="0">
+                <a:solidFill>
+                  <a:schemeClr val="tx1"/>
+                </a:solidFill>
+                <a:latin typeface="Roboto" charset="0"/>
+                <a:ea typeface="Roboto" charset="0"/>
+                <a:cs typeface="Roboto" charset="0"/>
+              </a:rPr>
+              <a:t>https://www.cancer.org/cancer/non-small-cell-lung-cancer/</a:t>
+            </a:r>
+          </a:p>
+          <a:p>
+            <a:r>
+              <a:rPr lang="en-US" sz="1600" baseline="30000" dirty="0">
+                <a:solidFill>
+                  <a:schemeClr val="tx1"/>
+                </a:solidFill>
+                <a:latin typeface="Roboto" charset="0"/>
+                <a:ea typeface="Roboto" charset="0"/>
+                <a:cs typeface="Roboto" charset="0"/>
+              </a:rPr>
+              <a:t>[2] </a:t>
+            </a:r>
+            <a:r>
+              <a:rPr lang="en-US" sz="1600" dirty="0">
+                <a:solidFill>
+                  <a:schemeClr val="tx1"/>
+                </a:solidFill>
+                <a:latin typeface="Roboto" charset="0"/>
+                <a:ea typeface="Roboto" charset="0"/>
+                <a:cs typeface="Roboto" charset="0"/>
+              </a:rPr>
+              <a:t>American Cancer Society, </a:t>
+            </a:r>
+            <a:r>
+              <a:rPr lang="en-US" sz="1600" u="sng" dirty="0">
+                <a:solidFill>
+                  <a:schemeClr val="tx1"/>
+                </a:solidFill>
+                <a:latin typeface="Roboto" charset="0"/>
+                <a:ea typeface="Roboto" charset="0"/>
+                <a:cs typeface="Roboto" charset="0"/>
+              </a:rPr>
+              <a:t>https://www.cancer.org/cancer/lung-cancer/prevention-and-early-</a:t>
+            </a:r>
+            <a:r>
+              <a:rPr lang="en-US" sz="1600" u="sng" dirty="0" err="1">
+                <a:solidFill>
+                  <a:schemeClr val="tx1"/>
+                </a:solidFill>
+                <a:latin typeface="Roboto" charset="0"/>
+                <a:ea typeface="Roboto" charset="0"/>
+                <a:cs typeface="Roboto" charset="0"/>
+              </a:rPr>
+              <a:t>detection.html</a:t>
+            </a:r>
+            <a:endParaRPr lang="en-US" sz="1600" u="sng" dirty="0">
+              <a:solidFill>
+                <a:schemeClr val="tx1"/>
+              </a:solidFill>
+              <a:latin typeface="Roboto" charset="0"/>
+              <a:ea typeface="Roboto" charset="0"/>
+              <a:cs typeface="Roboto" charset="0"/>
+            </a:endParaRPr>
+          </a:p>
+          <a:p>
+            <a:r>
+              <a:rPr lang="en-US" sz="1600" baseline="30000" dirty="0">
+                <a:solidFill>
+                  <a:schemeClr val="tx1"/>
+                </a:solidFill>
+                <a:latin typeface="Roboto" charset="0"/>
+                <a:ea typeface="Roboto" charset="0"/>
+                <a:cs typeface="Roboto" charset="0"/>
+              </a:rPr>
+              <a:t>[3] </a:t>
+            </a:r>
+            <a:r>
+              <a:rPr lang="en-US" sz="1600" dirty="0">
+                <a:solidFill>
+                  <a:schemeClr val="tx1"/>
+                </a:solidFill>
+                <a:latin typeface="Roboto" charset="0"/>
+                <a:ea typeface="Roboto" charset="0"/>
+                <a:cs typeface="Roboto" charset="0"/>
+              </a:rPr>
+              <a:t>Z. Wang, M. Gerstein, and M. Snyder. </a:t>
+            </a:r>
+            <a:r>
+              <a:rPr lang="en-US" sz="1600" i="1" dirty="0">
+                <a:solidFill>
+                  <a:schemeClr val="tx1"/>
+                </a:solidFill>
+                <a:latin typeface="Roboto" charset="0"/>
+                <a:ea typeface="Roboto" charset="0"/>
+                <a:cs typeface="Roboto" charset="0"/>
+              </a:rPr>
+              <a:t>Nature Review Genetics</a:t>
+            </a:r>
+            <a:r>
+              <a:rPr lang="en-US" sz="1600" dirty="0">
+                <a:solidFill>
+                  <a:schemeClr val="tx1"/>
+                </a:solidFill>
+                <a:latin typeface="Roboto" charset="0"/>
+                <a:ea typeface="Roboto" charset="0"/>
+                <a:cs typeface="Roboto" charset="0"/>
+              </a:rPr>
+              <a:t>, 2009, </a:t>
+            </a:r>
+            <a:r>
+              <a:rPr lang="en-US" sz="1600" b="1" dirty="0">
+                <a:solidFill>
+                  <a:schemeClr val="tx1"/>
+                </a:solidFill>
+                <a:latin typeface="Roboto" charset="0"/>
+                <a:ea typeface="Roboto" charset="0"/>
+                <a:cs typeface="Roboto" charset="0"/>
+              </a:rPr>
+              <a:t>10</a:t>
+            </a:r>
+            <a:r>
+              <a:rPr lang="en-US" sz="1600" dirty="0">
+                <a:solidFill>
+                  <a:schemeClr val="tx1"/>
+                </a:solidFill>
+                <a:latin typeface="Roboto" charset="0"/>
+                <a:ea typeface="Roboto" charset="0"/>
+                <a:cs typeface="Roboto" charset="0"/>
+              </a:rPr>
+              <a:t>, 57-63, DOI: 10.1038/nrg2484 </a:t>
+            </a:r>
+          </a:p>
+          <a:p>
+            <a:r>
+              <a:rPr lang="en-US" sz="1600" baseline="30000" dirty="0">
+                <a:solidFill>
+                  <a:schemeClr val="tx1"/>
+                </a:solidFill>
+                <a:latin typeface="Roboto" charset="0"/>
+                <a:ea typeface="Roboto" charset="0"/>
+                <a:cs typeface="Roboto" charset="0"/>
+              </a:rPr>
+              <a:t>[4] </a:t>
+            </a:r>
+            <a:r>
+              <a:rPr lang="en-US" sz="1600" dirty="0">
+                <a:solidFill>
+                  <a:schemeClr val="tx1"/>
+                </a:solidFill>
+                <a:latin typeface="Roboto" charset="0"/>
+                <a:ea typeface="Roboto" charset="0"/>
+                <a:cs typeface="Roboto" charset="0"/>
+              </a:rPr>
+              <a:t>AEGIS Study Team, </a:t>
+            </a:r>
+            <a:r>
+              <a:rPr lang="en-US" sz="1600" i="1" dirty="0">
+                <a:solidFill>
+                  <a:schemeClr val="tx1"/>
+                </a:solidFill>
+                <a:latin typeface="Roboto" charset="0"/>
+                <a:ea typeface="Roboto" charset="0"/>
+                <a:cs typeface="Roboto" charset="0"/>
+              </a:rPr>
+              <a:t>J Natl Cancer Inst,</a:t>
+            </a:r>
+            <a:r>
+              <a:rPr lang="en-US" sz="1600" dirty="0">
+                <a:solidFill>
+                  <a:schemeClr val="tx1"/>
+                </a:solidFill>
+                <a:latin typeface="Roboto" charset="0"/>
+                <a:ea typeface="Roboto" charset="0"/>
+                <a:cs typeface="Roboto" charset="0"/>
+              </a:rPr>
+              <a:t> 2017, </a:t>
+            </a:r>
+            <a:r>
+              <a:rPr lang="en-US" sz="1600" b="1" dirty="0">
+                <a:solidFill>
+                  <a:schemeClr val="tx1"/>
+                </a:solidFill>
+                <a:latin typeface="Roboto" charset="0"/>
+                <a:ea typeface="Roboto" charset="0"/>
+                <a:cs typeface="Roboto" charset="0"/>
+              </a:rPr>
+              <a:t>109 </a:t>
+            </a:r>
+            <a:r>
+              <a:rPr lang="en-US" sz="1600" dirty="0">
+                <a:solidFill>
+                  <a:schemeClr val="tx1"/>
+                </a:solidFill>
+                <a:latin typeface="Roboto" charset="0"/>
+                <a:ea typeface="Roboto" charset="0"/>
+                <a:cs typeface="Roboto" charset="0"/>
+              </a:rPr>
+              <a:t>(7), DOI: 10.1093/</a:t>
+            </a:r>
+            <a:r>
+              <a:rPr lang="en-US" sz="1600" dirty="0" err="1">
+                <a:solidFill>
+                  <a:schemeClr val="tx1"/>
+                </a:solidFill>
+                <a:latin typeface="Roboto" charset="0"/>
+                <a:ea typeface="Roboto" charset="0"/>
+                <a:cs typeface="Roboto" charset="0"/>
+              </a:rPr>
+              <a:t>jnci</a:t>
+            </a:r>
+            <a:r>
+              <a:rPr lang="en-US" sz="1600" dirty="0">
+                <a:solidFill>
+                  <a:schemeClr val="tx1"/>
+                </a:solidFill>
+                <a:latin typeface="Roboto" charset="0"/>
+                <a:ea typeface="Roboto" charset="0"/>
+                <a:cs typeface="Roboto" charset="0"/>
+              </a:rPr>
+              <a:t>/djw327</a:t>
+            </a:r>
+          </a:p>
+        </p:txBody>
+      </p:sp>
+      <p:sp>
+        <p:nvSpPr>
+          <p:cNvPr id="33" name="Rectangle">
+            <a:extLst>
+              <a:ext uri="{FF2B5EF4-FFF2-40B4-BE49-F238E27FC236}">
+                <a16:creationId xmlns:a16="http://schemas.microsoft.com/office/drawing/2014/main" id="{A1B3A610-0F9B-BD4E-8C72-184014212640}"/>
+              </a:ext>
+            </a:extLst>
+          </p:cNvPr>
+          <p:cNvSpPr/>
+          <p:nvPr/>
+        </p:nvSpPr>
+        <p:spPr>
+          <a:xfrm>
+            <a:off x="6705240" y="20234829"/>
+            <a:ext cx="5400621" cy="3414705"/>
+          </a:xfrm>
+          <a:prstGeom prst="rect">
+            <a:avLst/>
+          </a:prstGeom>
+          <a:solidFill>
+            <a:srgbClr val="FFFFFF"/>
+          </a:solidFill>
+          <a:ln w="50800">
+            <a:solidFill>
+              <a:schemeClr val="accent1">
+                <a:lumOff val="-10784"/>
+              </a:schemeClr>
+            </a:solidFill>
+          </a:ln>
+        </p:spPr>
+        <p:txBody>
+          <a:bodyPr lIns="35277" tIns="35277" rIns="35277" bIns="35277" anchor="ctr"/>
+          <a:lstStyle/>
+          <a:p>
+            <a:endParaRPr lang="en-US" dirty="0"/>
+          </a:p>
+        </p:txBody>
+      </p:sp>
+      <p:sp>
+        <p:nvSpPr>
+          <p:cNvPr id="35" name="Rectangle 116">
+            <a:extLst>
+              <a:ext uri="{FF2B5EF4-FFF2-40B4-BE49-F238E27FC236}">
+                <a16:creationId xmlns:a16="http://schemas.microsoft.com/office/drawing/2014/main" id="{B1CAB185-C0A6-4044-892F-D1E5AA5F8CE3}"/>
+              </a:ext>
+            </a:extLst>
+          </p:cNvPr>
+          <p:cNvSpPr txBox="1"/>
+          <p:nvPr/>
+        </p:nvSpPr>
+        <p:spPr>
+          <a:xfrm>
+            <a:off x="6849979" y="20268805"/>
+            <a:ext cx="5111145" cy="3282950"/>
+          </a:xfrm>
+          <a:prstGeom prst="rect">
+            <a:avLst/>
+          </a:prstGeom>
+          <a:ln w="3175">
+            <a:miter lim="400000"/>
+          </a:ln>
+          <a:extLst>
+            <a:ext uri="{C572A759-6A51-4108-AA02-DFA0A04FC94B}">
+              <ma14:wrappingTextBoxFlag xmlns="" xmlns:m="http://schemas.openxmlformats.org/officeDocument/2006/math" xmlns:a14="http://schemas.microsoft.com/office/drawing/2010/main" xmlns:ma14="http://schemas.microsoft.com/office/mac/drawingml/2011/main" val="1"/>
+            </a:ext>
+          </a:extLst>
+        </p:spPr>
+        <p:txBody>
+          <a:bodyPr wrap="square" lIns="45719" rIns="45719" anchor="ctr">
+            <a:spAutoFit/>
+          </a:bodyPr>
+          <a:lstStyle/>
+          <a:p>
+            <a:pPr defTabSz="3511296">
+              <a:spcBef>
+                <a:spcPts val="400"/>
+              </a:spcBef>
+              <a:spcAft>
+                <a:spcPts val="400"/>
+              </a:spcAft>
+              <a:buSzPct val="100000"/>
+              <a:defRPr sz="2600">
+                <a:latin typeface="Roboto Thin"/>
+                <a:ea typeface="Roboto Thin"/>
+                <a:cs typeface="Roboto Thin"/>
+                <a:sym typeface="Roboto Thin"/>
+              </a:defRPr>
+            </a:pPr>
+            <a:r>
+              <a:rPr lang="en-US" sz="3000" u="sng" dirty="0">
+                <a:latin typeface="Roboto" panose="02000000000000000000" pitchFamily="2" charset="0"/>
+                <a:ea typeface="Roboto" panose="02000000000000000000" pitchFamily="2" charset="0"/>
+              </a:rPr>
+              <a:t>Dataset at a Glance</a:t>
+            </a:r>
+          </a:p>
+          <a:p>
+            <a:pPr defTabSz="3511296">
+              <a:spcBef>
+                <a:spcPts val="400"/>
+              </a:spcBef>
+              <a:spcAft>
+                <a:spcPts val="400"/>
+              </a:spcAft>
+              <a:buSzPct val="100000"/>
+              <a:defRPr sz="2600">
+                <a:latin typeface="Roboto Thin"/>
+                <a:ea typeface="Roboto Thin"/>
+                <a:cs typeface="Roboto Thin"/>
+                <a:sym typeface="Roboto Thin"/>
+              </a:defRPr>
+            </a:pPr>
+            <a:r>
+              <a:rPr lang="en-US" sz="2400" dirty="0"/>
+              <a:t>- </a:t>
+            </a:r>
+            <a:r>
+              <a:rPr lang="en-US" sz="2400" b="1" dirty="0"/>
+              <a:t>487 Samples </a:t>
+            </a:r>
+            <a:r>
+              <a:rPr lang="en-US" sz="2400" dirty="0"/>
+              <a:t>from 28 Centers</a:t>
+            </a:r>
+          </a:p>
+          <a:p>
+            <a:pPr defTabSz="3511296">
+              <a:spcBef>
+                <a:spcPts val="400"/>
+              </a:spcBef>
+              <a:spcAft>
+                <a:spcPts val="400"/>
+              </a:spcAft>
+              <a:buSzPct val="100000"/>
+              <a:defRPr sz="2600">
+                <a:latin typeface="Roboto Thin"/>
+                <a:ea typeface="Roboto Thin"/>
+                <a:cs typeface="Roboto Thin"/>
+                <a:sym typeface="Roboto Thin"/>
+              </a:defRPr>
+            </a:pPr>
+            <a:r>
+              <a:rPr lang="en-US" sz="2400" dirty="0"/>
+              <a:t>- 298 Patients diagnosed with cancer</a:t>
+            </a:r>
+          </a:p>
+          <a:p>
+            <a:pPr defTabSz="3511296">
+              <a:spcBef>
+                <a:spcPts val="400"/>
+              </a:spcBef>
+              <a:spcAft>
+                <a:spcPts val="400"/>
+              </a:spcAft>
+              <a:buSzPct val="100000"/>
+              <a:defRPr sz="2600">
+                <a:latin typeface="Roboto Thin"/>
+                <a:ea typeface="Roboto Thin"/>
+                <a:cs typeface="Roboto Thin"/>
+                <a:sym typeface="Roboto Thin"/>
+              </a:defRPr>
+            </a:pPr>
+            <a:r>
+              <a:rPr lang="en-US" sz="2400" dirty="0"/>
+              <a:t>- 189 Patients without cancer</a:t>
+            </a:r>
+          </a:p>
+          <a:p>
+            <a:pPr defTabSz="3511296">
+              <a:spcBef>
+                <a:spcPts val="400"/>
+              </a:spcBef>
+              <a:spcAft>
+                <a:spcPts val="400"/>
+              </a:spcAft>
+              <a:buSzPct val="100000"/>
+              <a:defRPr sz="2600">
+                <a:latin typeface="Roboto Thin"/>
+                <a:ea typeface="Roboto Thin"/>
+                <a:cs typeface="Roboto Thin"/>
+                <a:sym typeface="Roboto Thin"/>
+              </a:defRPr>
+            </a:pPr>
+            <a:r>
+              <a:rPr lang="en-US" sz="2400" dirty="0"/>
+              <a:t>- </a:t>
+            </a:r>
+            <a:r>
+              <a:rPr lang="en-US" sz="2400" b="1" dirty="0">
+                <a:solidFill>
+                  <a:srgbClr val="C00000"/>
+                </a:solidFill>
+              </a:rPr>
+              <a:t>Clinical Data </a:t>
+            </a:r>
+            <a:r>
+              <a:rPr lang="en-US" sz="2400" dirty="0"/>
+              <a:t>(age, smoking, etc.)</a:t>
+            </a:r>
+          </a:p>
+          <a:p>
+            <a:pPr defTabSz="3511296">
+              <a:spcBef>
+                <a:spcPts val="400"/>
+              </a:spcBef>
+              <a:spcAft>
+                <a:spcPts val="400"/>
+              </a:spcAft>
+              <a:buSzPct val="100000"/>
+              <a:defRPr sz="2600">
+                <a:latin typeface="Roboto Thin"/>
+                <a:ea typeface="Roboto Thin"/>
+                <a:cs typeface="Roboto Thin"/>
+                <a:sym typeface="Roboto Thin"/>
+              </a:defRPr>
+            </a:pPr>
+            <a:r>
+              <a:rPr lang="en-US" sz="2400" dirty="0"/>
+              <a:t>- </a:t>
+            </a:r>
+            <a:r>
+              <a:rPr lang="en-US" sz="2400" b="1" dirty="0">
+                <a:solidFill>
+                  <a:srgbClr val="0070C0"/>
+                </a:solidFill>
+              </a:rPr>
+              <a:t>Expression levels for 32,321 genes</a:t>
+            </a:r>
+            <a:r>
+              <a:rPr lang="en-US" sz="2400" dirty="0"/>
+              <a:t>,     </a:t>
+            </a:r>
+            <a:r>
+              <a:rPr lang="en-US" sz="2200" dirty="0">
+                <a:solidFill>
+                  <a:srgbClr val="FFFFFF"/>
+                </a:solidFill>
+              </a:rPr>
+              <a:t>…</a:t>
+            </a:r>
+            <a:r>
+              <a:rPr lang="en-US" sz="2400" dirty="0"/>
+              <a:t>from Affymetrix Microarray</a:t>
+            </a:r>
+            <a:r>
+              <a:rPr lang="en-US" sz="2400" baseline="30000" dirty="0"/>
+              <a:t>[3]</a:t>
+            </a:r>
+          </a:p>
+        </p:txBody>
+      </p:sp>
+      <p:pic>
+        <p:nvPicPr>
+          <p:cNvPr id="3" name="Picture 2">
+            <a:extLst>
+              <a:ext uri="{FF2B5EF4-FFF2-40B4-BE49-F238E27FC236}">
+                <a16:creationId xmlns:a16="http://schemas.microsoft.com/office/drawing/2014/main" id="{976C3665-4972-6642-BD5C-115C6D752116}"/>
+              </a:ext>
+            </a:extLst>
+          </p:cNvPr>
+          <p:cNvPicPr>
+            <a:picLocks noChangeAspect="1"/>
+          </p:cNvPicPr>
+          <p:nvPr/>
+        </p:nvPicPr>
+        <p:blipFill>
+          <a:blip r:embed="rId3"/>
+          <a:stretch>
+            <a:fillRect/>
+          </a:stretch>
+        </p:blipFill>
+        <p:spPr>
+          <a:xfrm>
+            <a:off x="2657388" y="16823471"/>
+            <a:ext cx="9525000" cy="2476500"/>
+          </a:xfrm>
+          <a:prstGeom prst="rect">
+            <a:avLst/>
+          </a:prstGeom>
+        </p:spPr>
+      </p:pic>
+      <p:cxnSp>
+        <p:nvCxnSpPr>
+          <p:cNvPr id="5" name="Straight Connector 4">
+            <a:extLst>
+              <a:ext uri="{FF2B5EF4-FFF2-40B4-BE49-F238E27FC236}">
+                <a16:creationId xmlns:a16="http://schemas.microsoft.com/office/drawing/2014/main" id="{39A4681E-EAE3-3F41-A5D5-5C1427409806}"/>
+              </a:ext>
+            </a:extLst>
+          </p:cNvPr>
+          <p:cNvCxnSpPr>
+            <a:cxnSpLocks/>
+          </p:cNvCxnSpPr>
+          <p:nvPr/>
+        </p:nvCxnSpPr>
+        <p:spPr>
+          <a:xfrm>
+            <a:off x="2483734" y="17464932"/>
+            <a:ext cx="0" cy="1824648"/>
+          </a:xfrm>
+          <a:prstGeom prst="line">
+            <a:avLst/>
+          </a:prstGeom>
+          <a:noFill/>
+          <a:ln w="38100" cap="sq">
+            <a:solidFill>
+              <a:schemeClr val="tx1"/>
+            </a:solidFill>
+            <a:prstDash val="solid"/>
+            <a:round/>
+            <a:headEnd type="arrow"/>
+            <a:tailEnd type="arrow"/>
+          </a:ln>
+          <a:effectLst/>
+          <a:sp3d/>
+        </p:spPr>
+        <p:style>
+          <a:lnRef idx="0">
+            <a:scrgbClr r="0" g="0" b="0"/>
+          </a:lnRef>
+          <a:fillRef idx="0">
+            <a:scrgbClr r="0" g="0" b="0"/>
+          </a:fillRef>
+          <a:effectRef idx="0">
+            <a:scrgbClr r="0" g="0" b="0"/>
+          </a:effectRef>
+          <a:fontRef idx="none"/>
+        </p:style>
+      </p:cxnSp>
+      <p:cxnSp>
+        <p:nvCxnSpPr>
+          <p:cNvPr id="41" name="Straight Connector 40">
+            <a:extLst>
+              <a:ext uri="{FF2B5EF4-FFF2-40B4-BE49-F238E27FC236}">
+                <a16:creationId xmlns:a16="http://schemas.microsoft.com/office/drawing/2014/main" id="{A5E958D7-1AB4-D244-92D4-FA72A15AFE28}"/>
+              </a:ext>
+            </a:extLst>
+          </p:cNvPr>
+          <p:cNvCxnSpPr>
+            <a:cxnSpLocks/>
+          </p:cNvCxnSpPr>
+          <p:nvPr/>
+        </p:nvCxnSpPr>
+        <p:spPr>
+          <a:xfrm flipH="1">
+            <a:off x="8750762" y="19476801"/>
+            <a:ext cx="3396901" cy="0"/>
+          </a:xfrm>
+          <a:prstGeom prst="line">
+            <a:avLst/>
+          </a:prstGeom>
+          <a:noFill/>
+          <a:ln w="38100" cap="sq">
+            <a:solidFill>
+              <a:srgbClr val="0070C0"/>
+            </a:solidFill>
+            <a:prstDash val="solid"/>
+            <a:round/>
+            <a:headEnd type="arrow"/>
+            <a:tailEnd type="arrow"/>
+          </a:ln>
+          <a:effectLst/>
+          <a:sp3d/>
+        </p:spPr>
+        <p:style>
+          <a:lnRef idx="0">
+            <a:scrgbClr r="0" g="0" b="0"/>
+          </a:lnRef>
+          <a:fillRef idx="0">
+            <a:scrgbClr r="0" g="0" b="0"/>
+          </a:fillRef>
+          <a:effectRef idx="0">
+            <a:scrgbClr r="0" g="0" b="0"/>
+          </a:effectRef>
+          <a:fontRef idx="none"/>
+        </p:style>
+      </p:cxnSp>
+      <p:cxnSp>
+        <p:nvCxnSpPr>
+          <p:cNvPr id="47" name="Straight Connector 46">
+            <a:extLst>
+              <a:ext uri="{FF2B5EF4-FFF2-40B4-BE49-F238E27FC236}">
+                <a16:creationId xmlns:a16="http://schemas.microsoft.com/office/drawing/2014/main" id="{2E5058A8-11C5-7D4D-97FC-9DAABAACB39B}"/>
+              </a:ext>
+            </a:extLst>
+          </p:cNvPr>
+          <p:cNvCxnSpPr>
+            <a:cxnSpLocks/>
+          </p:cNvCxnSpPr>
+          <p:nvPr/>
+        </p:nvCxnSpPr>
+        <p:spPr>
+          <a:xfrm flipH="1">
+            <a:off x="4572303" y="19476801"/>
+            <a:ext cx="4120585" cy="0"/>
+          </a:xfrm>
+          <a:prstGeom prst="line">
+            <a:avLst/>
+          </a:prstGeom>
+          <a:noFill/>
+          <a:ln w="38100" cap="sq">
+            <a:solidFill>
+              <a:srgbClr val="C00000"/>
+            </a:solidFill>
+            <a:prstDash val="solid"/>
+            <a:round/>
+            <a:headEnd type="arrow"/>
+            <a:tailEnd type="arrow"/>
+          </a:ln>
+          <a:effectLst/>
+          <a:sp3d/>
+        </p:spPr>
+        <p:style>
+          <a:lnRef idx="0">
+            <a:scrgbClr r="0" g="0" b="0"/>
+          </a:lnRef>
+          <a:fillRef idx="0">
+            <a:scrgbClr r="0" g="0" b="0"/>
+          </a:fillRef>
+          <a:effectRef idx="0">
+            <a:scrgbClr r="0" g="0" b="0"/>
+          </a:effectRef>
+          <a:fontRef idx="none"/>
+        </p:style>
+      </p:cxnSp>
+      <p:sp>
+        <p:nvSpPr>
+          <p:cNvPr id="49" name="Rectangle 116">
+            <a:extLst>
+              <a:ext uri="{FF2B5EF4-FFF2-40B4-BE49-F238E27FC236}">
+                <a16:creationId xmlns:a16="http://schemas.microsoft.com/office/drawing/2014/main" id="{42C9563C-B508-854C-97D0-637BF50085A9}"/>
+              </a:ext>
+            </a:extLst>
+          </p:cNvPr>
+          <p:cNvSpPr txBox="1"/>
+          <p:nvPr/>
+        </p:nvSpPr>
+        <p:spPr>
+          <a:xfrm>
+            <a:off x="5373810" y="19564036"/>
+            <a:ext cx="2530084" cy="492443"/>
+          </a:xfrm>
+          <a:prstGeom prst="rect">
+            <a:avLst/>
+          </a:prstGeom>
+          <a:ln w="3175">
+            <a:miter lim="400000"/>
+          </a:ln>
+          <a:extLst>
+            <a:ext uri="{C572A759-6A51-4108-AA02-DFA0A04FC94B}">
+              <ma14:wrappingTextBoxFlag xmlns="" xmlns:m="http://schemas.openxmlformats.org/officeDocument/2006/math" xmlns:a14="http://schemas.microsoft.com/office/drawing/2010/main" xmlns:ma14="http://schemas.microsoft.com/office/mac/drawingml/2011/main" val="1"/>
+            </a:ext>
+          </a:extLst>
+        </p:spPr>
+        <p:txBody>
+          <a:bodyPr wrap="square" lIns="45719" rIns="45719" anchor="ctr">
+            <a:spAutoFit/>
+          </a:bodyPr>
+          <a:lstStyle>
+            <a:lvl1pPr algn="ctr" defTabSz="3511296">
+              <a:defRPr sz="3600">
+                <a:latin typeface="Roboto Regular"/>
+                <a:ea typeface="Roboto Regular"/>
+                <a:cs typeface="Roboto Regular"/>
+                <a:sym typeface="Roboto Regular"/>
+              </a:defRPr>
+            </a:lvl1pPr>
+          </a:lstStyle>
+          <a:p>
+            <a:r>
+              <a:rPr lang="en-US" sz="2600" dirty="0">
+                <a:solidFill>
+                  <a:srgbClr val="C00000"/>
+                </a:solidFill>
+              </a:rPr>
+              <a:t>Clinical Data</a:t>
+            </a:r>
+            <a:endParaRPr sz="2600" dirty="0">
+              <a:solidFill>
+                <a:srgbClr val="C00000"/>
+              </a:solidFill>
+            </a:endParaRPr>
+          </a:p>
+        </p:txBody>
+      </p:sp>
+      <p:sp>
+        <p:nvSpPr>
+          <p:cNvPr id="50" name="Rectangle 116">
+            <a:extLst>
+              <a:ext uri="{FF2B5EF4-FFF2-40B4-BE49-F238E27FC236}">
+                <a16:creationId xmlns:a16="http://schemas.microsoft.com/office/drawing/2014/main" id="{1B219A41-3333-244D-89FE-08D16E3C5E45}"/>
+              </a:ext>
+            </a:extLst>
+          </p:cNvPr>
+          <p:cNvSpPr txBox="1"/>
+          <p:nvPr/>
+        </p:nvSpPr>
+        <p:spPr>
+          <a:xfrm>
+            <a:off x="9184170" y="19568160"/>
+            <a:ext cx="2530084" cy="492443"/>
+          </a:xfrm>
+          <a:prstGeom prst="rect">
+            <a:avLst/>
+          </a:prstGeom>
+          <a:ln w="3175">
+            <a:miter lim="400000"/>
+          </a:ln>
+          <a:extLst>
+            <a:ext uri="{C572A759-6A51-4108-AA02-DFA0A04FC94B}">
+              <ma14:wrappingTextBoxFlag xmlns="" xmlns:m="http://schemas.openxmlformats.org/officeDocument/2006/math" xmlns:a14="http://schemas.microsoft.com/office/drawing/2010/main" xmlns:ma14="http://schemas.microsoft.com/office/mac/drawingml/2011/main" val="1"/>
+            </a:ext>
+          </a:extLst>
+        </p:spPr>
+        <p:txBody>
+          <a:bodyPr wrap="square" lIns="45719" rIns="45719" anchor="ctr">
+            <a:spAutoFit/>
+          </a:bodyPr>
+          <a:lstStyle>
+            <a:lvl1pPr algn="ctr" defTabSz="3511296">
+              <a:defRPr sz="3600">
+                <a:latin typeface="Roboto Regular"/>
+                <a:ea typeface="Roboto Regular"/>
+                <a:cs typeface="Roboto Regular"/>
+                <a:sym typeface="Roboto Regular"/>
+              </a:defRPr>
+            </a:lvl1pPr>
+          </a:lstStyle>
+          <a:p>
+            <a:r>
+              <a:rPr lang="en-US" sz="2600" dirty="0">
+                <a:solidFill>
+                  <a:srgbClr val="0070C0"/>
+                </a:solidFill>
+              </a:rPr>
+              <a:t>32,321 Genes</a:t>
+            </a:r>
+            <a:endParaRPr sz="2600" dirty="0">
+              <a:solidFill>
+                <a:srgbClr val="0070C0"/>
+              </a:solidFill>
+            </a:endParaRPr>
+          </a:p>
+        </p:txBody>
+      </p:sp>
+      <p:sp>
+        <p:nvSpPr>
+          <p:cNvPr id="51" name="Rectangle 116">
+            <a:extLst>
+              <a:ext uri="{FF2B5EF4-FFF2-40B4-BE49-F238E27FC236}">
+                <a16:creationId xmlns:a16="http://schemas.microsoft.com/office/drawing/2014/main" id="{4B94B5D0-524D-AC4F-81EF-A112DCF919FC}"/>
+              </a:ext>
+            </a:extLst>
+          </p:cNvPr>
+          <p:cNvSpPr txBox="1"/>
+          <p:nvPr/>
+        </p:nvSpPr>
+        <p:spPr>
+          <a:xfrm>
+            <a:off x="366631" y="17663255"/>
+            <a:ext cx="2530084" cy="1292662"/>
+          </a:xfrm>
+          <a:prstGeom prst="rect">
+            <a:avLst/>
+          </a:prstGeom>
+          <a:ln w="3175">
+            <a:miter lim="400000"/>
+          </a:ln>
+          <a:extLst>
+            <a:ext uri="{C572A759-6A51-4108-AA02-DFA0A04FC94B}">
+              <ma14:wrappingTextBoxFlag xmlns="" xmlns:m="http://schemas.openxmlformats.org/officeDocument/2006/math" xmlns:a14="http://schemas.microsoft.com/office/drawing/2010/main" xmlns:ma14="http://schemas.microsoft.com/office/mac/drawingml/2011/main" val="1"/>
+            </a:ext>
+          </a:extLst>
+        </p:spPr>
+        <p:txBody>
+          <a:bodyPr wrap="square" lIns="45719" rIns="45719" anchor="ctr">
+            <a:spAutoFit/>
+          </a:bodyPr>
+          <a:lstStyle>
+            <a:lvl1pPr algn="ctr" defTabSz="3511296">
+              <a:defRPr sz="3600">
+                <a:latin typeface="Roboto Regular"/>
+                <a:ea typeface="Roboto Regular"/>
+                <a:cs typeface="Roboto Regular"/>
+                <a:sym typeface="Roboto Regular"/>
+              </a:defRPr>
+            </a:lvl1pPr>
+          </a:lstStyle>
+          <a:p>
+            <a:r>
+              <a:rPr lang="en-US" sz="2600" dirty="0"/>
+              <a:t>487</a:t>
+            </a:r>
+          </a:p>
+          <a:p>
+            <a:r>
+              <a:rPr lang="en-US" sz="2600" dirty="0"/>
+              <a:t>Samples</a:t>
+            </a:r>
+          </a:p>
+          <a:p>
+            <a:r>
+              <a:rPr lang="en-US" sz="2600" dirty="0"/>
+              <a:t>(Patients)</a:t>
+            </a:r>
+          </a:p>
+        </p:txBody>
+      </p:sp>
+      <p:sp>
+        <p:nvSpPr>
+          <p:cNvPr id="53" name="Rectangle 116">
+            <a:extLst>
+              <a:ext uri="{FF2B5EF4-FFF2-40B4-BE49-F238E27FC236}">
+                <a16:creationId xmlns:a16="http://schemas.microsoft.com/office/drawing/2014/main" id="{19C833B7-343A-4E46-B708-CBF653C128C1}"/>
+              </a:ext>
+            </a:extLst>
+          </p:cNvPr>
+          <p:cNvSpPr txBox="1"/>
+          <p:nvPr/>
+        </p:nvSpPr>
+        <p:spPr>
+          <a:xfrm>
+            <a:off x="1071479" y="20158889"/>
+            <a:ext cx="5293622" cy="3416320"/>
+          </a:xfrm>
+          <a:prstGeom prst="rect">
+            <a:avLst/>
+          </a:prstGeom>
+          <a:ln w="3175">
+            <a:miter lim="400000"/>
+          </a:ln>
+          <a:extLst>
+            <a:ext uri="{C572A759-6A51-4108-AA02-DFA0A04FC94B}">
+              <ma14:wrappingTextBoxFlag xmlns="" xmlns:m="http://schemas.openxmlformats.org/officeDocument/2006/math" xmlns:a14="http://schemas.microsoft.com/office/drawing/2010/main" xmlns:ma14="http://schemas.microsoft.com/office/mac/drawingml/2011/main" val="1"/>
+            </a:ext>
+          </a:extLst>
+        </p:spPr>
+        <p:txBody>
+          <a:bodyPr wrap="square" lIns="45719" rIns="45719" anchor="ctr">
+            <a:spAutoFit/>
+          </a:bodyPr>
+          <a:lstStyle/>
+          <a:p>
+            <a:pPr defTabSz="3511296">
+              <a:defRPr sz="3600">
+                <a:latin typeface="Roboto Regular"/>
+                <a:ea typeface="Roboto Regular"/>
+                <a:cs typeface="Roboto Regular"/>
+                <a:sym typeface="Roboto Regular"/>
+              </a:defRPr>
+            </a:pPr>
+            <a:r>
+              <a:rPr lang="en-US" u="sng" dirty="0"/>
+              <a:t>Challenges</a:t>
+            </a:r>
+            <a:endParaRPr u="sng" dirty="0"/>
+          </a:p>
+          <a:p>
+            <a:pPr marL="360947" indent="-360947" defTabSz="3511296">
+              <a:buSzPct val="100000"/>
+              <a:buChar char="•"/>
+              <a:defRPr sz="3000">
+                <a:latin typeface="Roboto Thin"/>
+                <a:ea typeface="Roboto Thin"/>
+                <a:cs typeface="Roboto Thin"/>
+                <a:sym typeface="Roboto Thin"/>
+              </a:defRPr>
+            </a:pPr>
+            <a:r>
+              <a:rPr lang="en-US" dirty="0"/>
+              <a:t>Significantly more features than data points</a:t>
+            </a:r>
+          </a:p>
+          <a:p>
+            <a:pPr marL="360947" indent="-360947" defTabSz="3511296">
+              <a:buSzPct val="100000"/>
+              <a:buChar char="•"/>
+              <a:defRPr sz="3000">
+                <a:latin typeface="Roboto Thin"/>
+                <a:ea typeface="Roboto Thin"/>
+                <a:cs typeface="Roboto Thin"/>
+                <a:sym typeface="Roboto Thin"/>
+              </a:defRPr>
+            </a:pPr>
+            <a:r>
+              <a:rPr lang="en-US" dirty="0"/>
+              <a:t>Expect most of the gene expression levels </a:t>
+            </a:r>
+            <a:r>
+              <a:rPr lang="en-US" b="1" dirty="0"/>
+              <a:t>not</a:t>
+            </a:r>
+            <a:r>
+              <a:rPr lang="en-US" dirty="0"/>
+              <a:t> to be correlated with cancer</a:t>
+            </a:r>
+          </a:p>
+          <a:p>
+            <a:pPr marL="360947" indent="-360947" defTabSz="3511296">
+              <a:buSzPct val="100000"/>
+              <a:buChar char="•"/>
+              <a:defRPr sz="3000">
+                <a:latin typeface="Roboto Thin"/>
+                <a:ea typeface="Roboto Thin"/>
+                <a:cs typeface="Roboto Thin"/>
+                <a:sym typeface="Roboto Thin"/>
+              </a:defRPr>
+            </a:pPr>
+            <a:r>
+              <a:rPr lang="en-US" dirty="0"/>
+              <a:t>Need feature selection!</a:t>
+            </a:r>
+          </a:p>
+        </p:txBody>
+      </p:sp>
+      <p:sp>
+        <p:nvSpPr>
+          <p:cNvPr id="54" name="Rectangle">
+            <a:extLst>
+              <a:ext uri="{FF2B5EF4-FFF2-40B4-BE49-F238E27FC236}">
+                <a16:creationId xmlns:a16="http://schemas.microsoft.com/office/drawing/2014/main" id="{A21DDE71-0D79-1340-B508-1C060FEDE7A2}"/>
+              </a:ext>
+            </a:extLst>
+          </p:cNvPr>
+          <p:cNvSpPr/>
+          <p:nvPr/>
+        </p:nvSpPr>
+        <p:spPr>
+          <a:xfrm>
+            <a:off x="28056646" y="5181656"/>
+            <a:ext cx="6878708" cy="3926563"/>
+          </a:xfrm>
+          <a:prstGeom prst="rect">
+            <a:avLst/>
+          </a:prstGeom>
+          <a:solidFill>
+            <a:srgbClr val="FFFFFF"/>
+          </a:solidFill>
+          <a:ln w="50800">
+            <a:solidFill>
+              <a:schemeClr val="accent1">
+                <a:lumOff val="-10784"/>
+              </a:schemeClr>
+            </a:solidFill>
+          </a:ln>
+        </p:spPr>
+        <p:txBody>
+          <a:bodyPr lIns="35277" tIns="35277" rIns="35277" bIns="35277" anchor="ctr"/>
+          <a:lstStyle/>
+          <a:p>
+            <a:pPr algn="ctr"/>
+            <a:r>
+              <a:rPr lang="en-US" sz="3600" dirty="0"/>
+              <a:t>Placeholder</a:t>
+            </a:r>
+          </a:p>
+          <a:p>
+            <a:pPr algn="ctr"/>
+            <a:r>
+              <a:rPr lang="en-US" sz="3600" dirty="0"/>
+              <a:t>table of scoring metrics for clinical vs full model with final feature set</a:t>
+            </a:r>
+          </a:p>
+        </p:txBody>
+      </p:sp>
+      <p:sp>
+        <p:nvSpPr>
+          <p:cNvPr id="55" name="Rectangle 116">
+            <a:extLst>
+              <a:ext uri="{FF2B5EF4-FFF2-40B4-BE49-F238E27FC236}">
+                <a16:creationId xmlns:a16="http://schemas.microsoft.com/office/drawing/2014/main" id="{CAFCAF6B-9AFB-1B49-8316-0ADA27ED3885}"/>
+              </a:ext>
+            </a:extLst>
+          </p:cNvPr>
+          <p:cNvSpPr txBox="1"/>
+          <p:nvPr/>
+        </p:nvSpPr>
+        <p:spPr>
+          <a:xfrm>
+            <a:off x="19584088" y="16130329"/>
+            <a:ext cx="4706730" cy="646331"/>
+          </a:xfrm>
+          <a:prstGeom prst="rect">
+            <a:avLst/>
+          </a:prstGeom>
+          <a:ln w="3175">
+            <a:miter lim="400000"/>
+          </a:ln>
+          <a:extLst>
+            <a:ext uri="{C572A759-6A51-4108-AA02-DFA0A04FC94B}">
+              <ma14:wrappingTextBoxFlag xmlns="" xmlns:m="http://schemas.openxmlformats.org/officeDocument/2006/math" xmlns:a14="http://schemas.microsoft.com/office/drawing/2010/main" xmlns:ma14="http://schemas.microsoft.com/office/mac/drawingml/2011/main" val="1"/>
+            </a:ext>
+          </a:extLst>
+        </p:spPr>
+        <p:txBody>
+          <a:bodyPr wrap="square" lIns="45719" rIns="45719" anchor="ctr">
+            <a:spAutoFit/>
+          </a:bodyPr>
+          <a:lstStyle/>
+          <a:p>
+            <a:pPr algn="ctr" defTabSz="3511296">
+              <a:defRPr sz="3600" u="sng">
+                <a:latin typeface="Roboto Regular"/>
+                <a:ea typeface="Roboto Regular"/>
+                <a:cs typeface="Roboto Regular"/>
+                <a:sym typeface="Roboto Regular"/>
+              </a:defRPr>
+            </a:pPr>
+            <a:r>
+              <a:rPr lang="en-US" dirty="0"/>
+              <a:t>II. Logistic Regression</a:t>
+            </a:r>
+            <a:endParaRPr dirty="0"/>
+          </a:p>
+        </p:txBody>
+      </p:sp>
+      <p:sp>
+        <p:nvSpPr>
+          <p:cNvPr id="56" name="Rectangle 116">
+            <a:extLst>
+              <a:ext uri="{FF2B5EF4-FFF2-40B4-BE49-F238E27FC236}">
+                <a16:creationId xmlns:a16="http://schemas.microsoft.com/office/drawing/2014/main" id="{F2C25C80-975A-0D45-BF5F-243C2525EF41}"/>
+              </a:ext>
+            </a:extLst>
+          </p:cNvPr>
+          <p:cNvSpPr txBox="1"/>
+          <p:nvPr/>
+        </p:nvSpPr>
+        <p:spPr>
+          <a:xfrm>
+            <a:off x="13805327" y="20506927"/>
+            <a:ext cx="4706730" cy="646331"/>
+          </a:xfrm>
+          <a:prstGeom prst="rect">
+            <a:avLst/>
+          </a:prstGeom>
+          <a:ln w="3175">
+            <a:miter lim="400000"/>
+          </a:ln>
+          <a:extLst>
+            <a:ext uri="{C572A759-6A51-4108-AA02-DFA0A04FC94B}">
+              <ma14:wrappingTextBoxFlag xmlns="" xmlns:m="http://schemas.openxmlformats.org/officeDocument/2006/math" xmlns:a14="http://schemas.microsoft.com/office/drawing/2010/main" xmlns:ma14="http://schemas.microsoft.com/office/mac/drawingml/2011/main" val="1"/>
+            </a:ext>
+          </a:extLst>
+        </p:spPr>
+        <p:txBody>
+          <a:bodyPr wrap="square" lIns="45719" rIns="45719" anchor="ctr">
+            <a:spAutoFit/>
+          </a:bodyPr>
+          <a:lstStyle/>
+          <a:p>
+            <a:pPr algn="ctr" defTabSz="3511296">
+              <a:defRPr sz="3600" u="sng">
+                <a:latin typeface="Roboto Regular"/>
+                <a:ea typeface="Roboto Regular"/>
+                <a:cs typeface="Roboto Regular"/>
+                <a:sym typeface="Roboto Regular"/>
+              </a:defRPr>
+            </a:pPr>
+            <a:r>
+              <a:rPr lang="en-US" dirty="0"/>
+              <a:t>III. SVM</a:t>
+            </a:r>
+            <a:endParaRPr dirty="0"/>
+          </a:p>
+        </p:txBody>
+      </p:sp>
+      <p:sp>
+        <p:nvSpPr>
+          <p:cNvPr id="57" name="Rectangle 116">
+            <a:extLst>
+              <a:ext uri="{FF2B5EF4-FFF2-40B4-BE49-F238E27FC236}">
+                <a16:creationId xmlns:a16="http://schemas.microsoft.com/office/drawing/2014/main" id="{4E76EEB0-05FC-4E4F-8BB0-8CACBE8B02B2}"/>
+              </a:ext>
+            </a:extLst>
+          </p:cNvPr>
+          <p:cNvSpPr txBox="1"/>
+          <p:nvPr/>
+        </p:nvSpPr>
+        <p:spPr>
+          <a:xfrm>
+            <a:off x="19584088" y="20506926"/>
+            <a:ext cx="4706730" cy="646331"/>
+          </a:xfrm>
+          <a:prstGeom prst="rect">
+            <a:avLst/>
+          </a:prstGeom>
+          <a:ln w="3175">
+            <a:miter lim="400000"/>
+          </a:ln>
+          <a:extLst>
+            <a:ext uri="{C572A759-6A51-4108-AA02-DFA0A04FC94B}">
+              <ma14:wrappingTextBoxFlag xmlns="" xmlns:m="http://schemas.openxmlformats.org/officeDocument/2006/math" xmlns:a14="http://schemas.microsoft.com/office/drawing/2010/main" xmlns:ma14="http://schemas.microsoft.com/office/mac/drawingml/2011/main" val="1"/>
+            </a:ext>
+          </a:extLst>
+        </p:spPr>
+        <p:txBody>
+          <a:bodyPr wrap="square" lIns="45719" rIns="45719" anchor="ctr">
+            <a:spAutoFit/>
+          </a:bodyPr>
+          <a:lstStyle/>
+          <a:p>
+            <a:pPr algn="ctr" defTabSz="3511296">
+              <a:defRPr sz="3600" u="sng">
+                <a:latin typeface="Roboto Regular"/>
+                <a:ea typeface="Roboto Regular"/>
+                <a:cs typeface="Roboto Regular"/>
+                <a:sym typeface="Roboto Regular"/>
+              </a:defRPr>
+            </a:pPr>
+            <a:r>
+              <a:rPr lang="en-US" dirty="0"/>
+              <a:t>IV. Random Forest</a:t>
+            </a:r>
+            <a:endParaRPr dirty="0"/>
+          </a:p>
+        </p:txBody>
+      </p:sp>
+      <p:sp>
+        <p:nvSpPr>
+          <p:cNvPr id="58" name="Rectangle">
+            <a:extLst>
+              <a:ext uri="{FF2B5EF4-FFF2-40B4-BE49-F238E27FC236}">
+                <a16:creationId xmlns:a16="http://schemas.microsoft.com/office/drawing/2014/main" id="{CA3C60FB-9A4E-AC4F-A5FA-4B8F9D6D56EC}"/>
+              </a:ext>
+            </a:extLst>
+          </p:cNvPr>
+          <p:cNvSpPr/>
+          <p:nvPr/>
+        </p:nvSpPr>
+        <p:spPr>
+          <a:xfrm>
+            <a:off x="18704615" y="4493194"/>
+            <a:ext cx="5748062" cy="3926563"/>
+          </a:xfrm>
+          <a:prstGeom prst="rect">
+            <a:avLst/>
+          </a:prstGeom>
+          <a:solidFill>
+            <a:srgbClr val="FFFFFF"/>
+          </a:solidFill>
+          <a:ln w="50800">
+            <a:solidFill>
+              <a:schemeClr val="accent1">
+                <a:lumOff val="-10784"/>
+              </a:schemeClr>
+            </a:solidFill>
+          </a:ln>
+        </p:spPr>
+        <p:txBody>
+          <a:bodyPr lIns="35277" tIns="35277" rIns="35277" bIns="35277" anchor="ctr"/>
+          <a:lstStyle/>
+          <a:p>
+            <a:pPr algn="ctr"/>
+            <a:r>
+              <a:rPr lang="en-US" sz="3600" dirty="0"/>
+              <a:t>Feature selection:</a:t>
+            </a:r>
+          </a:p>
+          <a:p>
+            <a:pPr algn="ctr"/>
+            <a:r>
+              <a:rPr lang="en-US" sz="3600" dirty="0"/>
+              <a:t>Recall vs number of features</a:t>
+            </a:r>
+          </a:p>
+          <a:p>
+            <a:pPr algn="ctr"/>
+            <a:r>
+              <a:rPr lang="en-US" sz="3600" dirty="0"/>
+              <a:t>Curve for each model on same graph</a:t>
+            </a:r>
+          </a:p>
+        </p:txBody>
+      </p:sp>
+      <p:sp>
+        <p:nvSpPr>
+          <p:cNvPr id="59" name="Rectangle">
+            <a:extLst>
+              <a:ext uri="{FF2B5EF4-FFF2-40B4-BE49-F238E27FC236}">
+                <a16:creationId xmlns:a16="http://schemas.microsoft.com/office/drawing/2014/main" id="{B7A3EC9F-772B-BA49-8B11-27DA552BC843}"/>
+              </a:ext>
+            </a:extLst>
+          </p:cNvPr>
+          <p:cNvSpPr/>
+          <p:nvPr/>
+        </p:nvSpPr>
+        <p:spPr>
+          <a:xfrm>
+            <a:off x="13538631" y="16881230"/>
+            <a:ext cx="5240122" cy="3250875"/>
+          </a:xfrm>
+          <a:prstGeom prst="rect">
+            <a:avLst/>
+          </a:prstGeom>
+          <a:solidFill>
+            <a:srgbClr val="FFFFFF"/>
+          </a:solidFill>
+          <a:ln w="50800">
+            <a:solidFill>
+              <a:schemeClr val="accent1">
+                <a:lumOff val="-10784"/>
+              </a:schemeClr>
+            </a:solidFill>
+          </a:ln>
+        </p:spPr>
+        <p:txBody>
+          <a:bodyPr lIns="35277" tIns="35277" rIns="35277" bIns="35277" anchor="ctr"/>
+          <a:lstStyle/>
+          <a:p>
+            <a:pPr algn="ctr"/>
+            <a:r>
+              <a:rPr lang="en-US" sz="3600" dirty="0"/>
+              <a:t>ROC curve comparison between clinical and transcriptome classifier</a:t>
+            </a:r>
+          </a:p>
+        </p:txBody>
+      </p:sp>
+      <p:sp>
+        <p:nvSpPr>
+          <p:cNvPr id="60" name="Rectangle">
+            <a:extLst>
+              <a:ext uri="{FF2B5EF4-FFF2-40B4-BE49-F238E27FC236}">
+                <a16:creationId xmlns:a16="http://schemas.microsoft.com/office/drawing/2014/main" id="{BF535689-F7EC-564F-AB21-96ABA7A61938}"/>
+              </a:ext>
+            </a:extLst>
+          </p:cNvPr>
+          <p:cNvSpPr/>
+          <p:nvPr/>
+        </p:nvSpPr>
+        <p:spPr>
+          <a:xfrm>
+            <a:off x="19317392" y="16887589"/>
+            <a:ext cx="5240122" cy="3250875"/>
+          </a:xfrm>
+          <a:prstGeom prst="rect">
+            <a:avLst/>
+          </a:prstGeom>
+          <a:solidFill>
+            <a:srgbClr val="FFFFFF"/>
+          </a:solidFill>
+          <a:ln w="50800">
+            <a:solidFill>
+              <a:schemeClr val="accent1">
+                <a:lumOff val="-10784"/>
+              </a:schemeClr>
+            </a:solidFill>
+          </a:ln>
+        </p:spPr>
+        <p:txBody>
+          <a:bodyPr lIns="35277" tIns="35277" rIns="35277" bIns="35277" anchor="ctr"/>
+          <a:lstStyle/>
+          <a:p>
+            <a:pPr algn="ctr"/>
+            <a:r>
+              <a:rPr lang="en-US" sz="3600" dirty="0"/>
+              <a:t>ROC curve comparison between clinical and transcriptome classifier</a:t>
+            </a:r>
+          </a:p>
+        </p:txBody>
+      </p:sp>
+      <p:sp>
+        <p:nvSpPr>
+          <p:cNvPr id="61" name="Rectangle">
+            <a:extLst>
+              <a:ext uri="{FF2B5EF4-FFF2-40B4-BE49-F238E27FC236}">
+                <a16:creationId xmlns:a16="http://schemas.microsoft.com/office/drawing/2014/main" id="{36450833-70EF-A54A-932D-689FB1FB698C}"/>
+              </a:ext>
+            </a:extLst>
+          </p:cNvPr>
+          <p:cNvSpPr/>
+          <p:nvPr/>
+        </p:nvSpPr>
+        <p:spPr>
+          <a:xfrm>
+            <a:off x="13538631" y="21222987"/>
+            <a:ext cx="5240122" cy="3250875"/>
+          </a:xfrm>
+          <a:prstGeom prst="rect">
+            <a:avLst/>
+          </a:prstGeom>
+          <a:solidFill>
+            <a:srgbClr val="FFFFFF"/>
+          </a:solidFill>
+          <a:ln w="50800">
+            <a:solidFill>
+              <a:schemeClr val="accent1">
+                <a:lumOff val="-10784"/>
+              </a:schemeClr>
+            </a:solidFill>
+          </a:ln>
+        </p:spPr>
+        <p:txBody>
+          <a:bodyPr lIns="35277" tIns="35277" rIns="35277" bIns="35277" anchor="ctr"/>
+          <a:lstStyle/>
+          <a:p>
+            <a:pPr algn="ctr"/>
+            <a:r>
+              <a:rPr lang="en-US" sz="3600" dirty="0"/>
+              <a:t>ROC curve comparison between clinical and transcriptome classifier</a:t>
+            </a:r>
+          </a:p>
+        </p:txBody>
+      </p:sp>
+      <p:sp>
+        <p:nvSpPr>
+          <p:cNvPr id="62" name="Rectangle">
+            <a:extLst>
+              <a:ext uri="{FF2B5EF4-FFF2-40B4-BE49-F238E27FC236}">
+                <a16:creationId xmlns:a16="http://schemas.microsoft.com/office/drawing/2014/main" id="{2EFC1F94-0975-9D4F-84B5-ADA9F97B0A3E}"/>
+              </a:ext>
+            </a:extLst>
+          </p:cNvPr>
+          <p:cNvSpPr/>
+          <p:nvPr/>
+        </p:nvSpPr>
+        <p:spPr>
+          <a:xfrm>
+            <a:off x="19317392" y="21229346"/>
+            <a:ext cx="5240122" cy="3250875"/>
+          </a:xfrm>
+          <a:prstGeom prst="rect">
+            <a:avLst/>
+          </a:prstGeom>
+          <a:solidFill>
+            <a:srgbClr val="FFFFFF"/>
+          </a:solidFill>
+          <a:ln w="50800">
+            <a:solidFill>
+              <a:schemeClr val="accent1">
+                <a:lumOff val="-10784"/>
+              </a:schemeClr>
+            </a:solidFill>
+          </a:ln>
+        </p:spPr>
+        <p:txBody>
+          <a:bodyPr lIns="35277" tIns="35277" rIns="35277" bIns="35277" anchor="ctr"/>
+          <a:lstStyle/>
+          <a:p>
+            <a:pPr algn="ctr"/>
+            <a:r>
+              <a:rPr lang="en-US" sz="3600" dirty="0"/>
+              <a:t>ROC curve comparison between clinical and transcriptome classifier</a:t>
+            </a:r>
+          </a:p>
+        </p:txBody>
+      </p:sp>
+      <p:sp>
+        <p:nvSpPr>
+          <p:cNvPr id="63" name="Rectangle 62">
+            <a:extLst>
+              <a:ext uri="{FF2B5EF4-FFF2-40B4-BE49-F238E27FC236}">
+                <a16:creationId xmlns:a16="http://schemas.microsoft.com/office/drawing/2014/main" id="{92E6BA48-ADC1-7244-B094-CBACD9E5764E}"/>
+              </a:ext>
+            </a:extLst>
+          </p:cNvPr>
+          <p:cNvSpPr/>
+          <p:nvPr/>
+        </p:nvSpPr>
+        <p:spPr>
+          <a:xfrm>
+            <a:off x="13538631" y="13697621"/>
+            <a:ext cx="11447362" cy="715402"/>
+          </a:xfrm>
+          <a:prstGeom prst="rect">
+            <a:avLst/>
+          </a:prstGeom>
+          <a:noFill/>
+          <a:ln>
+            <a:noFill/>
+          </a:ln>
+          <a:effectLst/>
+        </p:spPr>
+        <p:style>
+          <a:lnRef idx="1">
+            <a:schemeClr val="accent1"/>
+          </a:lnRef>
+          <a:fillRef idx="3">
+            <a:schemeClr val="accent1"/>
+          </a:fillRef>
+          <a:effectRef idx="2">
+            <a:schemeClr val="accent1"/>
+          </a:effectRef>
+          <a:fontRef idx="minor">
+            <a:schemeClr val="lt1"/>
+          </a:fontRef>
+        </p:style>
+        <p:txBody>
+          <a:bodyPr rtlCol="0" anchor="ctr"/>
+          <a:lstStyle/>
+          <a:p>
+            <a:r>
+              <a:rPr lang="en-US" sz="1600" baseline="30000" dirty="0">
+                <a:solidFill>
+                  <a:schemeClr val="tx1"/>
+                </a:solidFill>
+                <a:latin typeface="Roboto" charset="0"/>
+                <a:ea typeface="Roboto" charset="0"/>
+                <a:cs typeface="Roboto" charset="0"/>
+              </a:rPr>
+              <a:t>[1] </a:t>
+            </a:r>
+            <a:r>
+              <a:rPr lang="en-US" sz="1600" dirty="0">
+                <a:solidFill>
+                  <a:schemeClr val="tx1"/>
+                </a:solidFill>
+                <a:latin typeface="Roboto" charset="0"/>
+                <a:ea typeface="Roboto" charset="0"/>
+                <a:cs typeface="Roboto" charset="0"/>
+              </a:rPr>
+              <a:t>AEGIS Study Team, </a:t>
+            </a:r>
+            <a:r>
+              <a:rPr lang="en-US" sz="1600" i="1" dirty="0">
+                <a:solidFill>
+                  <a:schemeClr val="tx1"/>
+                </a:solidFill>
+                <a:latin typeface="Roboto" charset="0"/>
+                <a:ea typeface="Roboto" charset="0"/>
+                <a:cs typeface="Roboto" charset="0"/>
+              </a:rPr>
+              <a:t>J Natl Cancer Inst,</a:t>
+            </a:r>
+            <a:r>
+              <a:rPr lang="en-US" sz="1600" dirty="0">
+                <a:solidFill>
+                  <a:schemeClr val="tx1"/>
+                </a:solidFill>
+                <a:latin typeface="Roboto" charset="0"/>
+                <a:ea typeface="Roboto" charset="0"/>
+                <a:cs typeface="Roboto" charset="0"/>
+              </a:rPr>
+              <a:t> 2017, </a:t>
+            </a:r>
+            <a:r>
+              <a:rPr lang="en-US" sz="1600" b="1" dirty="0">
+                <a:solidFill>
+                  <a:schemeClr val="tx1"/>
+                </a:solidFill>
+                <a:latin typeface="Roboto" charset="0"/>
+                <a:ea typeface="Roboto" charset="0"/>
+                <a:cs typeface="Roboto" charset="0"/>
+              </a:rPr>
+              <a:t>109 </a:t>
+            </a:r>
+            <a:r>
+              <a:rPr lang="en-US" sz="1600" dirty="0">
+                <a:solidFill>
+                  <a:schemeClr val="tx1"/>
+                </a:solidFill>
+                <a:latin typeface="Roboto" charset="0"/>
+                <a:ea typeface="Roboto" charset="0"/>
+                <a:cs typeface="Roboto" charset="0"/>
+              </a:rPr>
+              <a:t>(7), DOI: 10.1093/</a:t>
+            </a:r>
+            <a:r>
+              <a:rPr lang="en-US" sz="1600" dirty="0" err="1">
+                <a:solidFill>
+                  <a:schemeClr val="tx1"/>
+                </a:solidFill>
+                <a:latin typeface="Roboto" charset="0"/>
+                <a:ea typeface="Roboto" charset="0"/>
+                <a:cs typeface="Roboto" charset="0"/>
+              </a:rPr>
+              <a:t>jnci</a:t>
+            </a:r>
+            <a:r>
+              <a:rPr lang="en-US" sz="1600" dirty="0">
+                <a:solidFill>
+                  <a:schemeClr val="tx1"/>
+                </a:solidFill>
+                <a:latin typeface="Roboto" charset="0"/>
+                <a:ea typeface="Roboto" charset="0"/>
+                <a:cs typeface="Roboto" charset="0"/>
+              </a:rPr>
+              <a:t>/djw327</a:t>
+            </a:r>
+          </a:p>
+          <a:p>
+            <a:r>
+              <a:rPr lang="en-US" sz="1600" baseline="30000" dirty="0">
+                <a:solidFill>
+                  <a:schemeClr val="tx1"/>
+                </a:solidFill>
+                <a:latin typeface="Roboto" charset="0"/>
+                <a:ea typeface="Roboto" charset="0"/>
+                <a:cs typeface="Roboto" charset="0"/>
+              </a:rPr>
+              <a:t>[2] </a:t>
+            </a:r>
+            <a:r>
+              <a:rPr lang="en-US" sz="1600" dirty="0">
+                <a:solidFill>
+                  <a:schemeClr val="tx1"/>
+                </a:solidFill>
+                <a:latin typeface="Roboto" charset="0"/>
+                <a:ea typeface="Roboto" charset="0"/>
+                <a:cs typeface="Roboto" charset="0"/>
+              </a:rPr>
+              <a:t>National Center for Biotechnology Information, </a:t>
+            </a:r>
+            <a:r>
+              <a:rPr lang="en-US" sz="1600" u="sng" dirty="0">
+                <a:solidFill>
+                  <a:schemeClr val="tx1"/>
+                </a:solidFill>
+                <a:latin typeface="Roboto" charset="0"/>
+                <a:ea typeface="Roboto" charset="0"/>
+                <a:cs typeface="Roboto" charset="0"/>
+                <a:hlinkClick r:id="rId2"/>
+              </a:rPr>
+              <a:t>https://www.ncbi.nlm.nih.gov/gds</a:t>
+            </a:r>
+            <a:endParaRPr lang="en-US" sz="1600" u="sng" dirty="0">
+              <a:solidFill>
+                <a:schemeClr val="tx1"/>
+              </a:solidFill>
+              <a:latin typeface="Roboto" charset="0"/>
+              <a:ea typeface="Roboto" charset="0"/>
+              <a:cs typeface="Roboto" charset="0"/>
+            </a:endParaRPr>
+          </a:p>
+          <a:p>
+            <a:r>
+              <a:rPr lang="en-US" sz="1600" baseline="30000" dirty="0">
+                <a:solidFill>
+                  <a:schemeClr val="tx1"/>
+                </a:solidFill>
+                <a:latin typeface="Roboto" charset="0"/>
+                <a:ea typeface="Roboto" charset="0"/>
+                <a:cs typeface="Roboto" charset="0"/>
+              </a:rPr>
+              <a:t>[3] </a:t>
+            </a:r>
+            <a:r>
+              <a:rPr lang="en-US" sz="1600" dirty="0">
+                <a:solidFill>
+                  <a:schemeClr val="tx1"/>
+                </a:solidFill>
+                <a:latin typeface="Roboto" charset="0"/>
+                <a:ea typeface="Roboto" charset="0"/>
+                <a:cs typeface="Roboto" charset="0"/>
+              </a:rPr>
+              <a:t>Affymetrix, </a:t>
+            </a:r>
+            <a:r>
+              <a:rPr lang="en-US" sz="1600" u="sng" dirty="0">
+                <a:solidFill>
+                  <a:schemeClr val="tx1"/>
+                </a:solidFill>
+                <a:latin typeface="Roboto" charset="0"/>
+                <a:ea typeface="Roboto" charset="0"/>
+                <a:cs typeface="Roboto" charset="0"/>
+              </a:rPr>
+              <a:t>https://</a:t>
+            </a:r>
+            <a:r>
+              <a:rPr lang="en-US" sz="1600" u="sng" dirty="0" err="1">
+                <a:solidFill>
+                  <a:schemeClr val="tx1"/>
+                </a:solidFill>
+                <a:latin typeface="Roboto" charset="0"/>
+                <a:ea typeface="Roboto" charset="0"/>
+                <a:cs typeface="Roboto" charset="0"/>
+              </a:rPr>
+              <a:t>www.affymetrix.com</a:t>
+            </a:r>
+            <a:r>
+              <a:rPr lang="en-US" sz="1600" u="sng" dirty="0">
+                <a:solidFill>
+                  <a:schemeClr val="tx1"/>
+                </a:solidFill>
+                <a:latin typeface="Roboto" charset="0"/>
+                <a:ea typeface="Roboto" charset="0"/>
+                <a:cs typeface="Roboto" charset="0"/>
+              </a:rPr>
+              <a:t>/analysis/downloads/na36/</a:t>
+            </a:r>
+            <a:r>
+              <a:rPr lang="en-US" sz="1600" u="sng" dirty="0" err="1">
+                <a:solidFill>
+                  <a:schemeClr val="tx1"/>
+                </a:solidFill>
+                <a:latin typeface="Roboto" charset="0"/>
+                <a:ea typeface="Roboto" charset="0"/>
+                <a:cs typeface="Roboto" charset="0"/>
+              </a:rPr>
+              <a:t>wtgene</a:t>
+            </a:r>
+            <a:r>
+              <a:rPr lang="en-US" sz="1600" u="sng" dirty="0">
+                <a:solidFill>
+                  <a:schemeClr val="tx1"/>
+                </a:solidFill>
+                <a:latin typeface="Roboto" charset="0"/>
+                <a:ea typeface="Roboto" charset="0"/>
+                <a:cs typeface="Roboto" charset="0"/>
+              </a:rPr>
+              <a:t>/</a:t>
             </a:r>
           </a:p>
         </p:txBody>

--- a/cs229poster.pptx
+++ b/cs229poster.pptx
@@ -2677,7 +2677,7 @@
           </a:ln>
           <a:extLst>
             <a:ext uri="{C572A759-6A51-4108-AA02-DFA0A04FC94B}">
-              <ma14:wrappingTextBoxFlag xmlns="" xmlns:m="http://schemas.openxmlformats.org/officeDocument/2006/math" xmlns:a14="http://schemas.microsoft.com/office/drawing/2010/main" xmlns:ma14="http://schemas.microsoft.com/office/mac/drawingml/2011/main" val="1"/>
+              <ma14:wrappingTextBoxFlag xmlns:ma14="http://schemas.microsoft.com/office/mac/drawingml/2011/main" xmlns:a14="http://schemas.microsoft.com/office/drawing/2010/main" xmlns:m="http://schemas.openxmlformats.org/officeDocument/2006/math" xmlns="" val="1"/>
             </a:ext>
           </a:extLst>
         </p:spPr>
@@ -2716,7 +2716,7 @@
           </a:ln>
           <a:extLst>
             <a:ext uri="{C572A759-6A51-4108-AA02-DFA0A04FC94B}">
-              <ma14:wrappingTextBoxFlag xmlns="" xmlns:m="http://schemas.openxmlformats.org/officeDocument/2006/math" xmlns:a14="http://schemas.microsoft.com/office/drawing/2010/main" xmlns:ma14="http://schemas.microsoft.com/office/mac/drawingml/2011/main" val="1"/>
+              <ma14:wrappingTextBoxFlag xmlns:ma14="http://schemas.microsoft.com/office/mac/drawingml/2011/main" xmlns:a14="http://schemas.microsoft.com/office/drawing/2010/main" xmlns:m="http://schemas.openxmlformats.org/officeDocument/2006/math" xmlns="" val="1"/>
             </a:ext>
           </a:extLst>
         </p:spPr>
@@ -3920,7 +3920,7 @@
           </a:ln>
           <a:extLst>
             <a:ext uri="{C572A759-6A51-4108-AA02-DFA0A04FC94B}">
-              <ma14:wrappingTextBoxFlag xmlns="" xmlns:m="http://schemas.openxmlformats.org/officeDocument/2006/math" xmlns:a14="http://schemas.microsoft.com/office/drawing/2010/main" xmlns:ma14="http://schemas.microsoft.com/office/mac/drawingml/2011/main" val="1"/>
+              <ma14:wrappingTextBoxFlag xmlns:ma14="http://schemas.microsoft.com/office/mac/drawingml/2011/main" xmlns:a14="http://schemas.microsoft.com/office/drawing/2010/main" xmlns:m="http://schemas.openxmlformats.org/officeDocument/2006/math" xmlns="" val="1"/>
             </a:ext>
           </a:extLst>
         </p:spPr>
@@ -3976,7 +3976,7 @@
           </a:ln>
           <a:extLst>
             <a:ext uri="{C572A759-6A51-4108-AA02-DFA0A04FC94B}">
-              <ma14:wrappingTextBoxFlag xmlns="" xmlns:m="http://schemas.openxmlformats.org/officeDocument/2006/math" xmlns:a14="http://schemas.microsoft.com/office/drawing/2010/main" xmlns:ma14="http://schemas.microsoft.com/office/mac/drawingml/2011/main" val="1"/>
+              <ma14:wrappingTextBoxFlag xmlns:ma14="http://schemas.microsoft.com/office/mac/drawingml/2011/main" xmlns:a14="http://schemas.microsoft.com/office/drawing/2010/main" xmlns:m="http://schemas.openxmlformats.org/officeDocument/2006/math" xmlns="" val="1"/>
             </a:ext>
           </a:extLst>
         </p:spPr>
@@ -4028,7 +4028,7 @@
           </a:ln>
           <a:extLst>
             <a:ext uri="{C572A759-6A51-4108-AA02-DFA0A04FC94B}">
-              <ma14:wrappingTextBoxFlag xmlns="" xmlns:m="http://schemas.openxmlformats.org/officeDocument/2006/math" xmlns:a14="http://schemas.microsoft.com/office/drawing/2010/main" xmlns:ma14="http://schemas.microsoft.com/office/mac/drawingml/2011/main" val="1"/>
+              <ma14:wrappingTextBoxFlag xmlns:ma14="http://schemas.microsoft.com/office/mac/drawingml/2011/main" xmlns:a14="http://schemas.microsoft.com/office/drawing/2010/main" xmlns:m="http://schemas.openxmlformats.org/officeDocument/2006/math" xmlns="" val="1"/>
             </a:ext>
           </a:extLst>
         </p:spPr>
@@ -4079,7 +4079,7 @@
           </a:ln>
           <a:extLst>
             <a:ext uri="{C572A759-6A51-4108-AA02-DFA0A04FC94B}">
-              <ma14:wrappingTextBoxFlag xmlns="" xmlns:m="http://schemas.openxmlformats.org/officeDocument/2006/math" xmlns:a14="http://schemas.microsoft.com/office/drawing/2010/main" xmlns:ma14="http://schemas.microsoft.com/office/mac/drawingml/2011/main" val="1"/>
+              <ma14:wrappingTextBoxFlag xmlns:ma14="http://schemas.microsoft.com/office/mac/drawingml/2011/main" xmlns:a14="http://schemas.microsoft.com/office/drawing/2010/main" xmlns:m="http://schemas.openxmlformats.org/officeDocument/2006/math" xmlns="" val="1"/>
             </a:ext>
           </a:extLst>
         </p:spPr>
@@ -4131,7 +4131,7 @@
           </a:ln>
           <a:extLst>
             <a:ext uri="{C572A759-6A51-4108-AA02-DFA0A04FC94B}">
-              <ma14:wrappingTextBoxFlag xmlns="" xmlns:m="http://schemas.openxmlformats.org/officeDocument/2006/math" xmlns:a14="http://schemas.microsoft.com/office/drawing/2010/main" xmlns:ma14="http://schemas.microsoft.com/office/mac/drawingml/2011/main" val="1"/>
+              <ma14:wrappingTextBoxFlag xmlns:ma14="http://schemas.microsoft.com/office/mac/drawingml/2011/main" xmlns:a14="http://schemas.microsoft.com/office/drawing/2010/main" xmlns:m="http://schemas.openxmlformats.org/officeDocument/2006/math" xmlns="" val="1"/>
             </a:ext>
           </a:extLst>
         </p:spPr>
@@ -4178,7 +4178,7 @@
           </a:ln>
           <a:extLst>
             <a:ext uri="{C572A759-6A51-4108-AA02-DFA0A04FC94B}">
-              <ma14:wrappingTextBoxFlag xmlns="" xmlns:m="http://schemas.openxmlformats.org/officeDocument/2006/math" xmlns:a14="http://schemas.microsoft.com/office/drawing/2010/main" xmlns:ma14="http://schemas.microsoft.com/office/mac/drawingml/2011/main" val="1"/>
+              <ma14:wrappingTextBoxFlag xmlns:ma14="http://schemas.microsoft.com/office/mac/drawingml/2011/main" xmlns:a14="http://schemas.microsoft.com/office/drawing/2010/main" xmlns:m="http://schemas.openxmlformats.org/officeDocument/2006/math" xmlns="" val="1"/>
             </a:ext>
           </a:extLst>
         </p:spPr>
@@ -4452,7 +4452,7 @@
           </a:ln>
           <a:extLst>
             <a:ext uri="{C572A759-6A51-4108-AA02-DFA0A04FC94B}">
-              <ma14:wrappingTextBoxFlag xmlns="" xmlns:m="http://schemas.openxmlformats.org/officeDocument/2006/math" xmlns:a14="http://schemas.microsoft.com/office/drawing/2010/main" xmlns:ma14="http://schemas.microsoft.com/office/mac/drawingml/2011/main" val="1"/>
+              <ma14:wrappingTextBoxFlag xmlns:ma14="http://schemas.microsoft.com/office/mac/drawingml/2011/main" xmlns:a14="http://schemas.microsoft.com/office/drawing/2010/main" xmlns:m="http://schemas.openxmlformats.org/officeDocument/2006/math" xmlns="" val="1"/>
             </a:ext>
           </a:extLst>
         </p:spPr>
@@ -4487,8 +4487,8 @@
         </p:nvSpPr>
         <p:spPr>
           <a:xfrm>
-            <a:off x="19240500" y="8788219"/>
-            <a:ext cx="5212177" cy="4339650"/>
+            <a:off x="13561816" y="8848293"/>
+            <a:ext cx="10886101" cy="2492990"/>
           </a:xfrm>
           <a:prstGeom prst="rect">
             <a:avLst/>
@@ -4498,7 +4498,7 @@
           </a:ln>
           <a:extLst>
             <a:ext uri="{C572A759-6A51-4108-AA02-DFA0A04FC94B}">
-              <ma14:wrappingTextBoxFlag xmlns="" xmlns:m="http://schemas.openxmlformats.org/officeDocument/2006/math" xmlns:a14="http://schemas.microsoft.com/office/drawing/2010/main" xmlns:ma14="http://schemas.microsoft.com/office/mac/drawingml/2011/main" val="1"/>
+              <ma14:wrappingTextBoxFlag xmlns:ma14="http://schemas.microsoft.com/office/mac/drawingml/2011/main" xmlns:a14="http://schemas.microsoft.com/office/drawing/2010/main" xmlns:m="http://schemas.openxmlformats.org/officeDocument/2006/math" xmlns="" val="1"/>
             </a:ext>
           </a:extLst>
         </p:spPr>
@@ -4518,7 +4518,7 @@
             </a:pPr>
             <a:r>
               <a:rPr lang="en-US" u="sng" dirty="0"/>
-              <a:t>Best Features</a:t>
+              <a:t>Our Best Predictor: 53 Features (genes)</a:t>
             </a:r>
             <a:endParaRPr u="sng" dirty="0"/>
           </a:p>
@@ -4535,7 +4535,7 @@
             </a:pPr>
             <a:r>
               <a:rPr lang="en-US" dirty="0"/>
-              <a:t>No overlap with gene marker from original study</a:t>
+              <a:t>No overlap with the predicter produced by AEGIS study!</a:t>
             </a:r>
           </a:p>
           <a:p>
@@ -4551,7 +4551,7 @@
             </a:pPr>
             <a:r>
               <a:rPr lang="en-US" dirty="0"/>
-              <a:t>Many linkages to other types of cancer</a:t>
+              <a:t>Genes encode proteins which regulate cell proliferation, transcription factors, and non-coding RNA (ncRNA).</a:t>
             </a:r>
           </a:p>
           <a:p>
@@ -4567,41 +4567,8 @@
             </a:pPr>
             <a:r>
               <a:rPr lang="en-US" dirty="0"/>
-              <a:t>Many transcription factors and other proteins responsible for cell proliferation</a:t>
-            </a:r>
-          </a:p>
-        </p:txBody>
-      </p:sp>
-      <p:sp>
-        <p:nvSpPr>
-          <p:cNvPr id="249" name="Rectangle"/>
-          <p:cNvSpPr/>
-          <p:nvPr/>
-        </p:nvSpPr>
-        <p:spPr>
-          <a:xfrm>
-            <a:off x="13589367" y="8962966"/>
-            <a:ext cx="5080001" cy="4115558"/>
-          </a:xfrm>
-          <a:prstGeom prst="rect">
-            <a:avLst/>
-          </a:prstGeom>
-          <a:solidFill>
-            <a:srgbClr val="FFFFFF"/>
-          </a:solidFill>
-          <a:ln w="50800">
-            <a:solidFill>
-              <a:schemeClr val="accent1">
-                <a:lumOff val="-10784"/>
-              </a:schemeClr>
-            </a:solidFill>
-          </a:ln>
-        </p:spPr>
-        <p:txBody>
-          <a:bodyPr lIns="35277" tIns="35277" rIns="35277" bIns="35277" anchor="ctr"/>
-          <a:lstStyle/>
-          <a:p>
-            <a:endParaRPr lang="en-US" dirty="0"/>
+              <a:t>Some features have been previously linked to cancer:</a:t>
+            </a:r>
           </a:p>
         </p:txBody>
       </p:sp>
@@ -4624,7 +4591,7 @@
           </a:ln>
           <a:extLst>
             <a:ext uri="{C572A759-6A51-4108-AA02-DFA0A04FC94B}">
-              <ma14:wrappingTextBoxFlag xmlns="" xmlns:m="http://schemas.openxmlformats.org/officeDocument/2006/math" xmlns:a14="http://schemas.microsoft.com/office/drawing/2010/main" xmlns:ma14="http://schemas.microsoft.com/office/mac/drawingml/2011/main" val="1"/>
+              <ma14:wrappingTextBoxFlag xmlns:ma14="http://schemas.microsoft.com/office/mac/drawingml/2011/main" xmlns:a14="http://schemas.microsoft.com/office/drawing/2010/main" xmlns:m="http://schemas.openxmlformats.org/officeDocument/2006/math" xmlns="" val="1"/>
             </a:ext>
           </a:extLst>
         </p:spPr>
@@ -4673,7 +4640,7 @@
           </a:ln>
           <a:extLst>
             <a:ext uri="{C572A759-6A51-4108-AA02-DFA0A04FC94B}">
-              <ma14:wrappingTextBoxFlag xmlns="" xmlns:m="http://schemas.openxmlformats.org/officeDocument/2006/math" xmlns:a14="http://schemas.microsoft.com/office/drawing/2010/main" xmlns:ma14="http://schemas.microsoft.com/office/mac/drawingml/2011/main" val="1"/>
+              <ma14:wrappingTextBoxFlag xmlns:ma14="http://schemas.microsoft.com/office/mac/drawingml/2011/main" xmlns:a14="http://schemas.microsoft.com/office/drawing/2010/main" xmlns:m="http://schemas.openxmlformats.org/officeDocument/2006/math" xmlns="" val="1"/>
             </a:ext>
           </a:extLst>
         </p:spPr>
@@ -4694,197 +4661,6 @@
             <a:r>
               <a:rPr lang="en-US" dirty="0"/>
               <a:t>I. Weighted Voting</a:t>
-            </a:r>
-            <a:endParaRPr dirty="0"/>
-          </a:p>
-        </p:txBody>
-      </p:sp>
-      <p:sp>
-        <p:nvSpPr>
-          <p:cNvPr id="261" name="Rectangle 116"/>
-          <p:cNvSpPr txBox="1"/>
-          <p:nvPr/>
-        </p:nvSpPr>
-        <p:spPr>
-          <a:xfrm>
-            <a:off x="13775704" y="9053106"/>
-            <a:ext cx="4707325" cy="3713837"/>
-          </a:xfrm>
-          <a:prstGeom prst="rect">
-            <a:avLst/>
-          </a:prstGeom>
-          <a:ln w="3175">
-            <a:miter lim="400000"/>
-          </a:ln>
-          <a:extLst>
-            <a:ext uri="{C572A759-6A51-4108-AA02-DFA0A04FC94B}">
-              <ma14:wrappingTextBoxFlag xmlns="" xmlns:m="http://schemas.openxmlformats.org/officeDocument/2006/math" xmlns:a14="http://schemas.microsoft.com/office/drawing/2010/main" xmlns:ma14="http://schemas.microsoft.com/office/mac/drawingml/2011/main" val="1"/>
-            </a:ext>
-          </a:extLst>
-        </p:spPr>
-        <p:txBody>
-          <a:bodyPr lIns="45719" rIns="45719" anchor="ctr">
-            <a:spAutoFit/>
-          </a:bodyPr>
-          <a:lstStyle/>
-          <a:p>
-            <a:pPr defTabSz="3511296">
-              <a:spcBef>
-                <a:spcPts val="400"/>
-              </a:spcBef>
-              <a:buSzPct val="100000"/>
-              <a:defRPr sz="2600">
-                <a:latin typeface="Roboto Thin"/>
-                <a:ea typeface="Roboto Thin"/>
-                <a:cs typeface="Roboto Thin"/>
-                <a:sym typeface="Roboto Thin"/>
-              </a:defRPr>
-            </a:pPr>
-            <a:r>
-              <a:rPr lang="en-US" sz="3000" u="sng" dirty="0">
-                <a:latin typeface="Roboto" panose="02000000000000000000" pitchFamily="2" charset="0"/>
-                <a:ea typeface="Roboto" panose="02000000000000000000" pitchFamily="2" charset="0"/>
-              </a:rPr>
-              <a:t>Notable Selected Genes:</a:t>
-            </a:r>
-          </a:p>
-          <a:p>
-            <a:pPr marL="347578" indent="-347578" defTabSz="3511296">
-              <a:spcBef>
-                <a:spcPts val="400"/>
-              </a:spcBef>
-              <a:buSzPct val="100000"/>
-              <a:buAutoNum type="arabicPeriod"/>
-              <a:defRPr sz="2600">
-                <a:latin typeface="Roboto Thin"/>
-                <a:ea typeface="Roboto Thin"/>
-                <a:cs typeface="Roboto Thin"/>
-                <a:sym typeface="Roboto Thin"/>
-              </a:defRPr>
-            </a:pPr>
-            <a:r>
-              <a:rPr lang="en-US" dirty="0"/>
-              <a:t>List Placeholder</a:t>
-            </a:r>
-            <a:r>
-              <a:rPr dirty="0"/>
-              <a:t> </a:t>
-            </a:r>
-          </a:p>
-          <a:p>
-            <a:pPr marL="347578" indent="-347578" defTabSz="3511296">
-              <a:spcBef>
-                <a:spcPts val="400"/>
-              </a:spcBef>
-              <a:buSzPct val="100000"/>
-              <a:buAutoNum type="arabicPeriod"/>
-              <a:defRPr sz="2600">
-                <a:latin typeface="Roboto Thin"/>
-                <a:ea typeface="Roboto Thin"/>
-                <a:cs typeface="Roboto Thin"/>
-                <a:sym typeface="Roboto Thin"/>
-              </a:defRPr>
-            </a:pPr>
-            <a:r>
-              <a:rPr lang="en-US" dirty="0"/>
-              <a:t>For lists/bullet points</a:t>
-            </a:r>
-            <a:endParaRPr dirty="0"/>
-          </a:p>
-          <a:p>
-            <a:pPr marL="347578" indent="-347578" defTabSz="3511296">
-              <a:spcBef>
-                <a:spcPts val="400"/>
-              </a:spcBef>
-              <a:buSzPct val="100000"/>
-              <a:buAutoNum type="arabicPeriod"/>
-              <a:defRPr sz="2600">
-                <a:latin typeface="Roboto Thin"/>
-                <a:ea typeface="Roboto Thin"/>
-                <a:cs typeface="Roboto Thin"/>
-                <a:sym typeface="Roboto Thin"/>
-              </a:defRPr>
-            </a:pPr>
-            <a:r>
-              <a:rPr lang="en-US" dirty="0"/>
-              <a:t>H</a:t>
-            </a:r>
-          </a:p>
-          <a:p>
-            <a:pPr marL="347578" indent="-347578" defTabSz="3511296">
-              <a:spcBef>
-                <a:spcPts val="400"/>
-              </a:spcBef>
-              <a:buSzPct val="100000"/>
-              <a:buAutoNum type="arabicPeriod"/>
-              <a:defRPr sz="2600">
-                <a:latin typeface="Roboto Thin"/>
-                <a:ea typeface="Roboto Thin"/>
-                <a:cs typeface="Roboto Thin"/>
-                <a:sym typeface="Roboto Thin"/>
-              </a:defRPr>
-            </a:pPr>
-            <a:r>
-              <a:rPr lang="en-US" dirty="0"/>
-              <a:t>E</a:t>
-            </a:r>
-            <a:endParaRPr dirty="0"/>
-          </a:p>
-          <a:p>
-            <a:pPr marL="347578" indent="-347578" defTabSz="3511296">
-              <a:spcBef>
-                <a:spcPts val="400"/>
-              </a:spcBef>
-              <a:buSzPct val="100000"/>
-              <a:buAutoNum type="arabicPeriod"/>
-              <a:defRPr sz="2600">
-                <a:latin typeface="Roboto Thin"/>
-                <a:ea typeface="Roboto Thin"/>
-                <a:cs typeface="Roboto Thin"/>
-                <a:sym typeface="Roboto Thin"/>
-              </a:defRPr>
-            </a:pPr>
-            <a:r>
-              <a:rPr lang="en-US" dirty="0"/>
-              <a:t>L</a:t>
-            </a:r>
-          </a:p>
-          <a:p>
-            <a:pPr marL="347578" indent="-347578" defTabSz="3511296">
-              <a:spcBef>
-                <a:spcPts val="400"/>
-              </a:spcBef>
-              <a:buSzPct val="100000"/>
-              <a:buAutoNum type="arabicPeriod"/>
-              <a:defRPr sz="2600">
-                <a:latin typeface="Roboto Thin"/>
-                <a:ea typeface="Roboto Thin"/>
-                <a:cs typeface="Roboto Thin"/>
-                <a:sym typeface="Roboto Thin"/>
-              </a:defRPr>
-            </a:pPr>
-            <a:r>
-              <a:rPr lang="en-US" dirty="0"/>
-              <a:t>L</a:t>
-            </a:r>
-          </a:p>
-          <a:p>
-            <a:pPr marL="347578" indent="-347578" defTabSz="3511296">
-              <a:spcBef>
-                <a:spcPts val="400"/>
-              </a:spcBef>
-              <a:buSzPct val="100000"/>
-              <a:buAutoNum type="arabicPeriod"/>
-              <a:defRPr sz="2600">
-                <a:latin typeface="Roboto Thin"/>
-                <a:ea typeface="Roboto Thin"/>
-                <a:cs typeface="Roboto Thin"/>
-                <a:sym typeface="Roboto Thin"/>
-              </a:defRPr>
-            </a:pPr>
-            <a:r>
-              <a:rPr lang="en-US" dirty="0"/>
-              <a:t>O</a:t>
             </a:r>
             <a:endParaRPr dirty="0"/>
           </a:p>
@@ -4920,7 +4696,7 @@
           </a:ln>
           <a:extLst>
             <a:ext uri="{C572A759-6A51-4108-AA02-DFA0A04FC94B}">
-              <ma14:wrappingTextBoxFlag xmlns="" xmlns:m="http://schemas.openxmlformats.org/officeDocument/2006/math" xmlns:a14="http://schemas.microsoft.com/office/drawing/2010/main" xmlns:ma14="http://schemas.microsoft.com/office/mac/drawingml/2011/main" val="1"/>
+              <ma14:wrappingTextBoxFlag xmlns:ma14="http://schemas.microsoft.com/office/mac/drawingml/2011/main" xmlns:a14="http://schemas.microsoft.com/office/drawing/2010/main" xmlns:m="http://schemas.openxmlformats.org/officeDocument/2006/math" xmlns="" val="1"/>
             </a:ext>
           </a:extLst>
         </p:spPr>
@@ -4962,7 +4738,7 @@
         </p:nvSpPr>
         <p:spPr>
           <a:xfrm>
-            <a:off x="13208000" y="14655333"/>
+            <a:off x="13208000" y="14895963"/>
             <a:ext cx="11684000" cy="1143000"/>
           </a:xfrm>
           <a:prstGeom prst="rect">
@@ -4978,7 +4754,7 @@
           </a:ln>
           <a:extLst>
             <a:ext uri="{C572A759-6A51-4108-AA02-DFA0A04FC94B}">
-              <ma14:wrappingTextBoxFlag xmlns="" xmlns:m="http://schemas.openxmlformats.org/officeDocument/2006/math" xmlns:a14="http://schemas.microsoft.com/office/drawing/2010/main" xmlns:ma14="http://schemas.microsoft.com/office/mac/drawingml/2011/main" val="1"/>
+              <ma14:wrappingTextBoxFlag xmlns:ma14="http://schemas.microsoft.com/office/mac/drawingml/2011/main" xmlns:a14="http://schemas.microsoft.com/office/drawing/2010/main" xmlns:m="http://schemas.openxmlformats.org/officeDocument/2006/math" xmlns="" val="1"/>
             </a:ext>
           </a:extLst>
         </p:spPr>
@@ -5031,7 +4807,7 @@
           </a:ln>
           <a:extLst>
             <a:ext uri="{C572A759-6A51-4108-AA02-DFA0A04FC94B}">
-              <ma14:wrappingTextBoxFlag xmlns="" xmlns:m="http://schemas.openxmlformats.org/officeDocument/2006/math" xmlns:a14="http://schemas.microsoft.com/office/drawing/2010/main" xmlns:ma14="http://schemas.microsoft.com/office/mac/drawingml/2011/main" val="1"/>
+              <ma14:wrappingTextBoxFlag xmlns:ma14="http://schemas.microsoft.com/office/mac/drawingml/2011/main" xmlns:a14="http://schemas.microsoft.com/office/drawing/2010/main" xmlns:m="http://schemas.openxmlformats.org/officeDocument/2006/math" xmlns="" val="1"/>
             </a:ext>
           </a:extLst>
         </p:spPr>
@@ -5156,7 +4932,7 @@
           </a:ln>
           <a:extLst>
             <a:ext uri="{C572A759-6A51-4108-AA02-DFA0A04FC94B}">
-              <ma14:wrappingTextBoxFlag xmlns="" xmlns:m="http://schemas.openxmlformats.org/officeDocument/2006/math" xmlns:a14="http://schemas.microsoft.com/office/drawing/2010/main" xmlns:ma14="http://schemas.microsoft.com/office/mac/drawingml/2011/main" val="1"/>
+              <ma14:wrappingTextBoxFlag xmlns:ma14="http://schemas.microsoft.com/office/mac/drawingml/2011/main" xmlns:a14="http://schemas.microsoft.com/office/drawing/2010/main" xmlns:m="http://schemas.openxmlformats.org/officeDocument/2006/math" xmlns="" val="1"/>
             </a:ext>
           </a:extLst>
         </p:spPr>
@@ -5263,7 +5039,7 @@
           </a:ln>
           <a:extLst>
             <a:ext uri="{C572A759-6A51-4108-AA02-DFA0A04FC94B}">
-              <ma14:wrappingTextBoxFlag xmlns="" xmlns:m="http://schemas.openxmlformats.org/officeDocument/2006/math" xmlns:a14="http://schemas.microsoft.com/office/drawing/2010/main" xmlns:ma14="http://schemas.microsoft.com/office/mac/drawingml/2011/main" val="1"/>
+              <ma14:wrappingTextBoxFlag xmlns:ma14="http://schemas.microsoft.com/office/mac/drawingml/2011/main" xmlns:a14="http://schemas.microsoft.com/office/drawing/2010/main" xmlns:m="http://schemas.openxmlformats.org/officeDocument/2006/math" xmlns="" val="1"/>
             </a:ext>
           </a:extLst>
         </p:spPr>
@@ -5330,7 +5106,7 @@
           </a:ln>
           <a:extLst>
             <a:ext uri="{C572A759-6A51-4108-AA02-DFA0A04FC94B}">
-              <ma14:wrappingTextBoxFlag xmlns="" xmlns:m="http://schemas.openxmlformats.org/officeDocument/2006/math" xmlns:a14="http://schemas.microsoft.com/office/drawing/2010/main" xmlns:ma14="http://schemas.microsoft.com/office/mac/drawingml/2011/main" val="1"/>
+              <ma14:wrappingTextBoxFlag xmlns:ma14="http://schemas.microsoft.com/office/mac/drawingml/2011/main" xmlns:a14="http://schemas.microsoft.com/office/drawing/2010/main" xmlns:m="http://schemas.openxmlformats.org/officeDocument/2006/math" xmlns="" val="1"/>
             </a:ext>
           </a:extLst>
         </p:spPr>
@@ -5397,7 +5173,7 @@
           </a:ln>
           <a:extLst>
             <a:ext uri="{C572A759-6A51-4108-AA02-DFA0A04FC94B}">
-              <ma14:wrappingTextBoxFlag xmlns="" xmlns:m="http://schemas.openxmlformats.org/officeDocument/2006/math" xmlns:a14="http://schemas.microsoft.com/office/drawing/2010/main" xmlns:ma14="http://schemas.microsoft.com/office/mac/drawingml/2011/main" val="1"/>
+              <ma14:wrappingTextBoxFlag xmlns:ma14="http://schemas.microsoft.com/office/mac/drawingml/2011/main" xmlns:a14="http://schemas.microsoft.com/office/drawing/2010/main" xmlns:m="http://schemas.openxmlformats.org/officeDocument/2006/math" xmlns="" val="1"/>
             </a:ext>
           </a:extLst>
         </p:spPr>
@@ -5464,7 +5240,7 @@
           </a:ln>
           <a:extLst>
             <a:ext uri="{C572A759-6A51-4108-AA02-DFA0A04FC94B}">
-              <ma14:wrappingTextBoxFlag xmlns="" xmlns:m="http://schemas.openxmlformats.org/officeDocument/2006/math" xmlns:a14="http://schemas.microsoft.com/office/drawing/2010/main" xmlns:ma14="http://schemas.microsoft.com/office/mac/drawingml/2011/main" val="1"/>
+              <ma14:wrappingTextBoxFlag xmlns:ma14="http://schemas.microsoft.com/office/mac/drawingml/2011/main" xmlns:a14="http://schemas.microsoft.com/office/drawing/2010/main" xmlns:m="http://schemas.openxmlformats.org/officeDocument/2006/math" xmlns="" val="1"/>
             </a:ext>
           </a:extLst>
         </p:spPr>
@@ -6120,7 +5896,7 @@
           </a:ln>
           <a:extLst>
             <a:ext uri="{C572A759-6A51-4108-AA02-DFA0A04FC94B}">
-              <ma14:wrappingTextBoxFlag xmlns="" xmlns:m="http://schemas.openxmlformats.org/officeDocument/2006/math" xmlns:a14="http://schemas.microsoft.com/office/drawing/2010/main" xmlns:ma14="http://schemas.microsoft.com/office/mac/drawingml/2011/main" val="1"/>
+              <ma14:wrappingTextBoxFlag xmlns:ma14="http://schemas.microsoft.com/office/mac/drawingml/2011/main" xmlns:a14="http://schemas.microsoft.com/office/drawing/2010/main" xmlns:m="http://schemas.openxmlformats.org/officeDocument/2006/math" xmlns="" val="1"/>
             </a:ext>
           </a:extLst>
         </p:spPr>
@@ -6507,7 +6283,7 @@
           </a:ln>
           <a:extLst>
             <a:ext uri="{C572A759-6A51-4108-AA02-DFA0A04FC94B}">
-              <ma14:wrappingTextBoxFlag xmlns="" xmlns:m="http://schemas.openxmlformats.org/officeDocument/2006/math" xmlns:a14="http://schemas.microsoft.com/office/drawing/2010/main" xmlns:ma14="http://schemas.microsoft.com/office/mac/drawingml/2011/main" val="1"/>
+              <ma14:wrappingTextBoxFlag xmlns:ma14="http://schemas.microsoft.com/office/mac/drawingml/2011/main" xmlns:a14="http://schemas.microsoft.com/office/drawing/2010/main" xmlns:m="http://schemas.openxmlformats.org/officeDocument/2006/math" xmlns="" val="1"/>
             </a:ext>
           </a:extLst>
         </p:spPr>
@@ -6567,7 +6343,7 @@
           </a:ln>
           <a:extLst>
             <a:ext uri="{C572A759-6A51-4108-AA02-DFA0A04FC94B}">
-              <ma14:wrappingTextBoxFlag xmlns="" xmlns:m="http://schemas.openxmlformats.org/officeDocument/2006/math" xmlns:a14="http://schemas.microsoft.com/office/drawing/2010/main" xmlns:ma14="http://schemas.microsoft.com/office/mac/drawingml/2011/main" val="1"/>
+              <ma14:wrappingTextBoxFlag xmlns:ma14="http://schemas.microsoft.com/office/mac/drawingml/2011/main" xmlns:a14="http://schemas.microsoft.com/office/drawing/2010/main" xmlns:m="http://schemas.openxmlformats.org/officeDocument/2006/math" xmlns="" val="1"/>
             </a:ext>
           </a:extLst>
         </p:spPr>
@@ -6627,7 +6403,7 @@
           </a:ln>
           <a:extLst>
             <a:ext uri="{C572A759-6A51-4108-AA02-DFA0A04FC94B}">
-              <ma14:wrappingTextBoxFlag xmlns="" xmlns:m="http://schemas.openxmlformats.org/officeDocument/2006/math" xmlns:a14="http://schemas.microsoft.com/office/drawing/2010/main" xmlns:ma14="http://schemas.microsoft.com/office/mac/drawingml/2011/main" val="1"/>
+              <ma14:wrappingTextBoxFlag xmlns:ma14="http://schemas.microsoft.com/office/mac/drawingml/2011/main" xmlns:a14="http://schemas.microsoft.com/office/drawing/2010/main" xmlns:m="http://schemas.openxmlformats.org/officeDocument/2006/math" xmlns="" val="1"/>
             </a:ext>
           </a:extLst>
         </p:spPr>
@@ -6690,7 +6466,7 @@
           </a:ln>
           <a:extLst>
             <a:ext uri="{C572A759-6A51-4108-AA02-DFA0A04FC94B}">
-              <ma14:wrappingTextBoxFlag xmlns="" xmlns:m="http://schemas.openxmlformats.org/officeDocument/2006/math" xmlns:a14="http://schemas.microsoft.com/office/drawing/2010/main" xmlns:ma14="http://schemas.microsoft.com/office/mac/drawingml/2011/main" val="1"/>
+              <ma14:wrappingTextBoxFlag xmlns:ma14="http://schemas.microsoft.com/office/mac/drawingml/2011/main" xmlns:a14="http://schemas.microsoft.com/office/drawing/2010/main" xmlns:m="http://schemas.openxmlformats.org/officeDocument/2006/math" xmlns="" val="1"/>
             </a:ext>
           </a:extLst>
         </p:spPr>
@@ -6847,7 +6623,7 @@
           </a:ln>
           <a:extLst>
             <a:ext uri="{C572A759-6A51-4108-AA02-DFA0A04FC94B}">
-              <ma14:wrappingTextBoxFlag xmlns="" xmlns:m="http://schemas.openxmlformats.org/officeDocument/2006/math" xmlns:a14="http://schemas.microsoft.com/office/drawing/2010/main" xmlns:ma14="http://schemas.microsoft.com/office/mac/drawingml/2011/main" val="1"/>
+              <ma14:wrappingTextBoxFlag xmlns:ma14="http://schemas.microsoft.com/office/mac/drawingml/2011/main" xmlns:a14="http://schemas.microsoft.com/office/drawing/2010/main" xmlns:m="http://schemas.openxmlformats.org/officeDocument/2006/math" xmlns="" val="1"/>
             </a:ext>
           </a:extLst>
         </p:spPr>
@@ -6898,7 +6674,7 @@
           </a:ln>
           <a:extLst>
             <a:ext uri="{C572A759-6A51-4108-AA02-DFA0A04FC94B}">
-              <ma14:wrappingTextBoxFlag xmlns="" xmlns:m="http://schemas.openxmlformats.org/officeDocument/2006/math" xmlns:a14="http://schemas.microsoft.com/office/drawing/2010/main" xmlns:ma14="http://schemas.microsoft.com/office/mac/drawingml/2011/main" val="1"/>
+              <ma14:wrappingTextBoxFlag xmlns:ma14="http://schemas.microsoft.com/office/mac/drawingml/2011/main" xmlns:a14="http://schemas.microsoft.com/office/drawing/2010/main" xmlns:m="http://schemas.openxmlformats.org/officeDocument/2006/math" xmlns="" val="1"/>
             </a:ext>
           </a:extLst>
         </p:spPr>
@@ -6949,7 +6725,7 @@
           </a:ln>
           <a:extLst>
             <a:ext uri="{C572A759-6A51-4108-AA02-DFA0A04FC94B}">
-              <ma14:wrappingTextBoxFlag xmlns="" xmlns:m="http://schemas.openxmlformats.org/officeDocument/2006/math" xmlns:a14="http://schemas.microsoft.com/office/drawing/2010/main" xmlns:ma14="http://schemas.microsoft.com/office/mac/drawingml/2011/main" val="1"/>
+              <ma14:wrappingTextBoxFlag xmlns:ma14="http://schemas.microsoft.com/office/mac/drawingml/2011/main" xmlns:a14="http://schemas.microsoft.com/office/drawing/2010/main" xmlns:m="http://schemas.openxmlformats.org/officeDocument/2006/math" xmlns="" val="1"/>
             </a:ext>
           </a:extLst>
         </p:spPr>
@@ -7218,8 +6994,8 @@
         </p:nvSpPr>
         <p:spPr>
           <a:xfrm>
-            <a:off x="13538631" y="13697621"/>
-            <a:ext cx="11447362" cy="715402"/>
+            <a:off x="13281184" y="13677955"/>
+            <a:ext cx="11476889" cy="1084111"/>
           </a:xfrm>
           <a:prstGeom prst="rect">
             <a:avLst/>
@@ -7268,7 +7044,18 @@
                 <a:ea typeface="Roboto" charset="0"/>
                 <a:cs typeface="Roboto" charset="0"/>
               </a:rPr>
-              <a:t>AEGIS Study Team, </a:t>
+              <a:t>Johnston, P.A. and Grandis, J.R. </a:t>
+            </a:r>
+            <a:r>
+              <a:rPr lang="en-US" sz="1600" i="1" dirty="0" err="1">
+                <a:solidFill>
+                  <a:schemeClr val="tx1"/>
+                </a:solidFill>
+                <a:latin typeface="Roboto" charset="0"/>
+                <a:ea typeface="Roboto" charset="0"/>
+                <a:cs typeface="Roboto" charset="0"/>
+              </a:rPr>
+              <a:t>Mol</a:t>
             </a:r>
             <a:r>
               <a:rPr lang="en-US" sz="1600" i="1" dirty="0">
@@ -7279,7 +7066,29 @@
                 <a:ea typeface="Roboto" charset="0"/>
                 <a:cs typeface="Roboto" charset="0"/>
               </a:rPr>
-              <a:t>J Natl Cancer Inst,</a:t>
+              <a:t> </a:t>
+            </a:r>
+            <a:r>
+              <a:rPr lang="en-US" sz="1600" i="1" dirty="0" err="1">
+                <a:solidFill>
+                  <a:schemeClr val="tx1"/>
+                </a:solidFill>
+                <a:latin typeface="Roboto" charset="0"/>
+                <a:ea typeface="Roboto" charset="0"/>
+                <a:cs typeface="Roboto" charset="0"/>
+              </a:rPr>
+              <a:t>Interv</a:t>
+            </a:r>
+            <a:r>
+              <a:rPr lang="en-US" sz="1600" i="1" dirty="0">
+                <a:solidFill>
+                  <a:schemeClr val="tx1"/>
+                </a:solidFill>
+                <a:latin typeface="Roboto" charset="0"/>
+                <a:ea typeface="Roboto" charset="0"/>
+                <a:cs typeface="Roboto" charset="0"/>
+              </a:rPr>
+              <a:t>,</a:t>
             </a:r>
             <a:r>
               <a:rPr lang="en-US" sz="1600" dirty="0">
@@ -7290,7 +7099,7 @@
                 <a:ea typeface="Roboto" charset="0"/>
                 <a:cs typeface="Roboto" charset="0"/>
               </a:rPr>
-              <a:t> 2017, </a:t>
+              <a:t> 2011, </a:t>
             </a:r>
             <a:r>
               <a:rPr lang="en-US" sz="1600" b="1" dirty="0">
@@ -7301,7 +7110,7 @@
                 <a:ea typeface="Roboto" charset="0"/>
                 <a:cs typeface="Roboto" charset="0"/>
               </a:rPr>
-              <a:t>109 </a:t>
+              <a:t>11 </a:t>
             </a:r>
             <a:r>
               <a:rPr lang="en-US" sz="1600" dirty="0">
@@ -7312,29 +7121,7 @@
                 <a:ea typeface="Roboto" charset="0"/>
                 <a:cs typeface="Roboto" charset="0"/>
               </a:rPr>
-              <a:t>(7), DOI: 10.1093/</a:t>
-            </a:r>
-            <a:r>
-              <a:rPr lang="en-US" sz="1600" dirty="0" err="1">
-                <a:solidFill>
-                  <a:schemeClr val="tx1"/>
-                </a:solidFill>
-                <a:latin typeface="Roboto" charset="0"/>
-                <a:ea typeface="Roboto" charset="0"/>
-                <a:cs typeface="Roboto" charset="0"/>
-              </a:rPr>
-              <a:t>jnci</a:t>
-            </a:r>
-            <a:r>
-              <a:rPr lang="en-US" sz="1600" dirty="0">
-                <a:solidFill>
-                  <a:schemeClr val="tx1"/>
-                </a:solidFill>
-                <a:latin typeface="Roboto" charset="0"/>
-                <a:ea typeface="Roboto" charset="0"/>
-                <a:cs typeface="Roboto" charset="0"/>
-              </a:rPr>
-              <a:t>/djw327</a:t>
+              <a:t>(1), 18-26. DOI: 10.1124/mi.11.1.4</a:t>
             </a:r>
           </a:p>
           <a:p>
@@ -7358,28 +7145,52 @@
                 <a:ea typeface="Roboto" charset="0"/>
                 <a:cs typeface="Roboto" charset="0"/>
               </a:rPr>
-              <a:t>National Center for Biotechnology Information, </a:t>
-            </a:r>
-            <a:r>
-              <a:rPr lang="en-US" sz="1600" u="sng" dirty="0">
+              <a:t>Wang, X. et al. </a:t>
+            </a:r>
+            <a:r>
+              <a:rPr lang="en-US" sz="1600" i="1" dirty="0">
                 <a:solidFill>
                   <a:schemeClr val="tx1"/>
                 </a:solidFill>
                 <a:latin typeface="Roboto" charset="0"/>
                 <a:ea typeface="Roboto" charset="0"/>
                 <a:cs typeface="Roboto" charset="0"/>
-                <a:hlinkClick r:id="rId2"/>
               </a:rPr>
-              <a:t>https://www.ncbi.nlm.nih.gov/gds</a:t>
-            </a:r>
-            <a:endParaRPr lang="en-US" sz="1600" u="sng" dirty="0">
-              <a:solidFill>
-                <a:schemeClr val="tx1"/>
-              </a:solidFill>
-              <a:latin typeface="Roboto" charset="0"/>
-              <a:ea typeface="Roboto" charset="0"/>
-              <a:cs typeface="Roboto" charset="0"/>
-            </a:endParaRPr>
+              <a:t>BMC Cancer</a:t>
+            </a:r>
+            <a:r>
+              <a:rPr lang="en-US" sz="1600" dirty="0">
+                <a:solidFill>
+                  <a:schemeClr val="tx1"/>
+                </a:solidFill>
+                <a:latin typeface="Roboto" charset="0"/>
+                <a:ea typeface="Roboto" charset="0"/>
+                <a:cs typeface="Roboto" charset="0"/>
+              </a:rPr>
+              <a:t>, 2016, </a:t>
+            </a:r>
+            <a:r>
+              <a:rPr lang="en-US" sz="1600" b="1" dirty="0">
+                <a:solidFill>
+                  <a:schemeClr val="tx1"/>
+                </a:solidFill>
+                <a:latin typeface="Roboto" charset="0"/>
+                <a:ea typeface="Roboto" charset="0"/>
+                <a:cs typeface="Roboto" charset="0"/>
+              </a:rPr>
+              <a:t>16 </a:t>
+            </a:r>
+            <a:r>
+              <a:rPr lang="en-US" sz="1600" dirty="0">
+                <a:solidFill>
+                  <a:schemeClr val="tx1"/>
+                </a:solidFill>
+                <a:latin typeface="Roboto" charset="0"/>
+                <a:ea typeface="Roboto" charset="0"/>
+                <a:cs typeface="Roboto" charset="0"/>
+              </a:rPr>
+              <a:t>(383). DOI: 10.1186/s12885-016-2460-5</a:t>
+            </a:r>
           </a:p>
           <a:p>
             <a:r>
@@ -7402,10 +7213,10 @@
                 <a:ea typeface="Roboto" charset="0"/>
                 <a:cs typeface="Roboto" charset="0"/>
               </a:rPr>
-              <a:t>Affymetrix, </a:t>
-            </a:r>
-            <a:r>
-              <a:rPr lang="en-US" sz="1600" u="sng" dirty="0">
+              <a:t>Zhang, F. et al. </a:t>
+            </a:r>
+            <a:r>
+              <a:rPr lang="en-US" sz="1600" i="1" dirty="0">
                 <a:solidFill>
                   <a:schemeClr val="tx1"/>
                 </a:solidFill>
@@ -7413,10 +7224,10 @@
                 <a:ea typeface="Roboto" charset="0"/>
                 <a:cs typeface="Roboto" charset="0"/>
               </a:rPr>
-              <a:t>https://</a:t>
-            </a:r>
-            <a:r>
-              <a:rPr lang="en-US" sz="1600" u="sng" dirty="0" err="1">
+              <a:t>Cell </a:t>
+            </a:r>
+            <a:r>
+              <a:rPr lang="en-US" sz="1600" i="1" dirty="0" err="1">
                 <a:solidFill>
                   <a:schemeClr val="tx1"/>
                 </a:solidFill>
@@ -7424,10 +7235,10 @@
                 <a:ea typeface="Roboto" charset="0"/>
                 <a:cs typeface="Roboto" charset="0"/>
               </a:rPr>
-              <a:t>www.affymetrix.com</a:t>
-            </a:r>
-            <a:r>
-              <a:rPr lang="en-US" sz="1600" u="sng" dirty="0">
+              <a:t>Prolif</a:t>
+            </a:r>
+            <a:r>
+              <a:rPr lang="en-US" sz="1600" dirty="0">
                 <a:solidFill>
                   <a:schemeClr val="tx1"/>
                 </a:solidFill>
@@ -7435,10 +7246,10 @@
                 <a:ea typeface="Roboto" charset="0"/>
                 <a:cs typeface="Roboto" charset="0"/>
               </a:rPr>
-              <a:t>/analysis/downloads/na36/</a:t>
-            </a:r>
-            <a:r>
-              <a:rPr lang="en-US" sz="1600" u="sng" dirty="0" err="1">
+              <a:t>, 2018, </a:t>
+            </a:r>
+            <a:r>
+              <a:rPr lang="en-US" sz="1600" b="1" dirty="0">
                 <a:solidFill>
                   <a:schemeClr val="tx1"/>
                 </a:solidFill>
@@ -7446,10 +7257,10 @@
                 <a:ea typeface="Roboto" charset="0"/>
                 <a:cs typeface="Roboto" charset="0"/>
               </a:rPr>
-              <a:t>wtgene</a:t>
-            </a:r>
-            <a:r>
-              <a:rPr lang="en-US" sz="1600" u="sng" dirty="0">
+              <a:t>51</a:t>
+            </a:r>
+            <a:r>
+              <a:rPr lang="en-US" sz="1600" dirty="0">
                 <a:solidFill>
                   <a:schemeClr val="tx1"/>
                 </a:solidFill>
@@ -7457,8 +7268,188 @@
                 <a:ea typeface="Roboto" charset="0"/>
                 <a:cs typeface="Roboto" charset="0"/>
               </a:rPr>
-              <a:t>/</a:t>
-            </a:r>
+              <a:t> (1). DOI: 10.1111/cpr.12397</a:t>
+            </a:r>
+          </a:p>
+          <a:p>
+            <a:r>
+              <a:rPr lang="en-US" sz="1600" baseline="30000" dirty="0">
+                <a:solidFill>
+                  <a:schemeClr val="tx1"/>
+                </a:solidFill>
+                <a:latin typeface="Roboto" charset="0"/>
+                <a:ea typeface="Roboto" charset="0"/>
+                <a:cs typeface="Roboto" charset="0"/>
+              </a:rPr>
+              <a:t>[4] </a:t>
+            </a:r>
+            <a:r>
+              <a:rPr lang="en-US" sz="1600" dirty="0">
+                <a:solidFill>
+                  <a:schemeClr val="tx1"/>
+                </a:solidFill>
+                <a:latin typeface="Roboto" charset="0"/>
+                <a:ea typeface="Roboto" charset="0"/>
+                <a:cs typeface="Roboto" charset="0"/>
+              </a:rPr>
+              <a:t>Moldovan, G.-L., </a:t>
+            </a:r>
+            <a:r>
+              <a:rPr lang="en-US" sz="1600" dirty="0" err="1">
+                <a:solidFill>
+                  <a:schemeClr val="tx1"/>
+                </a:solidFill>
+                <a:latin typeface="Roboto" charset="0"/>
+                <a:ea typeface="Roboto" charset="0"/>
+                <a:cs typeface="Roboto" charset="0"/>
+              </a:rPr>
+              <a:t>D’andrea</a:t>
+            </a:r>
+            <a:r>
+              <a:rPr lang="en-US" sz="1600" dirty="0">
+                <a:solidFill>
+                  <a:schemeClr val="tx1"/>
+                </a:solidFill>
+                <a:latin typeface="Roboto" charset="0"/>
+                <a:ea typeface="Roboto" charset="0"/>
+                <a:cs typeface="Roboto" charset="0"/>
+              </a:rPr>
+              <a:t>, A. D. </a:t>
+            </a:r>
+            <a:r>
+              <a:rPr lang="en-US" sz="1600" i="1" dirty="0">
+                <a:solidFill>
+                  <a:schemeClr val="tx1"/>
+                </a:solidFill>
+                <a:latin typeface="Roboto" charset="0"/>
+                <a:ea typeface="Roboto" charset="0"/>
+                <a:cs typeface="Roboto" charset="0"/>
+              </a:rPr>
+              <a:t>Annual Review of Genetics</a:t>
+            </a:r>
+            <a:r>
+              <a:rPr lang="en-US" sz="1600" dirty="0">
+                <a:solidFill>
+                  <a:schemeClr val="tx1"/>
+                </a:solidFill>
+                <a:latin typeface="Roboto" charset="0"/>
+                <a:ea typeface="Roboto" charset="0"/>
+                <a:cs typeface="Roboto" charset="0"/>
+              </a:rPr>
+              <a:t>, 2009, </a:t>
+            </a:r>
+            <a:r>
+              <a:rPr lang="en-US" sz="1600" b="1" dirty="0">
+                <a:solidFill>
+                  <a:schemeClr val="tx1"/>
+                </a:solidFill>
+                <a:latin typeface="Roboto" charset="0"/>
+                <a:ea typeface="Roboto" charset="0"/>
+                <a:cs typeface="Roboto" charset="0"/>
+              </a:rPr>
+              <a:t>43</a:t>
+            </a:r>
+            <a:r>
+              <a:rPr lang="en-US" sz="1600" dirty="0">
+                <a:solidFill>
+                  <a:schemeClr val="tx1"/>
+                </a:solidFill>
+                <a:latin typeface="Roboto" charset="0"/>
+                <a:ea typeface="Roboto" charset="0"/>
+                <a:cs typeface="Roboto" charset="0"/>
+              </a:rPr>
+              <a:t>, 223-249, DOI: 10.1146/annurev-genet-102108-134222</a:t>
+            </a:r>
+            <a:endParaRPr lang="en-US" sz="1600" u="sng" dirty="0">
+              <a:solidFill>
+                <a:schemeClr val="tx1"/>
+              </a:solidFill>
+              <a:latin typeface="Roboto" charset="0"/>
+              <a:ea typeface="Roboto" charset="0"/>
+              <a:cs typeface="Roboto" charset="0"/>
+            </a:endParaRPr>
+          </a:p>
+        </p:txBody>
+      </p:sp>
+      <p:pic>
+        <p:nvPicPr>
+          <p:cNvPr id="4" name="Picture 3">
+            <a:extLst>
+              <a:ext uri="{FF2B5EF4-FFF2-40B4-BE49-F238E27FC236}">
+                <a16:creationId xmlns:a16="http://schemas.microsoft.com/office/drawing/2014/main" id="{1A65858B-A797-0542-AB61-D8737288F171}"/>
+              </a:ext>
+            </a:extLst>
+          </p:cNvPr>
+          <p:cNvPicPr>
+            <a:picLocks noChangeAspect="1"/>
+          </p:cNvPicPr>
+          <p:nvPr/>
+        </p:nvPicPr>
+        <p:blipFill>
+          <a:blip r:embed="rId4"/>
+          <a:stretch>
+            <a:fillRect/>
+          </a:stretch>
+        </p:blipFill>
+        <p:spPr>
+          <a:xfrm>
+            <a:off x="13462000" y="11506127"/>
+            <a:ext cx="11153494" cy="1586591"/>
+          </a:xfrm>
+          <a:prstGeom prst="rect">
+            <a:avLst/>
+          </a:prstGeom>
+        </p:spPr>
+      </p:pic>
+      <p:sp>
+        <p:nvSpPr>
+          <p:cNvPr id="64" name="Rectangle 116">
+            <a:extLst>
+              <a:ext uri="{FF2B5EF4-FFF2-40B4-BE49-F238E27FC236}">
+                <a16:creationId xmlns:a16="http://schemas.microsoft.com/office/drawing/2014/main" id="{E5C2D423-B2FA-AE42-953B-44118E9C03C3}"/>
+              </a:ext>
+            </a:extLst>
+          </p:cNvPr>
+          <p:cNvSpPr txBox="1"/>
+          <p:nvPr/>
+        </p:nvSpPr>
+        <p:spPr>
+          <a:xfrm>
+            <a:off x="16495082" y="13052186"/>
+            <a:ext cx="5019567" cy="461665"/>
+          </a:xfrm>
+          <a:prstGeom prst="rect">
+            <a:avLst/>
+          </a:prstGeom>
+          <a:ln w="3175">
+            <a:miter lim="400000"/>
+          </a:ln>
+          <a:extLst>
+            <a:ext uri="{C572A759-6A51-4108-AA02-DFA0A04FC94B}">
+              <ma14:wrappingTextBoxFlag xmlns:ma14="http://schemas.microsoft.com/office/mac/drawingml/2011/main" xmlns:a14="http://schemas.microsoft.com/office/drawing/2010/main" xmlns:m="http://schemas.openxmlformats.org/officeDocument/2006/math" xmlns="" val="1"/>
+            </a:ext>
+          </a:extLst>
+        </p:spPr>
+        <p:txBody>
+          <a:bodyPr wrap="square" lIns="45719" rIns="45719" anchor="ctr">
+            <a:spAutoFit/>
+          </a:bodyPr>
+          <a:lstStyle>
+            <a:lvl1pPr algn="ctr" defTabSz="3511296">
+              <a:defRPr sz="3600">
+                <a:latin typeface="Roboto Regular"/>
+                <a:ea typeface="Roboto Regular"/>
+                <a:cs typeface="Roboto Regular"/>
+                <a:sym typeface="Roboto Regular"/>
+              </a:defRPr>
+            </a:lvl1pPr>
+          </a:lstStyle>
+          <a:p>
+            <a:r>
+              <a:rPr lang="en-US" sz="2400" b="1" dirty="0"/>
+              <a:t>Table 1 – Notable Genes in Predictor</a:t>
+            </a:r>
+            <a:endParaRPr sz="2400" b="1" dirty="0"/>
           </a:p>
         </p:txBody>
       </p:sp>
